--- a/info/NullPointerExeption v1.pptx
+++ b/info/NullPointerExeption v1.pptx
@@ -1,15 +1,19 @@
 
 <file path=ppt/presentation.xml><?xml version="1.0" encoding="utf-8"?>
-<p:presentation xmlns:a="http://schemas.openxmlformats.org/drawingml/2006/main" xmlns:r="http://schemas.openxmlformats.org/officeDocument/2006/relationships" xmlns:p="http://schemas.openxmlformats.org/presentationml/2006/main" saveSubsetFonts="1">
+<p:presentation xmlns:a="http://schemas.openxmlformats.org/drawingml/2006/main" xmlns:r="http://schemas.openxmlformats.org/officeDocument/2006/relationships" xmlns:p="http://schemas.openxmlformats.org/presentationml/2006/main" showSpecialPlsOnTitleSld="0" saveSubsetFonts="1">
   <p:sldMasterIdLst>
     <p:sldMasterId id="2147483648" r:id="rId1"/>
   </p:sldMasterIdLst>
+  <p:notesMasterIdLst>
+    <p:notesMasterId r:id="rId8"/>
+  </p:notesMasterIdLst>
   <p:sldIdLst>
     <p:sldId id="256" r:id="rId2"/>
     <p:sldId id="257" r:id="rId3"/>
     <p:sldId id="258" r:id="rId4"/>
     <p:sldId id="259" r:id="rId5"/>
     <p:sldId id="260" r:id="rId6"/>
+    <p:sldId id="261" r:id="rId7"/>
   </p:sldIdLst>
   <p:sldSz cx="12192000" cy="6858000"/>
   <p:notesSz cx="6858000" cy="9144000"/>
@@ -2595,6 +2599,42 @@
         </a:p>
       </dgm:t>
     </dgm:pt>
+    <dgm:pt modelId="{17408DC6-73F0-411B-A175-E619C7AB50C0}">
+      <dgm:prSet/>
+      <dgm:spPr/>
+      <dgm:t>
+        <a:bodyPr/>
+        <a:lstStyle/>
+        <a:p>
+          <a:r>
+            <a:rPr lang="ru-RU" dirty="0"/>
+            <a:t>Прогноз котировок для формирования торгово-инвестиционного портфеля</a:t>
+          </a:r>
+        </a:p>
+      </dgm:t>
+    </dgm:pt>
+    <dgm:pt modelId="{0F568912-83C3-4ECB-8CA3-101CE4C90EF9}" type="parTrans" cxnId="{0C443A57-6B9D-4DF3-A45E-73E050E5BF24}">
+      <dgm:prSet/>
+      <dgm:spPr/>
+      <dgm:t>
+        <a:bodyPr/>
+        <a:lstStyle/>
+        <a:p>
+          <a:endParaRPr lang="ru-RU"/>
+        </a:p>
+      </dgm:t>
+    </dgm:pt>
+    <dgm:pt modelId="{FBC1024F-3544-4A01-B754-B609D7FBDDBE}" type="sibTrans" cxnId="{0C443A57-6B9D-4DF3-A45E-73E050E5BF24}">
+      <dgm:prSet/>
+      <dgm:spPr/>
+      <dgm:t>
+        <a:bodyPr/>
+        <a:lstStyle/>
+        <a:p>
+          <a:endParaRPr lang="ru-RU"/>
+        </a:p>
+      </dgm:t>
+    </dgm:pt>
     <dgm:pt modelId="{5F99AC4C-192B-4D25-ADDF-F75CE0C2C6F7}" type="pres">
       <dgm:prSet presAssocID="{C51B9061-CAEE-4C81-82DC-0A0F5D799D96}" presName="diagram" presStyleCnt="0">
         <dgm:presLayoutVars>
@@ -2605,7 +2645,7 @@
       <dgm:spPr/>
     </dgm:pt>
     <dgm:pt modelId="{A5CFB0E8-BB7E-45CF-81E4-85E23270A9F7}" type="pres">
-      <dgm:prSet presAssocID="{0CCDB8FF-B533-48EC-B397-539DEE5DC987}" presName="node" presStyleLbl="node1" presStyleIdx="0" presStyleCnt="6">
+      <dgm:prSet presAssocID="{0CCDB8FF-B533-48EC-B397-539DEE5DC987}" presName="node" presStyleLbl="node1" presStyleIdx="0" presStyleCnt="7">
         <dgm:presLayoutVars>
           <dgm:bulletEnabled val="1"/>
         </dgm:presLayoutVars>
@@ -2617,7 +2657,7 @@
       <dgm:spPr/>
     </dgm:pt>
     <dgm:pt modelId="{E26E6C5B-B1FD-43E2-9E61-79B453B61184}" type="pres">
-      <dgm:prSet presAssocID="{48C977D3-1F7E-4768-B42C-BEC04ED66938}" presName="node" presStyleLbl="node1" presStyleIdx="1" presStyleCnt="6">
+      <dgm:prSet presAssocID="{48C977D3-1F7E-4768-B42C-BEC04ED66938}" presName="node" presStyleLbl="node1" presStyleIdx="1" presStyleCnt="7">
         <dgm:presLayoutVars>
           <dgm:bulletEnabled val="1"/>
         </dgm:presLayoutVars>
@@ -2629,7 +2669,7 @@
       <dgm:spPr/>
     </dgm:pt>
     <dgm:pt modelId="{E9BF7B00-14D3-40EB-A388-64CB64AA335C}" type="pres">
-      <dgm:prSet presAssocID="{D8C40CD7-7F66-49B9-BBFD-AE2240764533}" presName="node" presStyleLbl="node1" presStyleIdx="2" presStyleCnt="6">
+      <dgm:prSet presAssocID="{D8C40CD7-7F66-49B9-BBFD-AE2240764533}" presName="node" presStyleLbl="node1" presStyleIdx="2" presStyleCnt="7">
         <dgm:presLayoutVars>
           <dgm:bulletEnabled val="1"/>
         </dgm:presLayoutVars>
@@ -2641,7 +2681,7 @@
       <dgm:spPr/>
     </dgm:pt>
     <dgm:pt modelId="{1628DAB9-70B0-40D7-9DC7-F3DC81A566B5}" type="pres">
-      <dgm:prSet presAssocID="{1B668BB6-6164-40C9-B74B-3F5E85033164}" presName="node" presStyleLbl="node1" presStyleIdx="3" presStyleCnt="6">
+      <dgm:prSet presAssocID="{1B668BB6-6164-40C9-B74B-3F5E85033164}" presName="node" presStyleLbl="node1" presStyleIdx="3" presStyleCnt="7">
         <dgm:presLayoutVars>
           <dgm:bulletEnabled val="1"/>
         </dgm:presLayoutVars>
@@ -2653,7 +2693,7 @@
       <dgm:spPr/>
     </dgm:pt>
     <dgm:pt modelId="{FAD0FD17-680C-4760-A30F-C2AA06A81373}" type="pres">
-      <dgm:prSet presAssocID="{E11493DA-A86B-42C4-9B2C-BE7251014238}" presName="node" presStyleLbl="node1" presStyleIdx="4" presStyleCnt="6">
+      <dgm:prSet presAssocID="{E11493DA-A86B-42C4-9B2C-BE7251014238}" presName="node" presStyleLbl="node1" presStyleIdx="4" presStyleCnt="7">
         <dgm:presLayoutVars>
           <dgm:bulletEnabled val="1"/>
         </dgm:presLayoutVars>
@@ -2665,7 +2705,19 @@
       <dgm:spPr/>
     </dgm:pt>
     <dgm:pt modelId="{A3223C67-02A4-4213-80D4-E343439687F9}" type="pres">
-      <dgm:prSet presAssocID="{112C851C-02BC-4A8B-8C42-8AA716821D29}" presName="node" presStyleLbl="node1" presStyleIdx="5" presStyleCnt="6">
+      <dgm:prSet presAssocID="{112C851C-02BC-4A8B-8C42-8AA716821D29}" presName="node" presStyleLbl="node1" presStyleIdx="5" presStyleCnt="7">
+        <dgm:presLayoutVars>
+          <dgm:bulletEnabled val="1"/>
+        </dgm:presLayoutVars>
+      </dgm:prSet>
+      <dgm:spPr/>
+    </dgm:pt>
+    <dgm:pt modelId="{45E3C951-551F-4CAE-9783-BA2F121B83C5}" type="pres">
+      <dgm:prSet presAssocID="{B72AAC5D-3316-4A1A-B4A3-443AA8BAEA40}" presName="sibTrans" presStyleCnt="0"/>
+      <dgm:spPr/>
+    </dgm:pt>
+    <dgm:pt modelId="{A731730D-048F-4216-B470-97F171206C30}" type="pres">
+      <dgm:prSet presAssocID="{17408DC6-73F0-411B-A175-E619C7AB50C0}" presName="node" presStyleLbl="node1" presStyleIdx="6" presStyleCnt="7">
         <dgm:presLayoutVars>
           <dgm:bulletEnabled val="1"/>
         </dgm:presLayoutVars>
@@ -2680,9 +2732,11 @@
     <dgm:cxn modelId="{55E69F35-2144-47C3-9F08-E78907E23B17}" type="presOf" srcId="{D8C40CD7-7F66-49B9-BBFD-AE2240764533}" destId="{E9BF7B00-14D3-40EB-A388-64CB64AA335C}" srcOrd="0" destOrd="0" presId="urn:microsoft.com/office/officeart/2005/8/layout/default"/>
     <dgm:cxn modelId="{53BBEE38-158B-4A2E-A746-BD501CD44D0F}" srcId="{C51B9061-CAEE-4C81-82DC-0A0F5D799D96}" destId="{112C851C-02BC-4A8B-8C42-8AA716821D29}" srcOrd="5" destOrd="0" parTransId="{57EA5F3C-6A8C-4492-81A0-E67C7113383A}" sibTransId="{B72AAC5D-3316-4A1A-B4A3-443AA8BAEA40}"/>
     <dgm:cxn modelId="{8AD22039-D100-4EF2-BDCA-AE44ED1C66A3}" srcId="{C51B9061-CAEE-4C81-82DC-0A0F5D799D96}" destId="{48C977D3-1F7E-4768-B42C-BEC04ED66938}" srcOrd="1" destOrd="0" parTransId="{A2207309-CBFC-4BFA-9E8E-3BA3BD2418DE}" sibTransId="{A1997562-4BC4-429F-9F74-14A207E8C199}"/>
+    <dgm:cxn modelId="{09318E5C-77CD-4F99-A41C-2FE42EA2577B}" type="presOf" srcId="{17408DC6-73F0-411B-A175-E619C7AB50C0}" destId="{A731730D-048F-4216-B470-97F171206C30}" srcOrd="0" destOrd="0" presId="urn:microsoft.com/office/officeart/2005/8/layout/default"/>
     <dgm:cxn modelId="{60B28364-F79A-4429-BA9E-3CD7EF7DA047}" type="presOf" srcId="{112C851C-02BC-4A8B-8C42-8AA716821D29}" destId="{A3223C67-02A4-4213-80D4-E343439687F9}" srcOrd="0" destOrd="0" presId="urn:microsoft.com/office/officeart/2005/8/layout/default"/>
     <dgm:cxn modelId="{BE81B264-AF48-4260-AF71-C70B6EF6C2F1}" srcId="{C51B9061-CAEE-4C81-82DC-0A0F5D799D96}" destId="{D8C40CD7-7F66-49B9-BBFD-AE2240764533}" srcOrd="2" destOrd="0" parTransId="{E7A279C3-2345-45A2-B364-0B1D0B28FE8A}" sibTransId="{B20BBDA1-F2D9-4BE2-89C3-C2444B83DEB7}"/>
     <dgm:cxn modelId="{E2539170-FC34-4CFA-AA6A-A66665655E8D}" srcId="{C51B9061-CAEE-4C81-82DC-0A0F5D799D96}" destId="{0CCDB8FF-B533-48EC-B397-539DEE5DC987}" srcOrd="0" destOrd="0" parTransId="{0CB2F605-FB82-450D-B550-90332061CFF0}" sibTransId="{CF4069AE-299E-46A8-8146-988E11DE9793}"/>
+    <dgm:cxn modelId="{0C443A57-6B9D-4DF3-A45E-73E050E5BF24}" srcId="{C51B9061-CAEE-4C81-82DC-0A0F5D799D96}" destId="{17408DC6-73F0-411B-A175-E619C7AB50C0}" srcOrd="6" destOrd="0" parTransId="{0F568912-83C3-4ECB-8CA3-101CE4C90EF9}" sibTransId="{FBC1024F-3544-4A01-B754-B609D7FBDDBE}"/>
     <dgm:cxn modelId="{709264A2-7E5C-4021-B2E2-2EB29AFBFC3A}" type="presOf" srcId="{E11493DA-A86B-42C4-9B2C-BE7251014238}" destId="{FAD0FD17-680C-4760-A30F-C2AA06A81373}" srcOrd="0" destOrd="0" presId="urn:microsoft.com/office/officeart/2005/8/layout/default"/>
     <dgm:cxn modelId="{C75001BA-3274-4671-9DA6-F1D71B1EC1F9}" srcId="{C51B9061-CAEE-4C81-82DC-0A0F5D799D96}" destId="{E11493DA-A86B-42C4-9B2C-BE7251014238}" srcOrd="4" destOrd="0" parTransId="{D7692EF5-0A96-426F-AC7A-AABC58B80425}" sibTransId="{F152D121-A3BB-4FB6-B12C-DE1E91091C1E}"/>
     <dgm:cxn modelId="{AA73E6CE-CBFF-4E7A-BCD6-9DAFEFD6FC06}" type="presOf" srcId="{1B668BB6-6164-40C9-B74B-3F5E85033164}" destId="{1628DAB9-70B0-40D7-9DC7-F3DC81A566B5}" srcOrd="0" destOrd="0" presId="urn:microsoft.com/office/officeart/2005/8/layout/default"/>
@@ -2698,6 +2752,8 @@
     <dgm:cxn modelId="{DCF4889D-92D8-4D60-BD4F-34D3366D1FD3}" type="presParOf" srcId="{5F99AC4C-192B-4D25-ADDF-F75CE0C2C6F7}" destId="{FAD0FD17-680C-4760-A30F-C2AA06A81373}" srcOrd="8" destOrd="0" presId="urn:microsoft.com/office/officeart/2005/8/layout/default"/>
     <dgm:cxn modelId="{D713E8AB-CE00-414A-8D51-887C20312744}" type="presParOf" srcId="{5F99AC4C-192B-4D25-ADDF-F75CE0C2C6F7}" destId="{2CFDC052-C84D-41E4-B55A-CDDE4120F822}" srcOrd="9" destOrd="0" presId="urn:microsoft.com/office/officeart/2005/8/layout/default"/>
     <dgm:cxn modelId="{392E15EB-85A0-450C-A985-E64C424FD6B1}" type="presParOf" srcId="{5F99AC4C-192B-4D25-ADDF-F75CE0C2C6F7}" destId="{A3223C67-02A4-4213-80D4-E343439687F9}" srcOrd="10" destOrd="0" presId="urn:microsoft.com/office/officeart/2005/8/layout/default"/>
+    <dgm:cxn modelId="{038C3FCF-AE41-4DA9-930A-87391B2744CD}" type="presParOf" srcId="{5F99AC4C-192B-4D25-ADDF-F75CE0C2C6F7}" destId="{45E3C951-551F-4CAE-9783-BA2F121B83C5}" srcOrd="11" destOrd="0" presId="urn:microsoft.com/office/officeart/2005/8/layout/default"/>
+    <dgm:cxn modelId="{12BC36C5-8A06-435A-98A4-A640CF8DFC96}" type="presParOf" srcId="{5F99AC4C-192B-4D25-ADDF-F75CE0C2C6F7}" destId="{A731730D-048F-4216-B470-97F171206C30}" srcOrd="12" destOrd="0" presId="urn:microsoft.com/office/officeart/2005/8/layout/default"/>
   </dgm:cxnLst>
   <dgm:bg/>
   <dgm:whole/>
@@ -2835,6 +2891,46 @@
         </a:p>
       </dgm:t>
     </dgm:pt>
+    <dgm:pt modelId="{7BD90DF5-816E-45F0-AD42-248C23AFBCA7}">
+      <dgm:prSet/>
+      <dgm:spPr/>
+      <dgm:t>
+        <a:bodyPr/>
+        <a:lstStyle/>
+        <a:p>
+          <a:r>
+            <a:rPr lang="ru-RU" dirty="0" err="1"/>
+            <a:t>Воззможность</a:t>
+          </a:r>
+          <a:r>
+            <a:rPr lang="ru-RU" dirty="0"/>
+            <a:t> кастомизации создания стратегий на всех этапах</a:t>
+          </a:r>
+        </a:p>
+      </dgm:t>
+    </dgm:pt>
+    <dgm:pt modelId="{0F7279B7-58FA-4600-B737-1EF8EFF59802}" type="parTrans" cxnId="{6B6540F1-5F74-41AA-90D4-9A8F9F7E73FB}">
+      <dgm:prSet/>
+      <dgm:spPr/>
+      <dgm:t>
+        <a:bodyPr/>
+        <a:lstStyle/>
+        <a:p>
+          <a:endParaRPr lang="ru-RU"/>
+        </a:p>
+      </dgm:t>
+    </dgm:pt>
+    <dgm:pt modelId="{061E1E73-D6AB-46AE-814B-CEC64F5212BF}" type="sibTrans" cxnId="{6B6540F1-5F74-41AA-90D4-9A8F9F7E73FB}">
+      <dgm:prSet/>
+      <dgm:spPr/>
+      <dgm:t>
+        <a:bodyPr/>
+        <a:lstStyle/>
+        <a:p>
+          <a:endParaRPr lang="ru-RU"/>
+        </a:p>
+      </dgm:t>
+    </dgm:pt>
     <dgm:pt modelId="{78782C01-E453-4B62-843B-BF078B799EF4}" type="pres">
       <dgm:prSet presAssocID="{9F49E12F-D875-4593-BD89-3A130A5242C5}" presName="diagram" presStyleCnt="0">
         <dgm:presLayoutVars>
@@ -2845,7 +2941,7 @@
       <dgm:spPr/>
     </dgm:pt>
     <dgm:pt modelId="{E7147B29-89AD-4520-A7FF-3E83C5239222}" type="pres">
-      <dgm:prSet presAssocID="{09DBE488-4B6D-4800-B71C-C218927BD663}" presName="node" presStyleLbl="node1" presStyleIdx="0" presStyleCnt="3">
+      <dgm:prSet presAssocID="{09DBE488-4B6D-4800-B71C-C218927BD663}" presName="node" presStyleLbl="node1" presStyleIdx="0" presStyleCnt="4">
         <dgm:presLayoutVars>
           <dgm:bulletEnabled val="1"/>
         </dgm:presLayoutVars>
@@ -2857,7 +2953,7 @@
       <dgm:spPr/>
     </dgm:pt>
     <dgm:pt modelId="{DF92D594-F9AC-4033-972D-63746099D6DA}" type="pres">
-      <dgm:prSet presAssocID="{6141AE86-A30F-445E-8EB4-13781B6D2986}" presName="node" presStyleLbl="node1" presStyleIdx="1" presStyleCnt="3">
+      <dgm:prSet presAssocID="{6141AE86-A30F-445E-8EB4-13781B6D2986}" presName="node" presStyleLbl="node1" presStyleIdx="1" presStyleCnt="4">
         <dgm:presLayoutVars>
           <dgm:bulletEnabled val="1"/>
         </dgm:presLayoutVars>
@@ -2869,7 +2965,19 @@
       <dgm:spPr/>
     </dgm:pt>
     <dgm:pt modelId="{153A2CFF-FC60-42F3-B931-365DAB89DB6C}" type="pres">
-      <dgm:prSet presAssocID="{42EE917B-BA5C-44BD-8EC9-FAD2B3D6A594}" presName="node" presStyleLbl="node1" presStyleIdx="2" presStyleCnt="3">
+      <dgm:prSet presAssocID="{42EE917B-BA5C-44BD-8EC9-FAD2B3D6A594}" presName="node" presStyleLbl="node1" presStyleIdx="2" presStyleCnt="4">
+        <dgm:presLayoutVars>
+          <dgm:bulletEnabled val="1"/>
+        </dgm:presLayoutVars>
+      </dgm:prSet>
+      <dgm:spPr/>
+    </dgm:pt>
+    <dgm:pt modelId="{14527F7D-1E55-4F6E-A75B-47D9672ED2CB}" type="pres">
+      <dgm:prSet presAssocID="{8A4A1D0B-36E7-41BA-B043-1258FA3FBE74}" presName="sibTrans" presStyleCnt="0"/>
+      <dgm:spPr/>
+    </dgm:pt>
+    <dgm:pt modelId="{25FEA833-239D-407B-B25B-1C3D88EA03CC}" type="pres">
+      <dgm:prSet presAssocID="{7BD90DF5-816E-45F0-AD42-248C23AFBCA7}" presName="node" presStyleLbl="node1" presStyleIdx="3" presStyleCnt="4">
         <dgm:presLayoutVars>
           <dgm:bulletEnabled val="1"/>
         </dgm:presLayoutVars>
@@ -2879,17 +2987,21 @@
   </dgm:ptLst>
   <dgm:cxnLst>
     <dgm:cxn modelId="{95AFE503-6F2F-435F-9734-B8D3C53F92EC}" srcId="{9F49E12F-D875-4593-BD89-3A130A5242C5}" destId="{09DBE488-4B6D-4800-B71C-C218927BD663}" srcOrd="0" destOrd="0" parTransId="{F74DCEA1-8205-44DD-AC65-4B7DD1BB0D95}" sibTransId="{39DAE839-069C-4F94-8E81-C2B644E8B89F}"/>
+    <dgm:cxn modelId="{CAB39510-B024-44DF-98C1-885C95265D64}" type="presOf" srcId="{7BD90DF5-816E-45F0-AD42-248C23AFBCA7}" destId="{25FEA833-239D-407B-B25B-1C3D88EA03CC}" srcOrd="0" destOrd="0" presId="urn:microsoft.com/office/officeart/2005/8/layout/default"/>
     <dgm:cxn modelId="{02188B37-92A3-4828-ABBA-254097F0CDD1}" type="presOf" srcId="{09DBE488-4B6D-4800-B71C-C218927BD663}" destId="{E7147B29-89AD-4520-A7FF-3E83C5239222}" srcOrd="0" destOrd="0" presId="urn:microsoft.com/office/officeart/2005/8/layout/default"/>
     <dgm:cxn modelId="{3F0AD33C-4E53-45C2-8FAA-CC76EEC5BB06}" type="presOf" srcId="{42EE917B-BA5C-44BD-8EC9-FAD2B3D6A594}" destId="{153A2CFF-FC60-42F3-B931-365DAB89DB6C}" srcOrd="0" destOrd="0" presId="urn:microsoft.com/office/officeart/2005/8/layout/default"/>
     <dgm:cxn modelId="{8E87435C-D27F-4D20-8A30-AC99E885F167}" srcId="{9F49E12F-D875-4593-BD89-3A130A5242C5}" destId="{42EE917B-BA5C-44BD-8EC9-FAD2B3D6A594}" srcOrd="2" destOrd="0" parTransId="{32EE1864-7148-4AE8-8D2C-C96F704D175B}" sibTransId="{8A4A1D0B-36E7-41BA-B043-1258FA3FBE74}"/>
     <dgm:cxn modelId="{5C104547-15C1-430A-8600-DDBF9D275F90}" srcId="{9F49E12F-D875-4593-BD89-3A130A5242C5}" destId="{6141AE86-A30F-445E-8EB4-13781B6D2986}" srcOrd="1" destOrd="0" parTransId="{7CC26E07-7DED-4EF2-A895-9454789B5695}" sibTransId="{4CC990B1-3A49-4851-9A83-9EFB42611C49}"/>
     <dgm:cxn modelId="{75E4309A-21AB-4F07-9104-2A9591CCB072}" type="presOf" srcId="{6141AE86-A30F-445E-8EB4-13781B6D2986}" destId="{DF92D594-F9AC-4033-972D-63746099D6DA}" srcOrd="0" destOrd="0" presId="urn:microsoft.com/office/officeart/2005/8/layout/default"/>
     <dgm:cxn modelId="{EE53F5B0-48B0-40F3-9759-084AF64BA5A7}" type="presOf" srcId="{9F49E12F-D875-4593-BD89-3A130A5242C5}" destId="{78782C01-E453-4B62-843B-BF078B799EF4}" srcOrd="0" destOrd="0" presId="urn:microsoft.com/office/officeart/2005/8/layout/default"/>
+    <dgm:cxn modelId="{6B6540F1-5F74-41AA-90D4-9A8F9F7E73FB}" srcId="{9F49E12F-D875-4593-BD89-3A130A5242C5}" destId="{7BD90DF5-816E-45F0-AD42-248C23AFBCA7}" srcOrd="3" destOrd="0" parTransId="{0F7279B7-58FA-4600-B737-1EF8EFF59802}" sibTransId="{061E1E73-D6AB-46AE-814B-CEC64F5212BF}"/>
     <dgm:cxn modelId="{124351DA-5997-4C37-A620-6BDA5BFF8FD1}" type="presParOf" srcId="{78782C01-E453-4B62-843B-BF078B799EF4}" destId="{E7147B29-89AD-4520-A7FF-3E83C5239222}" srcOrd="0" destOrd="0" presId="urn:microsoft.com/office/officeart/2005/8/layout/default"/>
     <dgm:cxn modelId="{84592836-3AAC-4309-82E4-9A24C976BB89}" type="presParOf" srcId="{78782C01-E453-4B62-843B-BF078B799EF4}" destId="{B14FDAF8-7B97-40D4-AF75-173F488DA737}" srcOrd="1" destOrd="0" presId="urn:microsoft.com/office/officeart/2005/8/layout/default"/>
     <dgm:cxn modelId="{682A65A5-A19C-4C31-90D7-38BE131248ED}" type="presParOf" srcId="{78782C01-E453-4B62-843B-BF078B799EF4}" destId="{DF92D594-F9AC-4033-972D-63746099D6DA}" srcOrd="2" destOrd="0" presId="urn:microsoft.com/office/officeart/2005/8/layout/default"/>
     <dgm:cxn modelId="{15985736-FE30-48C8-AED2-E34CEA010DFC}" type="presParOf" srcId="{78782C01-E453-4B62-843B-BF078B799EF4}" destId="{16F427E6-6E7F-46D1-8F7C-FB0A4AA0C621}" srcOrd="3" destOrd="0" presId="urn:microsoft.com/office/officeart/2005/8/layout/default"/>
     <dgm:cxn modelId="{5DC48DEA-06B4-4A2B-9E88-C18FB7D58B5B}" type="presParOf" srcId="{78782C01-E453-4B62-843B-BF078B799EF4}" destId="{153A2CFF-FC60-42F3-B931-365DAB89DB6C}" srcOrd="4" destOrd="0" presId="urn:microsoft.com/office/officeart/2005/8/layout/default"/>
+    <dgm:cxn modelId="{ED5EA884-C603-463C-8CE6-5C159980CA25}" type="presParOf" srcId="{78782C01-E453-4B62-843B-BF078B799EF4}" destId="{14527F7D-1E55-4F6E-A75B-47D9672ED2CB}" srcOrd="5" destOrd="0" presId="urn:microsoft.com/office/officeart/2005/8/layout/default"/>
+    <dgm:cxn modelId="{126D93C4-04DA-4B97-86ED-FEA92D8D42AE}" type="presParOf" srcId="{78782C01-E453-4B62-843B-BF078B799EF4}" destId="{25FEA833-239D-407B-B25B-1C3D88EA03CC}" srcOrd="6" destOrd="0" presId="urn:microsoft.com/office/officeart/2005/8/layout/default"/>
   </dgm:cxnLst>
   <dgm:bg/>
   <dgm:whole/>
@@ -3208,8 +3320,8 @@
       </dsp:nvSpPr>
       <dsp:spPr>
         <a:xfrm>
-          <a:off x="271002" y="838"/>
-          <a:ext cx="2025201" cy="1215121"/>
+          <a:off x="516836" y="743"/>
+          <a:ext cx="1791074" cy="1074644"/>
         </a:xfrm>
         <a:prstGeom prst="rect">
           <a:avLst/>
@@ -3251,12 +3363,12 @@
         </a:fontRef>
       </dsp:style>
       <dsp:txBody>
-        <a:bodyPr spcFirstLastPara="0" vert="horz" wrap="square" lIns="60960" tIns="60960" rIns="60960" bIns="60960" numCol="1" spcCol="1270" anchor="ctr" anchorCtr="0">
+        <a:bodyPr spcFirstLastPara="0" vert="horz" wrap="square" lIns="49530" tIns="49530" rIns="49530" bIns="49530" numCol="1" spcCol="1270" anchor="ctr" anchorCtr="0">
           <a:noAutofit/>
         </a:bodyPr>
         <a:lstStyle/>
         <a:p>
-          <a:pPr marL="0" lvl="0" indent="0" algn="ctr" defTabSz="711200">
+          <a:pPr marL="0" lvl="0" indent="0" algn="ctr" defTabSz="577850">
             <a:lnSpc>
               <a:spcPct val="90000"/>
             </a:lnSpc>
@@ -3269,14 +3381,14 @@
             <a:buNone/>
           </a:pPr>
           <a:r>
-            <a:rPr lang="ru-RU" sz="1600" kern="1200" dirty="0"/>
+            <a:rPr lang="ru-RU" sz="1300" kern="1200" dirty="0"/>
             <a:t>Тестирование потенциальной доходности разметки данных стратегии </a:t>
           </a:r>
         </a:p>
       </dsp:txBody>
       <dsp:txXfrm>
-        <a:off x="271002" y="838"/>
-        <a:ext cx="2025201" cy="1215121"/>
+        <a:off x="516836" y="743"/>
+        <a:ext cx="1791074" cy="1074644"/>
       </dsp:txXfrm>
     </dsp:sp>
     <dsp:sp modelId="{E26E6C5B-B1FD-43E2-9E61-79B453B61184}">
@@ -3286,8 +3398,8 @@
       </dsp:nvSpPr>
       <dsp:spPr>
         <a:xfrm>
-          <a:off x="2498724" y="838"/>
-          <a:ext cx="2025201" cy="1215121"/>
+          <a:off x="2487018" y="743"/>
+          <a:ext cx="1791074" cy="1074644"/>
         </a:xfrm>
         <a:prstGeom prst="rect">
           <a:avLst/>
@@ -3329,12 +3441,12 @@
         </a:fontRef>
       </dsp:style>
       <dsp:txBody>
-        <a:bodyPr spcFirstLastPara="0" vert="horz" wrap="square" lIns="60960" tIns="60960" rIns="60960" bIns="60960" numCol="1" spcCol="1270" anchor="ctr" anchorCtr="0">
+        <a:bodyPr spcFirstLastPara="0" vert="horz" wrap="square" lIns="49530" tIns="49530" rIns="49530" bIns="49530" numCol="1" spcCol="1270" anchor="ctr" anchorCtr="0">
           <a:noAutofit/>
         </a:bodyPr>
         <a:lstStyle/>
         <a:p>
-          <a:pPr marL="0" lvl="0" indent="0" algn="ctr" defTabSz="711200">
+          <a:pPr marL="0" lvl="0" indent="0" algn="ctr" defTabSz="577850">
             <a:lnSpc>
               <a:spcPct val="90000"/>
             </a:lnSpc>
@@ -3347,22 +3459,22 @@
             <a:buNone/>
           </a:pPr>
           <a:r>
-            <a:rPr lang="ru-RU" sz="1600" kern="1200" dirty="0"/>
+            <a:rPr lang="ru-RU" sz="1300" kern="1200" dirty="0"/>
             <a:t>Генерация </a:t>
           </a:r>
           <a:r>
-            <a:rPr lang="ru-RU" sz="1600" kern="1200" dirty="0" err="1"/>
+            <a:rPr lang="ru-RU" sz="1300" kern="1200" dirty="0" err="1"/>
             <a:t>датасета</a:t>
           </a:r>
           <a:r>
-            <a:rPr lang="ru-RU" sz="1600" kern="1200" dirty="0"/>
+            <a:rPr lang="ru-RU" sz="1300" kern="1200" dirty="0"/>
             <a:t> для обучения стратегии</a:t>
           </a:r>
         </a:p>
       </dsp:txBody>
       <dsp:txXfrm>
-        <a:off x="2498724" y="838"/>
-        <a:ext cx="2025201" cy="1215121"/>
+        <a:off x="2487018" y="743"/>
+        <a:ext cx="1791074" cy="1074644"/>
       </dsp:txXfrm>
     </dsp:sp>
     <dsp:sp modelId="{E9BF7B00-14D3-40EB-A388-64CB64AA335C}">
@@ -3372,8 +3484,8 @@
       </dsp:nvSpPr>
       <dsp:spPr>
         <a:xfrm>
-          <a:off x="271002" y="1418479"/>
-          <a:ext cx="2025201" cy="1215121"/>
+          <a:off x="516836" y="1254496"/>
+          <a:ext cx="1791074" cy="1074644"/>
         </a:xfrm>
         <a:prstGeom prst="rect">
           <a:avLst/>
@@ -3415,12 +3527,12 @@
         </a:fontRef>
       </dsp:style>
       <dsp:txBody>
-        <a:bodyPr spcFirstLastPara="0" vert="horz" wrap="square" lIns="60960" tIns="60960" rIns="60960" bIns="60960" numCol="1" spcCol="1270" anchor="ctr" anchorCtr="0">
+        <a:bodyPr spcFirstLastPara="0" vert="horz" wrap="square" lIns="49530" tIns="49530" rIns="49530" bIns="49530" numCol="1" spcCol="1270" anchor="ctr" anchorCtr="0">
           <a:noAutofit/>
         </a:bodyPr>
         <a:lstStyle/>
         <a:p>
-          <a:pPr marL="0" lvl="0" indent="0" algn="ctr" defTabSz="711200">
+          <a:pPr marL="0" lvl="0" indent="0" algn="ctr" defTabSz="577850">
             <a:lnSpc>
               <a:spcPct val="90000"/>
             </a:lnSpc>
@@ -3433,14 +3545,14 @@
             <a:buNone/>
           </a:pPr>
           <a:r>
-            <a:rPr lang="ru-RU" sz="1600" kern="1200" dirty="0"/>
+            <a:rPr lang="ru-RU" sz="1300" kern="1200" dirty="0"/>
             <a:t>Обучение нейронных сетей стратегии</a:t>
           </a:r>
         </a:p>
       </dsp:txBody>
       <dsp:txXfrm>
-        <a:off x="271002" y="1418479"/>
-        <a:ext cx="2025201" cy="1215121"/>
+        <a:off x="516836" y="1254496"/>
+        <a:ext cx="1791074" cy="1074644"/>
       </dsp:txXfrm>
     </dsp:sp>
     <dsp:sp modelId="{1628DAB9-70B0-40D7-9DC7-F3DC81A566B5}">
@@ -3450,8 +3562,8 @@
       </dsp:nvSpPr>
       <dsp:spPr>
         <a:xfrm>
-          <a:off x="2498724" y="1418479"/>
-          <a:ext cx="2025201" cy="1215121"/>
+          <a:off x="2487018" y="1254496"/>
+          <a:ext cx="1791074" cy="1074644"/>
         </a:xfrm>
         <a:prstGeom prst="rect">
           <a:avLst/>
@@ -3493,12 +3605,12 @@
         </a:fontRef>
       </dsp:style>
       <dsp:txBody>
-        <a:bodyPr spcFirstLastPara="0" vert="horz" wrap="square" lIns="60960" tIns="60960" rIns="60960" bIns="60960" numCol="1" spcCol="1270" anchor="ctr" anchorCtr="0">
+        <a:bodyPr spcFirstLastPara="0" vert="horz" wrap="square" lIns="49530" tIns="49530" rIns="49530" bIns="49530" numCol="1" spcCol="1270" anchor="ctr" anchorCtr="0">
           <a:noAutofit/>
         </a:bodyPr>
         <a:lstStyle/>
         <a:p>
-          <a:pPr marL="0" lvl="0" indent="0" algn="ctr" defTabSz="711200">
+          <a:pPr marL="0" lvl="0" indent="0" algn="ctr" defTabSz="577850">
             <a:lnSpc>
               <a:spcPct val="90000"/>
             </a:lnSpc>
@@ -3511,14 +3623,14 @@
             <a:buNone/>
           </a:pPr>
           <a:r>
-            <a:rPr lang="ru-RU" sz="1600" kern="1200" dirty="0"/>
+            <a:rPr lang="ru-RU" sz="1300" kern="1200" dirty="0"/>
             <a:t>Бек тесты стратегий</a:t>
           </a:r>
         </a:p>
       </dsp:txBody>
       <dsp:txXfrm>
-        <a:off x="2498724" y="1418479"/>
-        <a:ext cx="2025201" cy="1215121"/>
+        <a:off x="2487018" y="1254496"/>
+        <a:ext cx="1791074" cy="1074644"/>
       </dsp:txXfrm>
     </dsp:sp>
     <dsp:sp modelId="{FAD0FD17-680C-4760-A30F-C2AA06A81373}">
@@ -3528,8 +3640,8 @@
       </dsp:nvSpPr>
       <dsp:spPr>
         <a:xfrm>
-          <a:off x="271002" y="2836121"/>
-          <a:ext cx="2025201" cy="1215121"/>
+          <a:off x="516836" y="2508248"/>
+          <a:ext cx="1791074" cy="1074644"/>
         </a:xfrm>
         <a:prstGeom prst="rect">
           <a:avLst/>
@@ -3571,12 +3683,12 @@
         </a:fontRef>
       </dsp:style>
       <dsp:txBody>
-        <a:bodyPr spcFirstLastPara="0" vert="horz" wrap="square" lIns="60960" tIns="60960" rIns="60960" bIns="60960" numCol="1" spcCol="1270" anchor="ctr" anchorCtr="0">
+        <a:bodyPr spcFirstLastPara="0" vert="horz" wrap="square" lIns="49530" tIns="49530" rIns="49530" bIns="49530" numCol="1" spcCol="1270" anchor="ctr" anchorCtr="0">
           <a:noAutofit/>
         </a:bodyPr>
         <a:lstStyle/>
         <a:p>
-          <a:pPr marL="0" lvl="0" indent="0" algn="ctr" defTabSz="711200">
+          <a:pPr marL="0" lvl="0" indent="0" algn="ctr" defTabSz="577850">
             <a:lnSpc>
               <a:spcPct val="90000"/>
             </a:lnSpc>
@@ -3589,14 +3701,14 @@
             <a:buNone/>
           </a:pPr>
           <a:r>
-            <a:rPr lang="ru-RU" sz="1600" kern="1200" dirty="0"/>
+            <a:rPr lang="ru-RU" sz="1300" kern="1200" dirty="0"/>
             <a:t>Генерация сигналов стратегии</a:t>
           </a:r>
         </a:p>
       </dsp:txBody>
       <dsp:txXfrm>
-        <a:off x="271002" y="2836121"/>
-        <a:ext cx="2025201" cy="1215121"/>
+        <a:off x="516836" y="2508248"/>
+        <a:ext cx="1791074" cy="1074644"/>
       </dsp:txXfrm>
     </dsp:sp>
     <dsp:sp modelId="{A3223C67-02A4-4213-80D4-E343439687F9}">
@@ -3606,8 +3718,8 @@
       </dsp:nvSpPr>
       <dsp:spPr>
         <a:xfrm>
-          <a:off x="2498724" y="2836121"/>
-          <a:ext cx="2025201" cy="1215121"/>
+          <a:off x="2487018" y="2508248"/>
+          <a:ext cx="1791074" cy="1074644"/>
         </a:xfrm>
         <a:prstGeom prst="rect">
           <a:avLst/>
@@ -3649,12 +3761,12 @@
         </a:fontRef>
       </dsp:style>
       <dsp:txBody>
-        <a:bodyPr spcFirstLastPara="0" vert="horz" wrap="square" lIns="60960" tIns="60960" rIns="60960" bIns="60960" numCol="1" spcCol="1270" anchor="ctr" anchorCtr="0">
+        <a:bodyPr spcFirstLastPara="0" vert="horz" wrap="square" lIns="49530" tIns="49530" rIns="49530" bIns="49530" numCol="1" spcCol="1270" anchor="ctr" anchorCtr="0">
           <a:noAutofit/>
         </a:bodyPr>
         <a:lstStyle/>
         <a:p>
-          <a:pPr marL="0" lvl="0" indent="0" algn="ctr" defTabSz="711200">
+          <a:pPr marL="0" lvl="0" indent="0" algn="ctr" defTabSz="577850">
             <a:lnSpc>
               <a:spcPct val="90000"/>
             </a:lnSpc>
@@ -3667,14 +3779,92 @@
             <a:buNone/>
           </a:pPr>
           <a:r>
-            <a:rPr lang="ru-RU" sz="1600" kern="1200" dirty="0"/>
+            <a:rPr lang="ru-RU" sz="1300" kern="1200" dirty="0"/>
             <a:t>Торговля на бирже с использованием стратегии</a:t>
           </a:r>
         </a:p>
       </dsp:txBody>
       <dsp:txXfrm>
-        <a:off x="2498724" y="2836121"/>
-        <a:ext cx="2025201" cy="1215121"/>
+        <a:off x="2487018" y="2508248"/>
+        <a:ext cx="1791074" cy="1074644"/>
+      </dsp:txXfrm>
+    </dsp:sp>
+    <dsp:sp modelId="{A731730D-048F-4216-B470-97F171206C30}">
+      <dsp:nvSpPr>
+        <dsp:cNvPr id="0" name=""/>
+        <dsp:cNvSpPr/>
+      </dsp:nvSpPr>
+      <dsp:spPr>
+        <a:xfrm>
+          <a:off x="1501927" y="3762000"/>
+          <a:ext cx="1791074" cy="1074644"/>
+        </a:xfrm>
+        <a:prstGeom prst="rect">
+          <a:avLst/>
+        </a:prstGeom>
+        <a:solidFill>
+          <a:schemeClr val="accent1">
+            <a:hueOff val="0"/>
+            <a:satOff val="0"/>
+            <a:lumOff val="0"/>
+            <a:alphaOff val="0"/>
+          </a:schemeClr>
+        </a:solidFill>
+        <a:ln w="12700" cap="flat" cmpd="sng" algn="ctr">
+          <a:solidFill>
+            <a:schemeClr val="lt1">
+              <a:hueOff val="0"/>
+              <a:satOff val="0"/>
+              <a:lumOff val="0"/>
+              <a:alphaOff val="0"/>
+            </a:schemeClr>
+          </a:solidFill>
+          <a:prstDash val="solid"/>
+          <a:miter lim="800000"/>
+        </a:ln>
+        <a:effectLst/>
+      </dsp:spPr>
+      <dsp:style>
+        <a:lnRef idx="2">
+          <a:scrgbClr r="0" g="0" b="0"/>
+        </a:lnRef>
+        <a:fillRef idx="1">
+          <a:scrgbClr r="0" g="0" b="0"/>
+        </a:fillRef>
+        <a:effectRef idx="0">
+          <a:scrgbClr r="0" g="0" b="0"/>
+        </a:effectRef>
+        <a:fontRef idx="minor">
+          <a:schemeClr val="lt1"/>
+        </a:fontRef>
+      </dsp:style>
+      <dsp:txBody>
+        <a:bodyPr spcFirstLastPara="0" vert="horz" wrap="square" lIns="49530" tIns="49530" rIns="49530" bIns="49530" numCol="1" spcCol="1270" anchor="ctr" anchorCtr="0">
+          <a:noAutofit/>
+        </a:bodyPr>
+        <a:lstStyle/>
+        <a:p>
+          <a:pPr marL="0" lvl="0" indent="0" algn="ctr" defTabSz="577850">
+            <a:lnSpc>
+              <a:spcPct val="90000"/>
+            </a:lnSpc>
+            <a:spcBef>
+              <a:spcPct val="0"/>
+            </a:spcBef>
+            <a:spcAft>
+              <a:spcPct val="35000"/>
+            </a:spcAft>
+            <a:buNone/>
+          </a:pPr>
+          <a:r>
+            <a:rPr lang="ru-RU" sz="1300" kern="1200" dirty="0"/>
+            <a:t>Прогноз котировок для формирования торгово-инвестиционного портфеля</a:t>
+          </a:r>
+        </a:p>
+      </dsp:txBody>
+      <dsp:txXfrm>
+        <a:off x="1501927" y="3762000"/>
+        <a:ext cx="1791074" cy="1074644"/>
       </dsp:txXfrm>
     </dsp:sp>
   </dsp:spTree>
@@ -3696,8 +3886,8 @@
       </dsp:nvSpPr>
       <dsp:spPr>
         <a:xfrm>
-          <a:off x="407297" y="176"/>
-          <a:ext cx="1618072" cy="970843"/>
+          <a:off x="2000" y="99169"/>
+          <a:ext cx="1587157" cy="952294"/>
         </a:xfrm>
         <a:prstGeom prst="rect">
           <a:avLst/>
@@ -3763,8 +3953,8 @@
         </a:p>
       </dsp:txBody>
       <dsp:txXfrm>
-        <a:off x="407297" y="176"/>
-        <a:ext cx="1618072" cy="970843"/>
+        <a:off x="2000" y="99169"/>
+        <a:ext cx="1587157" cy="952294"/>
       </dsp:txXfrm>
     </dsp:sp>
     <dsp:sp modelId="{DF92D594-F9AC-4033-972D-63746099D6DA}">
@@ -3774,8 +3964,8 @@
       </dsp:nvSpPr>
       <dsp:spPr>
         <a:xfrm>
-          <a:off x="2187177" y="176"/>
-          <a:ext cx="1618072" cy="970843"/>
+          <a:off x="1747873" y="99169"/>
+          <a:ext cx="1587157" cy="952294"/>
         </a:xfrm>
         <a:prstGeom prst="rect">
           <a:avLst/>
@@ -3841,8 +4031,8 @@
         </a:p>
       </dsp:txBody>
       <dsp:txXfrm>
-        <a:off x="2187177" y="176"/>
-        <a:ext cx="1618072" cy="970843"/>
+        <a:off x="1747873" y="99169"/>
+        <a:ext cx="1587157" cy="952294"/>
       </dsp:txXfrm>
     </dsp:sp>
     <dsp:sp modelId="{153A2CFF-FC60-42F3-B931-365DAB89DB6C}">
@@ -3852,8 +4042,8 @@
       </dsp:nvSpPr>
       <dsp:spPr>
         <a:xfrm>
-          <a:off x="3967056" y="176"/>
-          <a:ext cx="1618072" cy="970843"/>
+          <a:off x="3493746" y="99169"/>
+          <a:ext cx="1587157" cy="952294"/>
         </a:xfrm>
         <a:prstGeom prst="rect">
           <a:avLst/>
@@ -3923,8 +4113,90 @@
         </a:p>
       </dsp:txBody>
       <dsp:txXfrm>
-        <a:off x="3967056" y="176"/>
-        <a:ext cx="1618072" cy="970843"/>
+        <a:off x="3493746" y="99169"/>
+        <a:ext cx="1587157" cy="952294"/>
+      </dsp:txXfrm>
+    </dsp:sp>
+    <dsp:sp modelId="{25FEA833-239D-407B-B25B-1C3D88EA03CC}">
+      <dsp:nvSpPr>
+        <dsp:cNvPr id="0" name=""/>
+        <dsp:cNvSpPr/>
+      </dsp:nvSpPr>
+      <dsp:spPr>
+        <a:xfrm>
+          <a:off x="5239619" y="99169"/>
+          <a:ext cx="1587157" cy="952294"/>
+        </a:xfrm>
+        <a:prstGeom prst="rect">
+          <a:avLst/>
+        </a:prstGeom>
+        <a:solidFill>
+          <a:schemeClr val="accent2">
+            <a:hueOff val="0"/>
+            <a:satOff val="0"/>
+            <a:lumOff val="0"/>
+            <a:alphaOff val="0"/>
+          </a:schemeClr>
+        </a:solidFill>
+        <a:ln w="12700" cap="flat" cmpd="sng" algn="ctr">
+          <a:solidFill>
+            <a:schemeClr val="lt1">
+              <a:hueOff val="0"/>
+              <a:satOff val="0"/>
+              <a:lumOff val="0"/>
+              <a:alphaOff val="0"/>
+            </a:schemeClr>
+          </a:solidFill>
+          <a:prstDash val="solid"/>
+          <a:miter lim="800000"/>
+        </a:ln>
+        <a:effectLst/>
+      </dsp:spPr>
+      <dsp:style>
+        <a:lnRef idx="2">
+          <a:scrgbClr r="0" g="0" b="0"/>
+        </a:lnRef>
+        <a:fillRef idx="1">
+          <a:scrgbClr r="0" g="0" b="0"/>
+        </a:fillRef>
+        <a:effectRef idx="0">
+          <a:scrgbClr r="0" g="0" b="0"/>
+        </a:effectRef>
+        <a:fontRef idx="minor">
+          <a:schemeClr val="lt1"/>
+        </a:fontRef>
+      </dsp:style>
+      <dsp:txBody>
+        <a:bodyPr spcFirstLastPara="0" vert="horz" wrap="square" lIns="45720" tIns="45720" rIns="45720" bIns="45720" numCol="1" spcCol="1270" anchor="ctr" anchorCtr="0">
+          <a:noAutofit/>
+        </a:bodyPr>
+        <a:lstStyle/>
+        <a:p>
+          <a:pPr marL="0" lvl="0" indent="0" algn="ctr" defTabSz="533400">
+            <a:lnSpc>
+              <a:spcPct val="90000"/>
+            </a:lnSpc>
+            <a:spcBef>
+              <a:spcPct val="0"/>
+            </a:spcBef>
+            <a:spcAft>
+              <a:spcPct val="35000"/>
+            </a:spcAft>
+            <a:buNone/>
+          </a:pPr>
+          <a:r>
+            <a:rPr lang="ru-RU" sz="1200" kern="1200" dirty="0" err="1"/>
+            <a:t>Воззможность</a:t>
+          </a:r>
+          <a:r>
+            <a:rPr lang="ru-RU" sz="1200" kern="1200" dirty="0"/>
+            <a:t> кастомизации создания стратегий на всех этапах</a:t>
+          </a:r>
+        </a:p>
+      </dsp:txBody>
+      <dsp:txXfrm>
+        <a:off x="5239619" y="99169"/>
+        <a:ext cx="1587157" cy="952294"/>
       </dsp:txXfrm>
     </dsp:sp>
   </dsp:spTree>
@@ -7876,6 +8148,355 @@
 </dgm:styleDef>
 </file>
 
+<file path=ppt/notesMasters/notesMaster1.xml><?xml version="1.0" encoding="utf-8"?>
+<p:notesMaster xmlns:a="http://schemas.openxmlformats.org/drawingml/2006/main" xmlns:r="http://schemas.openxmlformats.org/officeDocument/2006/relationships" xmlns:p="http://schemas.openxmlformats.org/presentationml/2006/main">
+  <p:cSld>
+    <p:bg>
+      <p:bgRef idx="1001">
+        <a:schemeClr val="bg1"/>
+      </p:bgRef>
+    </p:bg>
+    <p:spTree>
+      <p:nvGrpSpPr>
+        <p:cNvPr id="1" name=""/>
+        <p:cNvGrpSpPr/>
+        <p:nvPr/>
+      </p:nvGrpSpPr>
+      <p:grpSpPr>
+        <a:xfrm>
+          <a:off x="0" y="0"/>
+          <a:ext cx="0" cy="0"/>
+          <a:chOff x="0" y="0"/>
+          <a:chExt cx="0" cy="0"/>
+        </a:xfrm>
+      </p:grpSpPr>
+      <p:sp>
+        <p:nvSpPr>
+          <p:cNvPr id="2" name="Верхний колонтитул 1"/>
+          <p:cNvSpPr>
+            <a:spLocks noGrp="1"/>
+          </p:cNvSpPr>
+          <p:nvPr>
+            <p:ph type="hdr" sz="quarter"/>
+          </p:nvPr>
+        </p:nvSpPr>
+        <p:spPr>
+          <a:xfrm>
+            <a:off x="0" y="0"/>
+            <a:ext cx="2971800" cy="458788"/>
+          </a:xfrm>
+          <a:prstGeom prst="rect">
+            <a:avLst/>
+          </a:prstGeom>
+        </p:spPr>
+        <p:txBody>
+          <a:bodyPr vert="horz" lIns="91440" tIns="45720" rIns="91440" bIns="45720" rtlCol="0"/>
+          <a:lstStyle>
+            <a:lvl1pPr algn="l">
+              <a:defRPr sz="1200"/>
+            </a:lvl1pPr>
+          </a:lstStyle>
+          <a:p>
+            <a:endParaRPr lang="ru-RU"/>
+          </a:p>
+        </p:txBody>
+      </p:sp>
+      <p:sp>
+        <p:nvSpPr>
+          <p:cNvPr id="3" name="Дата 2"/>
+          <p:cNvSpPr>
+            <a:spLocks noGrp="1"/>
+          </p:cNvSpPr>
+          <p:nvPr>
+            <p:ph type="dt" idx="1"/>
+          </p:nvPr>
+        </p:nvSpPr>
+        <p:spPr>
+          <a:xfrm>
+            <a:off x="3884613" y="0"/>
+            <a:ext cx="2971800" cy="458788"/>
+          </a:xfrm>
+          <a:prstGeom prst="rect">
+            <a:avLst/>
+          </a:prstGeom>
+        </p:spPr>
+        <p:txBody>
+          <a:bodyPr vert="horz" lIns="91440" tIns="45720" rIns="91440" bIns="45720" rtlCol="0"/>
+          <a:lstStyle>
+            <a:lvl1pPr algn="r">
+              <a:defRPr sz="1200"/>
+            </a:lvl1pPr>
+          </a:lstStyle>
+          <a:p>
+            <a:fld id="{45E4F44E-283A-4460-B925-41E8DAD6B399}" type="datetimeFigureOut">
+              <a:rPr lang="ru-RU" smtClean="0"/>
+              <a:t>02.12.2023</a:t>
+            </a:fld>
+            <a:endParaRPr lang="ru-RU"/>
+          </a:p>
+        </p:txBody>
+      </p:sp>
+      <p:sp>
+        <p:nvSpPr>
+          <p:cNvPr id="4" name="Образ слайда 3"/>
+          <p:cNvSpPr>
+            <a:spLocks noGrp="1" noRot="1" noChangeAspect="1"/>
+          </p:cNvSpPr>
+          <p:nvPr>
+            <p:ph type="sldImg" idx="2"/>
+          </p:nvPr>
+        </p:nvSpPr>
+        <p:spPr>
+          <a:xfrm>
+            <a:off x="685800" y="1143000"/>
+            <a:ext cx="5486400" cy="3086100"/>
+          </a:xfrm>
+          <a:prstGeom prst="rect">
+            <a:avLst/>
+          </a:prstGeom>
+          <a:noFill/>
+          <a:ln w="12700">
+            <a:solidFill>
+              <a:prstClr val="black"/>
+            </a:solidFill>
+          </a:ln>
+        </p:spPr>
+        <p:txBody>
+          <a:bodyPr vert="horz" lIns="91440" tIns="45720" rIns="91440" bIns="45720" rtlCol="0" anchor="ctr"/>
+          <a:lstStyle/>
+          <a:p>
+            <a:endParaRPr lang="ru-RU"/>
+          </a:p>
+        </p:txBody>
+      </p:sp>
+      <p:sp>
+        <p:nvSpPr>
+          <p:cNvPr id="5" name="Заметки 4"/>
+          <p:cNvSpPr>
+            <a:spLocks noGrp="1"/>
+          </p:cNvSpPr>
+          <p:nvPr>
+            <p:ph type="body" sz="quarter" idx="3"/>
+          </p:nvPr>
+        </p:nvSpPr>
+        <p:spPr>
+          <a:xfrm>
+            <a:off x="685800" y="4400550"/>
+            <a:ext cx="5486400" cy="3600450"/>
+          </a:xfrm>
+          <a:prstGeom prst="rect">
+            <a:avLst/>
+          </a:prstGeom>
+        </p:spPr>
+        <p:txBody>
+          <a:bodyPr vert="horz" lIns="91440" tIns="45720" rIns="91440" bIns="45720" rtlCol="0"/>
+          <a:lstStyle/>
+          <a:p>
+            <a:pPr lvl="0"/>
+            <a:r>
+              <a:rPr lang="ru-RU"/>
+              <a:t>Образец текста</a:t>
+            </a:r>
+          </a:p>
+          <a:p>
+            <a:pPr lvl="1"/>
+            <a:r>
+              <a:rPr lang="ru-RU"/>
+              <a:t>Второй уровень</a:t>
+            </a:r>
+          </a:p>
+          <a:p>
+            <a:pPr lvl="2"/>
+            <a:r>
+              <a:rPr lang="ru-RU"/>
+              <a:t>Третий уровень</a:t>
+            </a:r>
+          </a:p>
+          <a:p>
+            <a:pPr lvl="3"/>
+            <a:r>
+              <a:rPr lang="ru-RU"/>
+              <a:t>Четвертый уровень</a:t>
+            </a:r>
+          </a:p>
+          <a:p>
+            <a:pPr lvl="4"/>
+            <a:r>
+              <a:rPr lang="ru-RU"/>
+              <a:t>Пятый уровень</a:t>
+            </a:r>
+          </a:p>
+        </p:txBody>
+      </p:sp>
+      <p:sp>
+        <p:nvSpPr>
+          <p:cNvPr id="6" name="Нижний колонтитул 5"/>
+          <p:cNvSpPr>
+            <a:spLocks noGrp="1"/>
+          </p:cNvSpPr>
+          <p:nvPr>
+            <p:ph type="ftr" sz="quarter" idx="4"/>
+          </p:nvPr>
+        </p:nvSpPr>
+        <p:spPr>
+          <a:xfrm>
+            <a:off x="0" y="8685213"/>
+            <a:ext cx="2971800" cy="458787"/>
+          </a:xfrm>
+          <a:prstGeom prst="rect">
+            <a:avLst/>
+          </a:prstGeom>
+        </p:spPr>
+        <p:txBody>
+          <a:bodyPr vert="horz" lIns="91440" tIns="45720" rIns="91440" bIns="45720" rtlCol="0" anchor="b"/>
+          <a:lstStyle>
+            <a:lvl1pPr algn="l">
+              <a:defRPr sz="1200"/>
+            </a:lvl1pPr>
+          </a:lstStyle>
+          <a:p>
+            <a:endParaRPr lang="ru-RU"/>
+          </a:p>
+        </p:txBody>
+      </p:sp>
+      <p:sp>
+        <p:nvSpPr>
+          <p:cNvPr id="7" name="Номер слайда 6"/>
+          <p:cNvSpPr>
+            <a:spLocks noGrp="1"/>
+          </p:cNvSpPr>
+          <p:nvPr>
+            <p:ph type="sldNum" sz="quarter" idx="5"/>
+          </p:nvPr>
+        </p:nvSpPr>
+        <p:spPr>
+          <a:xfrm>
+            <a:off x="3884613" y="8685213"/>
+            <a:ext cx="2971800" cy="458787"/>
+          </a:xfrm>
+          <a:prstGeom prst="rect">
+            <a:avLst/>
+          </a:prstGeom>
+        </p:spPr>
+        <p:txBody>
+          <a:bodyPr vert="horz" lIns="91440" tIns="45720" rIns="91440" bIns="45720" rtlCol="0" anchor="b"/>
+          <a:lstStyle>
+            <a:lvl1pPr algn="r">
+              <a:defRPr sz="1200"/>
+            </a:lvl1pPr>
+          </a:lstStyle>
+          <a:p>
+            <a:fld id="{97C80153-5DD1-4484-A6C7-4E91442737A7}" type="slidenum">
+              <a:rPr lang="ru-RU" smtClean="0"/>
+              <a:t>‹#›</a:t>
+            </a:fld>
+            <a:endParaRPr lang="ru-RU"/>
+          </a:p>
+        </p:txBody>
+      </p:sp>
+    </p:spTree>
+    <p:extLst>
+      <p:ext uri="{BB962C8B-B14F-4D97-AF65-F5344CB8AC3E}">
+        <p14:creationId xmlns:p14="http://schemas.microsoft.com/office/powerpoint/2010/main" val="1441169139"/>
+      </p:ext>
+    </p:extLst>
+  </p:cSld>
+  <p:clrMap bg1="lt1" tx1="dk1" bg2="lt2" tx2="dk2" accent1="accent1" accent2="accent2" accent3="accent3" accent4="accent4" accent5="accent5" accent6="accent6" hlink="hlink" folHlink="folHlink"/>
+  <p:notesStyle>
+    <a:lvl1pPr marL="0" algn="l" defTabSz="914400" rtl="0" eaLnBrk="1" latinLnBrk="0" hangingPunct="1">
+      <a:defRPr sz="1200" kern="1200">
+        <a:solidFill>
+          <a:schemeClr val="tx1"/>
+        </a:solidFill>
+        <a:latin typeface="+mn-lt"/>
+        <a:ea typeface="+mn-ea"/>
+        <a:cs typeface="+mn-cs"/>
+      </a:defRPr>
+    </a:lvl1pPr>
+    <a:lvl2pPr marL="457200" algn="l" defTabSz="914400" rtl="0" eaLnBrk="1" latinLnBrk="0" hangingPunct="1">
+      <a:defRPr sz="1200" kern="1200">
+        <a:solidFill>
+          <a:schemeClr val="tx1"/>
+        </a:solidFill>
+        <a:latin typeface="+mn-lt"/>
+        <a:ea typeface="+mn-ea"/>
+        <a:cs typeface="+mn-cs"/>
+      </a:defRPr>
+    </a:lvl2pPr>
+    <a:lvl3pPr marL="914400" algn="l" defTabSz="914400" rtl="0" eaLnBrk="1" latinLnBrk="0" hangingPunct="1">
+      <a:defRPr sz="1200" kern="1200">
+        <a:solidFill>
+          <a:schemeClr val="tx1"/>
+        </a:solidFill>
+        <a:latin typeface="+mn-lt"/>
+        <a:ea typeface="+mn-ea"/>
+        <a:cs typeface="+mn-cs"/>
+      </a:defRPr>
+    </a:lvl3pPr>
+    <a:lvl4pPr marL="1371600" algn="l" defTabSz="914400" rtl="0" eaLnBrk="1" latinLnBrk="0" hangingPunct="1">
+      <a:defRPr sz="1200" kern="1200">
+        <a:solidFill>
+          <a:schemeClr val="tx1"/>
+        </a:solidFill>
+        <a:latin typeface="+mn-lt"/>
+        <a:ea typeface="+mn-ea"/>
+        <a:cs typeface="+mn-cs"/>
+      </a:defRPr>
+    </a:lvl4pPr>
+    <a:lvl5pPr marL="1828800" algn="l" defTabSz="914400" rtl="0" eaLnBrk="1" latinLnBrk="0" hangingPunct="1">
+      <a:defRPr sz="1200" kern="1200">
+        <a:solidFill>
+          <a:schemeClr val="tx1"/>
+        </a:solidFill>
+        <a:latin typeface="+mn-lt"/>
+        <a:ea typeface="+mn-ea"/>
+        <a:cs typeface="+mn-cs"/>
+      </a:defRPr>
+    </a:lvl5pPr>
+    <a:lvl6pPr marL="2286000" algn="l" defTabSz="914400" rtl="0" eaLnBrk="1" latinLnBrk="0" hangingPunct="1">
+      <a:defRPr sz="1200" kern="1200">
+        <a:solidFill>
+          <a:schemeClr val="tx1"/>
+        </a:solidFill>
+        <a:latin typeface="+mn-lt"/>
+        <a:ea typeface="+mn-ea"/>
+        <a:cs typeface="+mn-cs"/>
+      </a:defRPr>
+    </a:lvl6pPr>
+    <a:lvl7pPr marL="2743200" algn="l" defTabSz="914400" rtl="0" eaLnBrk="1" latinLnBrk="0" hangingPunct="1">
+      <a:defRPr sz="1200" kern="1200">
+        <a:solidFill>
+          <a:schemeClr val="tx1"/>
+        </a:solidFill>
+        <a:latin typeface="+mn-lt"/>
+        <a:ea typeface="+mn-ea"/>
+        <a:cs typeface="+mn-cs"/>
+      </a:defRPr>
+    </a:lvl7pPr>
+    <a:lvl8pPr marL="3200400" algn="l" defTabSz="914400" rtl="0" eaLnBrk="1" latinLnBrk="0" hangingPunct="1">
+      <a:defRPr sz="1200" kern="1200">
+        <a:solidFill>
+          <a:schemeClr val="tx1"/>
+        </a:solidFill>
+        <a:latin typeface="+mn-lt"/>
+        <a:ea typeface="+mn-ea"/>
+        <a:cs typeface="+mn-cs"/>
+      </a:defRPr>
+    </a:lvl8pPr>
+    <a:lvl9pPr marL="3657600" algn="l" defTabSz="914400" rtl="0" eaLnBrk="1" latinLnBrk="0" hangingPunct="1">
+      <a:defRPr sz="1200" kern="1200">
+        <a:solidFill>
+          <a:schemeClr val="tx1"/>
+        </a:solidFill>
+        <a:latin typeface="+mn-lt"/>
+        <a:ea typeface="+mn-ea"/>
+        <a:cs typeface="+mn-cs"/>
+      </a:defRPr>
+    </a:lvl9pPr>
+  </p:notesStyle>
+</p:notesMaster>
+</file>
+
 <file path=ppt/slideLayouts/slideLayout1.xml><?xml version="1.0" encoding="utf-8"?>
 <p:sldLayout xmlns:a="http://schemas.openxmlformats.org/drawingml/2006/main" xmlns:r="http://schemas.openxmlformats.org/officeDocument/2006/relationships" xmlns:p="http://schemas.openxmlformats.org/presentationml/2006/main" type="title" preserve="1">
   <p:cSld name="Титульный слайд">
@@ -8021,9 +8642,9 @@
           <a:bodyPr/>
           <a:lstStyle/>
           <a:p>
-            <a:fld id="{F338A94E-9053-46D0-AC58-BFF57AECDAD9}" type="datetimeFigureOut">
+            <a:fld id="{1D1A3722-9A0D-4BC1-8327-DCA81E73DF0D}" type="datetime1">
               <a:rPr lang="ru-RU" smtClean="0"/>
-              <a:t>01.12.2023</a:t>
+              <a:t>02.12.2023</a:t>
             </a:fld>
             <a:endParaRPr lang="ru-RU"/>
           </a:p>
@@ -8219,9 +8840,9 @@
           <a:bodyPr/>
           <a:lstStyle/>
           <a:p>
-            <a:fld id="{F338A94E-9053-46D0-AC58-BFF57AECDAD9}" type="datetimeFigureOut">
+            <a:fld id="{4D1BB599-0C27-49D2-B8DB-D073EDDA75A1}" type="datetime1">
               <a:rPr lang="ru-RU" smtClean="0"/>
-              <a:t>01.12.2023</a:t>
+              <a:t>02.12.2023</a:t>
             </a:fld>
             <a:endParaRPr lang="ru-RU"/>
           </a:p>
@@ -8427,9 +9048,9 @@
           <a:bodyPr/>
           <a:lstStyle/>
           <a:p>
-            <a:fld id="{F338A94E-9053-46D0-AC58-BFF57AECDAD9}" type="datetimeFigureOut">
+            <a:fld id="{8FA0793E-D765-4B8C-993D-9792ECE704CF}" type="datetime1">
               <a:rPr lang="ru-RU" smtClean="0"/>
-              <a:t>01.12.2023</a:t>
+              <a:t>02.12.2023</a:t>
             </a:fld>
             <a:endParaRPr lang="ru-RU"/>
           </a:p>
@@ -8625,9 +9246,9 @@
           <a:bodyPr/>
           <a:lstStyle/>
           <a:p>
-            <a:fld id="{F338A94E-9053-46D0-AC58-BFF57AECDAD9}" type="datetimeFigureOut">
+            <a:fld id="{CEC514DF-95A3-4440-8C92-70183A8B271B}" type="datetime1">
               <a:rPr lang="ru-RU" smtClean="0"/>
-              <a:t>01.12.2023</a:t>
+              <a:t>02.12.2023</a:t>
             </a:fld>
             <a:endParaRPr lang="ru-RU"/>
           </a:p>
@@ -8900,9 +9521,9 @@
           <a:bodyPr/>
           <a:lstStyle/>
           <a:p>
-            <a:fld id="{F338A94E-9053-46D0-AC58-BFF57AECDAD9}" type="datetimeFigureOut">
+            <a:fld id="{0F089FD3-8D3F-4D70-810C-C3BAB130620C}" type="datetime1">
               <a:rPr lang="ru-RU" smtClean="0"/>
-              <a:t>01.12.2023</a:t>
+              <a:t>02.12.2023</a:t>
             </a:fld>
             <a:endParaRPr lang="ru-RU"/>
           </a:p>
@@ -9165,9 +9786,9 @@
           <a:bodyPr/>
           <a:lstStyle/>
           <a:p>
-            <a:fld id="{F338A94E-9053-46D0-AC58-BFF57AECDAD9}" type="datetimeFigureOut">
+            <a:fld id="{03BD065C-6440-4ADD-9661-2BC858116C36}" type="datetime1">
               <a:rPr lang="ru-RU" smtClean="0"/>
-              <a:t>01.12.2023</a:t>
+              <a:t>02.12.2023</a:t>
             </a:fld>
             <a:endParaRPr lang="ru-RU"/>
           </a:p>
@@ -9577,9 +10198,9 @@
           <a:bodyPr/>
           <a:lstStyle/>
           <a:p>
-            <a:fld id="{F338A94E-9053-46D0-AC58-BFF57AECDAD9}" type="datetimeFigureOut">
+            <a:fld id="{9C9F2781-6084-4967-8B27-EFD45617B623}" type="datetime1">
               <a:rPr lang="ru-RU" smtClean="0"/>
-              <a:t>01.12.2023</a:t>
+              <a:t>02.12.2023</a:t>
             </a:fld>
             <a:endParaRPr lang="ru-RU"/>
           </a:p>
@@ -9718,9 +10339,9 @@
           <a:bodyPr/>
           <a:lstStyle/>
           <a:p>
-            <a:fld id="{F338A94E-9053-46D0-AC58-BFF57AECDAD9}" type="datetimeFigureOut">
+            <a:fld id="{23075A13-C093-4814-9337-1B1624BE83A9}" type="datetime1">
               <a:rPr lang="ru-RU" smtClean="0"/>
-              <a:t>01.12.2023</a:t>
+              <a:t>02.12.2023</a:t>
             </a:fld>
             <a:endParaRPr lang="ru-RU"/>
           </a:p>
@@ -9831,9 +10452,9 @@
           <a:bodyPr/>
           <a:lstStyle/>
           <a:p>
-            <a:fld id="{F338A94E-9053-46D0-AC58-BFF57AECDAD9}" type="datetimeFigureOut">
+            <a:fld id="{3CCC03B5-CA10-40A1-8AFF-ACF6793E6DE9}" type="datetime1">
               <a:rPr lang="ru-RU" smtClean="0"/>
-              <a:t>01.12.2023</a:t>
+              <a:t>02.12.2023</a:t>
             </a:fld>
             <a:endParaRPr lang="ru-RU"/>
           </a:p>
@@ -10142,9 +10763,9 @@
           <a:bodyPr/>
           <a:lstStyle/>
           <a:p>
-            <a:fld id="{F338A94E-9053-46D0-AC58-BFF57AECDAD9}" type="datetimeFigureOut">
+            <a:fld id="{BC914419-F479-4EF7-BD8A-052207687194}" type="datetime1">
               <a:rPr lang="ru-RU" smtClean="0"/>
-              <a:t>01.12.2023</a:t>
+              <a:t>02.12.2023</a:t>
             </a:fld>
             <a:endParaRPr lang="ru-RU"/>
           </a:p>
@@ -10430,9 +11051,9 @@
           <a:bodyPr/>
           <a:lstStyle/>
           <a:p>
-            <a:fld id="{F338A94E-9053-46D0-AC58-BFF57AECDAD9}" type="datetimeFigureOut">
+            <a:fld id="{A9F53061-9FC4-4FC1-A9FE-D0609EFC237C}" type="datetime1">
               <a:rPr lang="ru-RU" smtClean="0"/>
-              <a:t>01.12.2023</a:t>
+              <a:t>02.12.2023</a:t>
             </a:fld>
             <a:endParaRPr lang="ru-RU"/>
           </a:p>
@@ -10671,9 +11292,9 @@
             </a:lvl1pPr>
           </a:lstStyle>
           <a:p>
-            <a:fld id="{F338A94E-9053-46D0-AC58-BFF57AECDAD9}" type="datetimeFigureOut">
+            <a:fld id="{97896050-A59A-406A-8488-78CA896E19D3}" type="datetime1">
               <a:rPr lang="ru-RU" smtClean="0"/>
-              <a:t>01.12.2023</a:t>
+              <a:t>02.12.2023</a:t>
             </a:fld>
             <a:endParaRPr lang="ru-RU"/>
           </a:p>
@@ -10790,6 +11411,7 @@
     <p:sldLayoutId id="2147483658" r:id="rId10"/>
     <p:sldLayoutId id="2147483659" r:id="rId11"/>
   </p:sldLayoutIdLst>
+  <p:hf hdr="0" ftr="0" dt="0"/>
   <p:txStyles>
     <p:titleStyle>
       <a:lvl1pPr algn="l" defTabSz="914400" rtl="0" eaLnBrk="1" latinLnBrk="0" hangingPunct="1">
@@ -11608,14 +12230,14 @@
           <p:nvPr>
             <p:extLst>
               <p:ext uri="{D42A27DB-BD31-4B8C-83A1-F6EECF244321}">
-                <p14:modId xmlns:p14="http://schemas.microsoft.com/office/powerpoint/2010/main" val="1920100748"/>
+                <p14:modId xmlns:p14="http://schemas.microsoft.com/office/powerpoint/2010/main" val="4220511037"/>
               </p:ext>
             </p:extLst>
           </p:nvPr>
         </p:nvGraphicFramePr>
         <p:xfrm>
-          <a:off x="336364" y="1953087"/>
-          <a:ext cx="4794929" cy="4052081"/>
+          <a:off x="336364" y="1848693"/>
+          <a:ext cx="4794929" cy="4837389"/>
         </p:xfrm>
         <a:graphic>
           <a:graphicData uri="http://schemas.openxmlformats.org/drawingml/2006/diagram">
@@ -11706,14 +12328,14 @@
           <p:nvPr>
             <p:extLst>
               <p:ext uri="{D42A27DB-BD31-4B8C-83A1-F6EECF244321}">
-                <p14:modId xmlns:p14="http://schemas.microsoft.com/office/powerpoint/2010/main" val="1995635408"/>
+                <p14:modId xmlns:p14="http://schemas.microsoft.com/office/powerpoint/2010/main" val="3685242694"/>
               </p:ext>
             </p:extLst>
           </p:nvPr>
         </p:nvGraphicFramePr>
         <p:xfrm>
-          <a:off x="5967643" y="5714886"/>
-          <a:ext cx="5992427" cy="971196"/>
+          <a:off x="5131293" y="5535449"/>
+          <a:ext cx="6828778" cy="1150633"/>
         </p:xfrm>
         <a:graphic>
           <a:graphicData uri="http://schemas.openxmlformats.org/drawingml/2006/diagram">
@@ -12824,6 +13446,82 @@
           </a:fontRef>
         </p:style>
       </p:cxnSp>
+      <p:cxnSp>
+        <p:nvCxnSpPr>
+          <p:cNvPr id="7" name="Соединитель: уступ 6">
+            <a:extLst>
+              <a:ext uri="{FF2B5EF4-FFF2-40B4-BE49-F238E27FC236}">
+                <a16:creationId xmlns:a16="http://schemas.microsoft.com/office/drawing/2014/main" id="{B602F730-31BE-4F01-98C8-CBC332FD4152}"/>
+              </a:ext>
+            </a:extLst>
+          </p:cNvPr>
+          <p:cNvCxnSpPr>
+            <a:stCxn id="31" idx="3"/>
+            <a:endCxn id="50" idx="1"/>
+          </p:cNvCxnSpPr>
+          <p:nvPr/>
+        </p:nvCxnSpPr>
+        <p:spPr>
+          <a:xfrm flipV="1">
+            <a:off x="8059447" y="4507471"/>
+            <a:ext cx="1764869" cy="342405"/>
+          </a:xfrm>
+          <a:prstGeom prst="bentConnector3">
+            <a:avLst/>
+          </a:prstGeom>
+          <a:ln>
+            <a:tailEnd type="triangle"/>
+          </a:ln>
+        </p:spPr>
+        <p:style>
+          <a:lnRef idx="1">
+            <a:schemeClr val="accent1"/>
+          </a:lnRef>
+          <a:fillRef idx="0">
+            <a:schemeClr val="accent1"/>
+          </a:fillRef>
+          <a:effectRef idx="0">
+            <a:schemeClr val="accent1"/>
+          </a:effectRef>
+          <a:fontRef idx="minor">
+            <a:schemeClr val="tx1"/>
+          </a:fontRef>
+        </p:style>
+      </p:cxnSp>
+      <p:sp>
+        <p:nvSpPr>
+          <p:cNvPr id="17" name="Номер слайда 16">
+            <a:extLst>
+              <a:ext uri="{FF2B5EF4-FFF2-40B4-BE49-F238E27FC236}">
+                <a16:creationId xmlns:a16="http://schemas.microsoft.com/office/drawing/2014/main" id="{03ACA621-267F-4000-A102-12063D582697}"/>
+              </a:ext>
+            </a:extLst>
+          </p:cNvPr>
+          <p:cNvSpPr>
+            <a:spLocks noGrp="1"/>
+          </p:cNvSpPr>
+          <p:nvPr>
+            <p:ph type="sldNum" sz="quarter" idx="12"/>
+          </p:nvPr>
+        </p:nvSpPr>
+        <p:spPr>
+          <a:xfrm>
+            <a:off x="9448800" y="6507252"/>
+            <a:ext cx="2743200" cy="365125"/>
+          </a:xfrm>
+        </p:spPr>
+        <p:txBody>
+          <a:bodyPr/>
+          <a:lstStyle/>
+          <a:p>
+            <a:fld id="{89FB0B25-A98A-4DE3-81E5-EEF3332C112B}" type="slidenum">
+              <a:rPr lang="ru-RU" sz="1800" smtClean="0"/>
+              <a:t>2</a:t>
+            </a:fld>
+            <a:endParaRPr lang="ru-RU" sz="1800" dirty="0"/>
+          </a:p>
+        </p:txBody>
+      </p:sp>
     </p:spTree>
     <p:extLst>
       <p:ext uri="{BB962C8B-B14F-4D97-AF65-F5344CB8AC3E}">
@@ -13533,6 +14231,40 @@
           </a:fontRef>
         </p:style>
       </p:cxnSp>
+      <p:sp>
+        <p:nvSpPr>
+          <p:cNvPr id="4" name="Номер слайда 3">
+            <a:extLst>
+              <a:ext uri="{FF2B5EF4-FFF2-40B4-BE49-F238E27FC236}">
+                <a16:creationId xmlns:a16="http://schemas.microsoft.com/office/drawing/2014/main" id="{7AE6C8E4-AD7C-424E-8D35-EE088A297D7E}"/>
+              </a:ext>
+            </a:extLst>
+          </p:cNvPr>
+          <p:cNvSpPr>
+            <a:spLocks noGrp="1"/>
+          </p:cNvSpPr>
+          <p:nvPr>
+            <p:ph type="sldNum" sz="quarter" idx="12"/>
+          </p:nvPr>
+        </p:nvSpPr>
+        <p:spPr>
+          <a:xfrm>
+            <a:off x="9356324" y="6429636"/>
+            <a:ext cx="2743200" cy="365125"/>
+          </a:xfrm>
+        </p:spPr>
+        <p:txBody>
+          <a:bodyPr/>
+          <a:lstStyle/>
+          <a:p>
+            <a:fld id="{89FB0B25-A98A-4DE3-81E5-EEF3332C112B}" type="slidenum">
+              <a:rPr lang="ru-RU" sz="1800" smtClean="0"/>
+              <a:t>3</a:t>
+            </a:fld>
+            <a:endParaRPr lang="ru-RU" sz="1800" dirty="0"/>
+          </a:p>
+        </p:txBody>
+      </p:sp>
     </p:spTree>
     <p:extLst>
       <p:ext uri="{BB962C8B-B14F-4D97-AF65-F5344CB8AC3E}">
@@ -13741,8 +14473,8 @@
         </p:nvSpPr>
         <p:spPr>
           <a:xfrm>
-            <a:off x="177553" y="1887334"/>
-            <a:ext cx="5246703" cy="2308324"/>
+            <a:off x="177553" y="1770389"/>
+            <a:ext cx="5246703" cy="1815882"/>
           </a:xfrm>
           <a:prstGeom prst="rect">
             <a:avLst/>
@@ -13760,7 +14492,7 @@
           <a:lstStyle/>
           <a:p>
             <a:r>
-              <a:rPr lang="ru-RU" b="1" dirty="0"/>
+              <a:rPr lang="ru-RU" sz="1600" b="1" dirty="0"/>
               <a:t>Структура нейронной сети:</a:t>
             </a:r>
           </a:p>
@@ -13770,14 +14502,14 @@
               <a:buChar char="-"/>
             </a:pPr>
             <a:r>
-              <a:rPr lang="ru-RU" dirty="0"/>
+              <a:rPr lang="ru-RU" sz="1600" dirty="0"/>
               <a:t>Слой 1: </a:t>
             </a:r>
             <a:r>
-              <a:rPr lang="en-US" dirty="0"/>
+              <a:rPr lang="en-US" sz="1600" dirty="0"/>
               <a:t>Dropout(0.2)</a:t>
             </a:r>
-            <a:endParaRPr lang="ru-RU" dirty="0"/>
+            <a:endParaRPr lang="ru-RU" sz="1600" dirty="0"/>
           </a:p>
           <a:p>
             <a:pPr marL="285750" indent="-285750">
@@ -13785,30 +14517,30 @@
               <a:buChar char="-"/>
             </a:pPr>
             <a:r>
-              <a:rPr lang="ru-RU" dirty="0"/>
+              <a:rPr lang="ru-RU" sz="1600" dirty="0"/>
               <a:t>Слой </a:t>
             </a:r>
             <a:r>
-              <a:rPr lang="en-US" dirty="0"/>
+              <a:rPr lang="en-US" sz="1600" dirty="0"/>
               <a:t>2</a:t>
             </a:r>
             <a:r>
-              <a:rPr lang="ru-RU" dirty="0"/>
+              <a:rPr lang="ru-RU" sz="1600" dirty="0"/>
               <a:t>: </a:t>
             </a:r>
             <a:r>
-              <a:rPr lang="en-US" dirty="0"/>
+              <a:rPr lang="en-US" sz="1600" dirty="0"/>
               <a:t>MLP | LSTM (1000, </a:t>
             </a:r>
             <a:r>
-              <a:rPr lang="ru-RU" dirty="0"/>
+              <a:rPr lang="ru-RU" sz="1600" dirty="0"/>
               <a:t>регуляризация 0.001-0.05</a:t>
             </a:r>
             <a:r>
-              <a:rPr lang="en-US" dirty="0"/>
+              <a:rPr lang="en-US" sz="1600" dirty="0"/>
               <a:t>)</a:t>
             </a:r>
-            <a:endParaRPr lang="ru-RU" dirty="0"/>
+            <a:endParaRPr lang="ru-RU" sz="1600" dirty="0"/>
           </a:p>
           <a:p>
             <a:pPr marL="285750" indent="-285750">
@@ -13816,38 +14548,38 @@
               <a:buChar char="-"/>
             </a:pPr>
             <a:r>
-              <a:rPr lang="ru-RU" dirty="0"/>
+              <a:rPr lang="ru-RU" sz="1600" dirty="0"/>
               <a:t>Слой </a:t>
             </a:r>
             <a:r>
-              <a:rPr lang="en-US" dirty="0"/>
+              <a:rPr lang="en-US" sz="1600" dirty="0"/>
               <a:t>3</a:t>
             </a:r>
             <a:r>
-              <a:rPr lang="ru-RU" dirty="0"/>
+              <a:rPr lang="ru-RU" sz="1600" dirty="0"/>
               <a:t>: </a:t>
             </a:r>
             <a:r>
-              <a:rPr lang="en-US" dirty="0"/>
+              <a:rPr lang="en-US" sz="1600" dirty="0"/>
               <a:t>MLP (</a:t>
             </a:r>
             <a:r>
-              <a:rPr lang="ru-RU" dirty="0"/>
+              <a:rPr lang="ru-RU" sz="1600" dirty="0"/>
               <a:t>500</a:t>
             </a:r>
             <a:r>
-              <a:rPr lang="en-US" dirty="0"/>
+              <a:rPr lang="en-US" sz="1600" dirty="0"/>
               <a:t>, </a:t>
             </a:r>
             <a:r>
-              <a:rPr lang="ru-RU" dirty="0"/>
+              <a:rPr lang="ru-RU" sz="1600" dirty="0"/>
               <a:t>регуляризация 0.001</a:t>
             </a:r>
             <a:r>
-              <a:rPr lang="en-US" dirty="0"/>
+              <a:rPr lang="en-US" sz="1600" dirty="0"/>
               <a:t>)</a:t>
             </a:r>
-            <a:endParaRPr lang="ru-RU" dirty="0"/>
+            <a:endParaRPr lang="ru-RU" sz="1600" dirty="0"/>
           </a:p>
           <a:p>
             <a:pPr marL="285750" indent="-285750">
@@ -13855,30 +14587,30 @@
               <a:buChar char="-"/>
             </a:pPr>
             <a:r>
-              <a:rPr lang="ru-RU" dirty="0"/>
+              <a:rPr lang="ru-RU" sz="1600" dirty="0"/>
               <a:t>Слой 4: </a:t>
             </a:r>
             <a:r>
-              <a:rPr lang="en-US" dirty="0"/>
+              <a:rPr lang="en-US" sz="1600" dirty="0"/>
               <a:t>MLP (</a:t>
             </a:r>
             <a:r>
-              <a:rPr lang="ru-RU" dirty="0"/>
+              <a:rPr lang="ru-RU" sz="1600" dirty="0"/>
               <a:t>250</a:t>
             </a:r>
             <a:r>
-              <a:rPr lang="en-US" dirty="0"/>
+              <a:rPr lang="en-US" sz="1600" dirty="0"/>
               <a:t>, </a:t>
             </a:r>
             <a:r>
-              <a:rPr lang="ru-RU" dirty="0"/>
+              <a:rPr lang="ru-RU" sz="1600" dirty="0"/>
               <a:t>регуляризация 0.001</a:t>
             </a:r>
             <a:r>
-              <a:rPr lang="en-US" dirty="0"/>
+              <a:rPr lang="en-US" sz="1600" dirty="0"/>
               <a:t>)</a:t>
             </a:r>
-            <a:endParaRPr lang="ru-RU" dirty="0"/>
+            <a:endParaRPr lang="ru-RU" sz="1600" dirty="0"/>
           </a:p>
           <a:p>
             <a:pPr marL="285750" indent="-285750">
@@ -13886,30 +14618,30 @@
               <a:buChar char="-"/>
             </a:pPr>
             <a:r>
-              <a:rPr lang="ru-RU" dirty="0"/>
+              <a:rPr lang="ru-RU" sz="1600" dirty="0"/>
               <a:t>Слой 5: </a:t>
             </a:r>
             <a:r>
-              <a:rPr lang="en-US" dirty="0"/>
+              <a:rPr lang="en-US" sz="1600" dirty="0"/>
               <a:t>MLP (</a:t>
             </a:r>
             <a:r>
-              <a:rPr lang="ru-RU" dirty="0"/>
+              <a:rPr lang="ru-RU" sz="1600" dirty="0"/>
               <a:t>75</a:t>
             </a:r>
             <a:r>
-              <a:rPr lang="en-US" dirty="0"/>
+              <a:rPr lang="en-US" sz="1600" dirty="0"/>
               <a:t>, </a:t>
             </a:r>
             <a:r>
-              <a:rPr lang="ru-RU" dirty="0"/>
+              <a:rPr lang="ru-RU" sz="1600" dirty="0"/>
               <a:t>регуляризация 0.001</a:t>
             </a:r>
             <a:r>
-              <a:rPr lang="en-US" dirty="0"/>
+              <a:rPr lang="en-US" sz="1600" dirty="0"/>
               <a:t>)</a:t>
             </a:r>
-            <a:endParaRPr lang="ru-RU" dirty="0"/>
+            <a:endParaRPr lang="ru-RU" sz="1600" dirty="0"/>
           </a:p>
           <a:p>
             <a:pPr marL="285750" indent="-285750">
@@ -13917,65 +14649,30 @@
               <a:buChar char="-"/>
             </a:pPr>
             <a:r>
-              <a:rPr lang="ru-RU" dirty="0"/>
+              <a:rPr lang="ru-RU" sz="1600" dirty="0"/>
               <a:t>Слой 6: </a:t>
             </a:r>
             <a:r>
-              <a:rPr lang="en-US" dirty="0"/>
+              <a:rPr lang="en-US" sz="1600" dirty="0"/>
               <a:t>MLP (</a:t>
             </a:r>
             <a:r>
-              <a:rPr lang="ru-RU" dirty="0"/>
+              <a:rPr lang="ru-RU" sz="1600" dirty="0"/>
               <a:t>3</a:t>
             </a:r>
             <a:r>
-              <a:rPr lang="en-US" dirty="0"/>
+              <a:rPr lang="en-US" sz="1600" dirty="0"/>
               <a:t>, </a:t>
             </a:r>
             <a:r>
-              <a:rPr lang="ru-RU" dirty="0"/>
+              <a:rPr lang="ru-RU" sz="1600" dirty="0"/>
               <a:t>регуляризация 0.001</a:t>
             </a:r>
             <a:r>
-              <a:rPr lang="en-US" dirty="0"/>
+              <a:rPr lang="en-US" sz="1600" dirty="0"/>
               <a:t>)</a:t>
             </a:r>
-            <a:endParaRPr lang="ru-RU" dirty="0"/>
-          </a:p>
-        </p:txBody>
-      </p:sp>
-      <p:sp>
-        <p:nvSpPr>
-          <p:cNvPr id="5" name="TextBox 4">
-            <a:extLst>
-              <a:ext uri="{FF2B5EF4-FFF2-40B4-BE49-F238E27FC236}">
-                <a16:creationId xmlns:a16="http://schemas.microsoft.com/office/drawing/2014/main" id="{9967F629-878D-48FA-BC65-FDA0900EDD6C}"/>
-              </a:ext>
-            </a:extLst>
-          </p:cNvPr>
-          <p:cNvSpPr txBox="1"/>
-          <p:nvPr/>
-        </p:nvSpPr>
-        <p:spPr>
-          <a:xfrm>
-            <a:off x="177553" y="1364820"/>
-            <a:ext cx="4744056" cy="369332"/>
-          </a:xfrm>
-          <a:prstGeom prst="rect">
-            <a:avLst/>
-          </a:prstGeom>
-          <a:noFill/>
-        </p:spPr>
-        <p:txBody>
-          <a:bodyPr wrap="none" rtlCol="0">
-            <a:spAutoFit/>
-          </a:bodyPr>
-          <a:lstStyle/>
-          <a:p>
-            <a:r>
-              <a:rPr lang="ru-RU" b="1" dirty="0"/>
-              <a:t>Всего параметров нейронной сети: 2 600 000</a:t>
-            </a:r>
+            <a:endParaRPr lang="ru-RU" sz="1600" dirty="0"/>
           </a:p>
         </p:txBody>
       </p:sp>
@@ -13993,7 +14690,7 @@
         </p:nvSpPr>
         <p:spPr>
           <a:xfrm>
-            <a:off x="177553" y="4288774"/>
+            <a:off x="177553" y="3599388"/>
             <a:ext cx="3134961" cy="369332"/>
           </a:xfrm>
           <a:prstGeom prst="rect">
@@ -14033,8 +14730,8 @@
         </p:nvSpPr>
         <p:spPr>
           <a:xfrm>
-            <a:off x="258931" y="4754517"/>
-            <a:ext cx="2191497" cy="1200329"/>
+            <a:off x="248263" y="4010286"/>
+            <a:ext cx="1741631" cy="954107"/>
           </a:xfrm>
           <a:prstGeom prst="rect">
             <a:avLst/>
@@ -14052,7 +14749,7 @@
           <a:lstStyle/>
           <a:p>
             <a:r>
-              <a:rPr lang="ru-RU" b="1" dirty="0"/>
+              <a:rPr lang="ru-RU" sz="1400" b="1" dirty="0"/>
               <a:t>Выходные сигналы:</a:t>
             </a:r>
           </a:p>
@@ -14062,11 +14759,11 @@
               <a:buChar char="-"/>
             </a:pPr>
             <a:r>
-              <a:rPr lang="ru-RU" dirty="0"/>
+              <a:rPr lang="ru-RU" sz="1400" dirty="0"/>
               <a:t>0 – </a:t>
             </a:r>
             <a:r>
-              <a:rPr lang="en-US" dirty="0"/>
+              <a:rPr lang="en-US" sz="1400" dirty="0"/>
               <a:t>sell</a:t>
             </a:r>
           </a:p>
@@ -14076,7 +14773,7 @@
               <a:buChar char="-"/>
             </a:pPr>
             <a:r>
-              <a:rPr lang="en-US" dirty="0"/>
+              <a:rPr lang="en-US" sz="1400" dirty="0"/>
               <a:t>1 – hold</a:t>
             </a:r>
           </a:p>
@@ -14086,10 +14783,10 @@
               <a:buChar char="-"/>
             </a:pPr>
             <a:r>
-              <a:rPr lang="en-US" dirty="0"/>
+              <a:rPr lang="en-US" sz="1400" dirty="0"/>
               <a:t>2 – buy</a:t>
             </a:r>
-            <a:endParaRPr lang="ru-RU" dirty="0"/>
+            <a:endParaRPr lang="ru-RU" sz="1400" dirty="0"/>
           </a:p>
         </p:txBody>
       </p:sp>
@@ -14107,8 +14804,8 @@
         </p:nvSpPr>
         <p:spPr>
           <a:xfrm>
-            <a:off x="2914834" y="4754516"/>
-            <a:ext cx="2830455" cy="1477328"/>
+            <a:off x="2224988" y="4030759"/>
+            <a:ext cx="3057407" cy="1600438"/>
           </a:xfrm>
           <a:prstGeom prst="rect">
             <a:avLst/>
@@ -14120,13 +14817,13 @@
           </a:solidFill>
         </p:spPr>
         <p:txBody>
-          <a:bodyPr wrap="none" rtlCol="0">
+          <a:bodyPr wrap="square" rtlCol="0">
             <a:spAutoFit/>
           </a:bodyPr>
           <a:lstStyle/>
           <a:p>
             <a:r>
-              <a:rPr lang="ru-RU" b="1" dirty="0"/>
+              <a:rPr lang="ru-RU" sz="1400" b="1" dirty="0"/>
               <a:t>Варьируемые параметры:</a:t>
             </a:r>
           </a:p>
@@ -14136,10 +14833,9 @@
               <a:buChar char="-"/>
             </a:pPr>
             <a:r>
-              <a:rPr lang="en-US" dirty="0" err="1"/>
-              <a:t>learning_rate</a:t>
-            </a:r>
-            <a:endParaRPr lang="ru-RU" dirty="0"/>
+              <a:rPr lang="ru-RU" sz="1400" dirty="0"/>
+              <a:t>Скорость обучения</a:t>
+            </a:r>
           </a:p>
           <a:p>
             <a:pPr marL="285750" indent="-285750">
@@ -14147,10 +14843,9 @@
               <a:buChar char="-"/>
             </a:pPr>
             <a:r>
-              <a:rPr lang="en-US" dirty="0"/>
-              <a:t>Epochs</a:t>
-            </a:r>
-            <a:endParaRPr lang="ru-RU" dirty="0"/>
+              <a:rPr lang="ru-RU" sz="1400" dirty="0"/>
+              <a:t>Число эпох</a:t>
+            </a:r>
           </a:p>
           <a:p>
             <a:pPr marL="285750" indent="-285750">
@@ -14158,10 +14853,9 @@
               <a:buChar char="-"/>
             </a:pPr>
             <a:r>
-              <a:rPr lang="en-US" dirty="0" err="1"/>
-              <a:t>steps_per_epoch</a:t>
-            </a:r>
-            <a:endParaRPr lang="ru-RU" dirty="0"/>
+              <a:rPr lang="ru-RU" sz="1400" dirty="0"/>
+              <a:t>Число шагов разбиения тренировочной выборки</a:t>
+            </a:r>
           </a:p>
           <a:p>
             <a:pPr marL="285750" indent="-285750">
@@ -14169,10 +14863,17 @@
               <a:buChar char="-"/>
             </a:pPr>
             <a:r>
-              <a:rPr lang="en-US" dirty="0" err="1"/>
-              <a:t>validation_steps</a:t>
-            </a:r>
-            <a:endParaRPr lang="ru-RU" dirty="0"/>
+              <a:rPr lang="ru-RU" sz="1400" dirty="0"/>
+              <a:t>Число шагов разбиения </a:t>
+            </a:r>
+            <a:r>
+              <a:rPr lang="ru-RU" sz="1400" dirty="0" err="1"/>
+              <a:t>валидационной</a:t>
+            </a:r>
+            <a:r>
+              <a:rPr lang="ru-RU" sz="1400" dirty="0"/>
+              <a:t> выборки</a:t>
+            </a:r>
           </a:p>
         </p:txBody>
       </p:sp>
@@ -14561,6 +15262,174 @@
           </a:p>
           <a:p>
             <a:endParaRPr lang="ru-RU" sz="1400" dirty="0"/>
+          </a:p>
+        </p:txBody>
+      </p:sp>
+      <p:pic>
+        <p:nvPicPr>
+          <p:cNvPr id="1026" name="Picture 2" descr="Failure to learn after modernising Keras model from CNTK to Tensorflow -  Keras - TensorFlow Forum">
+            <a:extLst>
+              <a:ext uri="{FF2B5EF4-FFF2-40B4-BE49-F238E27FC236}">
+                <a16:creationId xmlns:a16="http://schemas.microsoft.com/office/drawing/2014/main" id="{03ADB277-0187-4F82-A85A-CA6352E0D348}"/>
+              </a:ext>
+            </a:extLst>
+          </p:cNvPr>
+          <p:cNvPicPr>
+            <a:picLocks noChangeAspect="1" noChangeArrowheads="1"/>
+          </p:cNvPicPr>
+          <p:nvPr/>
+        </p:nvPicPr>
+        <p:blipFill>
+          <a:blip r:embed="rId5">
+            <a:extLst>
+              <a:ext uri="{28A0092B-C50C-407E-A947-70E740481C1C}">
+                <a14:useLocalDpi xmlns:a14="http://schemas.microsoft.com/office/drawing/2010/main" val="0"/>
+              </a:ext>
+            </a:extLst>
+          </a:blip>
+          <a:srcRect/>
+          <a:stretch>
+            <a:fillRect/>
+          </a:stretch>
+        </p:blipFill>
+        <p:spPr bwMode="auto">
+          <a:xfrm>
+            <a:off x="91069" y="5040267"/>
+            <a:ext cx="2133919" cy="1600439"/>
+          </a:xfrm>
+          <a:prstGeom prst="rect">
+            <a:avLst/>
+          </a:prstGeom>
+          <a:noFill/>
+          <a:extLst>
+            <a:ext uri="{909E8E84-426E-40DD-AFC4-6F175D3DCCD1}">
+              <a14:hiddenFill xmlns:a14="http://schemas.microsoft.com/office/drawing/2010/main">
+                <a:solidFill>
+                  <a:srgbClr val="FFFFFF"/>
+                </a:solidFill>
+              </a14:hiddenFill>
+            </a:ext>
+          </a:extLst>
+        </p:spPr>
+      </p:pic>
+      <p:sp>
+        <p:nvSpPr>
+          <p:cNvPr id="10" name="TextBox 9">
+            <a:extLst>
+              <a:ext uri="{FF2B5EF4-FFF2-40B4-BE49-F238E27FC236}">
+                <a16:creationId xmlns:a16="http://schemas.microsoft.com/office/drawing/2014/main" id="{864A948C-C307-4532-B469-B857AF256FB3}"/>
+              </a:ext>
+            </a:extLst>
+          </p:cNvPr>
+          <p:cNvSpPr txBox="1"/>
+          <p:nvPr/>
+        </p:nvSpPr>
+        <p:spPr>
+          <a:xfrm>
+            <a:off x="2221831" y="5693236"/>
+            <a:ext cx="3057406" cy="954107"/>
+          </a:xfrm>
+          <a:prstGeom prst="rect">
+            <a:avLst/>
+          </a:prstGeom>
+          <a:solidFill>
+            <a:schemeClr val="bg1">
+              <a:lumMod val="85000"/>
+            </a:schemeClr>
+          </a:solidFill>
+        </p:spPr>
+        <p:txBody>
+          <a:bodyPr wrap="square" rtlCol="0">
+            <a:spAutoFit/>
+          </a:bodyPr>
+          <a:lstStyle/>
+          <a:p>
+            <a:r>
+              <a:rPr lang="ru-RU" sz="1400" dirty="0"/>
+              <a:t>По результатам обучения нейронной сети доступна возможность анализа точности и процесса обучения по </a:t>
+            </a:r>
+            <a:r>
+              <a:rPr lang="en-US" sz="1400" dirty="0"/>
+              <a:t>loss.</a:t>
+            </a:r>
+            <a:endParaRPr lang="ru-RU" sz="1400" dirty="0"/>
+          </a:p>
+        </p:txBody>
+      </p:sp>
+      <p:sp>
+        <p:nvSpPr>
+          <p:cNvPr id="17" name="TextBox 16">
+            <a:extLst>
+              <a:ext uri="{FF2B5EF4-FFF2-40B4-BE49-F238E27FC236}">
+                <a16:creationId xmlns:a16="http://schemas.microsoft.com/office/drawing/2014/main" id="{994BE390-F9A1-4D78-9742-29D7C0D33126}"/>
+              </a:ext>
+            </a:extLst>
+          </p:cNvPr>
+          <p:cNvSpPr txBox="1"/>
+          <p:nvPr/>
+        </p:nvSpPr>
+        <p:spPr>
+          <a:xfrm>
+            <a:off x="199154" y="1325183"/>
+            <a:ext cx="5081840" cy="369332"/>
+          </a:xfrm>
+          <a:prstGeom prst="rect">
+            <a:avLst/>
+          </a:prstGeom>
+          <a:noFill/>
+        </p:spPr>
+        <p:txBody>
+          <a:bodyPr wrap="none" rtlCol="0">
+            <a:spAutoFit/>
+          </a:bodyPr>
+          <a:lstStyle/>
+          <a:p>
+            <a:r>
+              <a:rPr lang="ru-RU" dirty="0"/>
+              <a:t>Возможна </a:t>
+            </a:r>
+            <a:r>
+              <a:rPr lang="ru-RU" dirty="0" err="1"/>
+              <a:t>кастомная</a:t>
+            </a:r>
+            <a:r>
+              <a:rPr lang="ru-RU" dirty="0"/>
+              <a:t> настройка нейронных сетей</a:t>
+            </a:r>
+          </a:p>
+        </p:txBody>
+      </p:sp>
+      <p:sp>
+        <p:nvSpPr>
+          <p:cNvPr id="18" name="Номер слайда 17">
+            <a:extLst>
+              <a:ext uri="{FF2B5EF4-FFF2-40B4-BE49-F238E27FC236}">
+                <a16:creationId xmlns:a16="http://schemas.microsoft.com/office/drawing/2014/main" id="{D48EC580-961D-4062-9353-CB271D3E47AD}"/>
+              </a:ext>
+            </a:extLst>
+          </p:cNvPr>
+          <p:cNvSpPr>
+            <a:spLocks noGrp="1"/>
+          </p:cNvSpPr>
+          <p:nvPr>
+            <p:ph type="sldNum" sz="quarter" idx="12"/>
+          </p:nvPr>
+        </p:nvSpPr>
+        <p:spPr>
+          <a:xfrm>
+            <a:off x="9291876" y="6330538"/>
+            <a:ext cx="2743200" cy="365125"/>
+          </a:xfrm>
+        </p:spPr>
+        <p:txBody>
+          <a:bodyPr/>
+          <a:lstStyle/>
+          <a:p>
+            <a:fld id="{89FB0B25-A98A-4DE3-81E5-EEF3332C112B}" type="slidenum">
+              <a:rPr lang="ru-RU" sz="1800" smtClean="0"/>
+              <a:t>4</a:t>
+            </a:fld>
+            <a:endParaRPr lang="ru-RU" sz="1800" dirty="0"/>
           </a:p>
         </p:txBody>
       </p:sp>
@@ -15072,7 +15941,7 @@
         </p:nvSpPr>
         <p:spPr>
           <a:xfrm>
-            <a:off x="3633858" y="1526736"/>
+            <a:off x="3633858" y="1926238"/>
             <a:ext cx="1489970" cy="646331"/>
           </a:xfrm>
           <a:prstGeom prst="rect">
@@ -15126,7 +15995,7 @@
         </p:nvSpPr>
         <p:spPr>
           <a:xfrm>
-            <a:off x="3629506" y="2428688"/>
+            <a:off x="3629506" y="2828190"/>
             <a:ext cx="1489970" cy="482128"/>
           </a:xfrm>
           <a:prstGeom prst="rect">
@@ -15180,7 +16049,7 @@
         </p:nvSpPr>
         <p:spPr>
           <a:xfrm>
-            <a:off x="3629506" y="3220920"/>
+            <a:off x="3629506" y="3620422"/>
             <a:ext cx="1489970" cy="369332"/>
           </a:xfrm>
           <a:prstGeom prst="rect">
@@ -15229,7 +16098,7 @@
         </p:nvSpPr>
         <p:spPr>
           <a:xfrm>
-            <a:off x="3633858" y="3887577"/>
+            <a:off x="3633858" y="4233811"/>
             <a:ext cx="1489970" cy="369332"/>
           </a:xfrm>
           <a:prstGeom prst="rect">
@@ -15373,8 +16242,8 @@
         </p:nvCxnSpPr>
         <p:spPr>
           <a:xfrm rot="10800000" flipV="1">
-            <a:off x="2697352" y="1849901"/>
-            <a:ext cx="936506" cy="653135"/>
+            <a:off x="2697352" y="2249403"/>
+            <a:ext cx="936506" cy="253633"/>
           </a:xfrm>
           <a:prstGeom prst="bentConnector2">
             <a:avLst/>
@@ -15415,7 +16284,7 @@
         </p:nvCxnSpPr>
         <p:spPr>
           <a:xfrm rot="5400000">
-            <a:off x="4248857" y="2298701"/>
+            <a:off x="4248857" y="2698203"/>
             <a:ext cx="255621" cy="4352"/>
           </a:xfrm>
           <a:prstGeom prst="bentConnector3">
@@ -15457,7 +16326,7 @@
         </p:nvCxnSpPr>
         <p:spPr>
           <a:xfrm rot="5400000">
-            <a:off x="4219439" y="3065868"/>
+            <a:off x="4219439" y="3465370"/>
             <a:ext cx="310104" cy="12700"/>
           </a:xfrm>
           <a:prstGeom prst="bentConnector3">
@@ -15499,8 +16368,8 @@
         </p:nvCxnSpPr>
         <p:spPr>
           <a:xfrm rot="16200000" flipH="1">
-            <a:off x="4228005" y="3736738"/>
-            <a:ext cx="297325" cy="4352"/>
+            <a:off x="4254639" y="4109606"/>
+            <a:ext cx="244057" cy="4352"/>
           </a:xfrm>
           <a:prstGeom prst="bentConnector3">
             <a:avLst/>
@@ -15662,10 +16531,717 @@
           </a:p>
         </p:txBody>
       </p:sp>
+      <p:cxnSp>
+        <p:nvCxnSpPr>
+          <p:cNvPr id="4" name="Соединитель: уступ 3">
+            <a:extLst>
+              <a:ext uri="{FF2B5EF4-FFF2-40B4-BE49-F238E27FC236}">
+                <a16:creationId xmlns:a16="http://schemas.microsoft.com/office/drawing/2014/main" id="{50CE2F06-D802-44BB-ACBB-E2513A6A4E43}"/>
+              </a:ext>
+            </a:extLst>
+          </p:cNvPr>
+          <p:cNvCxnSpPr>
+            <a:stCxn id="23" idx="3"/>
+            <a:endCxn id="27" idx="1"/>
+          </p:cNvCxnSpPr>
+          <p:nvPr/>
+        </p:nvCxnSpPr>
+        <p:spPr>
+          <a:xfrm>
+            <a:off x="1868989" y="4414648"/>
+            <a:ext cx="1764869" cy="3829"/>
+          </a:xfrm>
+          <a:prstGeom prst="bentConnector3">
+            <a:avLst/>
+          </a:prstGeom>
+          <a:ln>
+            <a:tailEnd type="triangle"/>
+          </a:ln>
+        </p:spPr>
+        <p:style>
+          <a:lnRef idx="1">
+            <a:schemeClr val="accent1"/>
+          </a:lnRef>
+          <a:fillRef idx="0">
+            <a:schemeClr val="accent1"/>
+          </a:fillRef>
+          <a:effectRef idx="0">
+            <a:schemeClr val="accent1"/>
+          </a:effectRef>
+          <a:fontRef idx="minor">
+            <a:schemeClr val="tx1"/>
+          </a:fontRef>
+        </p:style>
+      </p:cxnSp>
+      <p:sp>
+        <p:nvSpPr>
+          <p:cNvPr id="5" name="Прямоугольник 4">
+            <a:extLst>
+              <a:ext uri="{FF2B5EF4-FFF2-40B4-BE49-F238E27FC236}">
+                <a16:creationId xmlns:a16="http://schemas.microsoft.com/office/drawing/2014/main" id="{35EA68E0-F038-4F0D-8D45-7FAA30123DF2}"/>
+              </a:ext>
+            </a:extLst>
+          </p:cNvPr>
+          <p:cNvSpPr/>
+          <p:nvPr/>
+        </p:nvSpPr>
+        <p:spPr>
+          <a:xfrm>
+            <a:off x="213064" y="1469148"/>
+            <a:ext cx="3177549" cy="2520605"/>
+          </a:xfrm>
+          <a:prstGeom prst="rect">
+            <a:avLst/>
+          </a:prstGeom>
+          <a:noFill/>
+          <a:ln>
+            <a:prstDash val="dash"/>
+          </a:ln>
+        </p:spPr>
+        <p:style>
+          <a:lnRef idx="2">
+            <a:schemeClr val="accent1">
+              <a:shade val="50000"/>
+            </a:schemeClr>
+          </a:lnRef>
+          <a:fillRef idx="1">
+            <a:schemeClr val="accent1"/>
+          </a:fillRef>
+          <a:effectRef idx="0">
+            <a:schemeClr val="accent1"/>
+          </a:effectRef>
+          <a:fontRef idx="minor">
+            <a:schemeClr val="lt1"/>
+          </a:fontRef>
+        </p:style>
+        <p:txBody>
+          <a:bodyPr rtlCol="0" anchor="t"/>
+          <a:lstStyle/>
+          <a:p>
+            <a:r>
+              <a:rPr lang="en-US" sz="1400" dirty="0">
+                <a:solidFill>
+                  <a:schemeClr val="tx1"/>
+                </a:solidFill>
+              </a:rPr>
+              <a:t>Back-end</a:t>
+            </a:r>
+            <a:endParaRPr lang="ru-RU" sz="1400" dirty="0">
+              <a:solidFill>
+                <a:schemeClr val="tx1"/>
+              </a:solidFill>
+            </a:endParaRPr>
+          </a:p>
+        </p:txBody>
+      </p:sp>
+      <p:sp>
+        <p:nvSpPr>
+          <p:cNvPr id="30" name="Прямоугольник 29">
+            <a:extLst>
+              <a:ext uri="{FF2B5EF4-FFF2-40B4-BE49-F238E27FC236}">
+                <a16:creationId xmlns:a16="http://schemas.microsoft.com/office/drawing/2014/main" id="{C2CCD4C0-466E-43A2-A441-38CA01D368FF}"/>
+              </a:ext>
+            </a:extLst>
+          </p:cNvPr>
+          <p:cNvSpPr/>
+          <p:nvPr/>
+        </p:nvSpPr>
+        <p:spPr>
+          <a:xfrm>
+            <a:off x="3475846" y="1469148"/>
+            <a:ext cx="3177549" cy="1981751"/>
+          </a:xfrm>
+          <a:prstGeom prst="rect">
+            <a:avLst/>
+          </a:prstGeom>
+          <a:noFill/>
+          <a:ln>
+            <a:prstDash val="dash"/>
+          </a:ln>
+        </p:spPr>
+        <p:style>
+          <a:lnRef idx="2">
+            <a:schemeClr val="accent1">
+              <a:shade val="50000"/>
+            </a:schemeClr>
+          </a:lnRef>
+          <a:fillRef idx="1">
+            <a:schemeClr val="accent1"/>
+          </a:fillRef>
+          <a:effectRef idx="0">
+            <a:schemeClr val="accent1"/>
+          </a:effectRef>
+          <a:fontRef idx="minor">
+            <a:schemeClr val="lt1"/>
+          </a:fontRef>
+        </p:style>
+        <p:txBody>
+          <a:bodyPr rtlCol="0" anchor="t"/>
+          <a:lstStyle/>
+          <a:p>
+            <a:r>
+              <a:rPr lang="en-US" sz="1400" dirty="0">
+                <a:solidFill>
+                  <a:schemeClr val="tx1"/>
+                </a:solidFill>
+              </a:rPr>
+              <a:t>Windows </a:t>
+            </a:r>
+            <a:r>
+              <a:rPr lang="ru-RU" sz="1400" dirty="0">
+                <a:solidFill>
+                  <a:schemeClr val="tx1"/>
+                </a:solidFill>
+              </a:rPr>
+              <a:t>машина пользователя</a:t>
+            </a:r>
+          </a:p>
+        </p:txBody>
+      </p:sp>
+      <p:sp>
+        <p:nvSpPr>
+          <p:cNvPr id="6" name="Номер слайда 5">
+            <a:extLst>
+              <a:ext uri="{FF2B5EF4-FFF2-40B4-BE49-F238E27FC236}">
+                <a16:creationId xmlns:a16="http://schemas.microsoft.com/office/drawing/2014/main" id="{F43DE636-9DA4-4A0F-A0B7-4C5CAD2D089C}"/>
+              </a:ext>
+            </a:extLst>
+          </p:cNvPr>
+          <p:cNvSpPr>
+            <a:spLocks noGrp="1"/>
+          </p:cNvSpPr>
+          <p:nvPr>
+            <p:ph type="sldNum" sz="quarter" idx="12"/>
+          </p:nvPr>
+        </p:nvSpPr>
+        <p:spPr>
+          <a:xfrm>
+            <a:off x="9162329" y="6330538"/>
+            <a:ext cx="2743200" cy="365125"/>
+          </a:xfrm>
+        </p:spPr>
+        <p:txBody>
+          <a:bodyPr/>
+          <a:lstStyle/>
+          <a:p>
+            <a:fld id="{89FB0B25-A98A-4DE3-81E5-EEF3332C112B}" type="slidenum">
+              <a:rPr lang="ru-RU" sz="1800" smtClean="0"/>
+              <a:t>5</a:t>
+            </a:fld>
+            <a:endParaRPr lang="ru-RU" sz="1800"/>
+          </a:p>
+        </p:txBody>
+      </p:sp>
     </p:spTree>
     <p:extLst>
       <p:ext uri="{BB962C8B-B14F-4D97-AF65-F5344CB8AC3E}">
         <p14:creationId xmlns:p14="http://schemas.microsoft.com/office/powerpoint/2010/main" val="1502623925"/>
+      </p:ext>
+    </p:extLst>
+  </p:cSld>
+  <p:clrMapOvr>
+    <a:masterClrMapping/>
+  </p:clrMapOvr>
+</p:sld>
+</file>
+
+<file path=ppt/slides/slide6.xml><?xml version="1.0" encoding="utf-8"?>
+<p:sld xmlns:a="http://schemas.openxmlformats.org/drawingml/2006/main" xmlns:r="http://schemas.openxmlformats.org/officeDocument/2006/relationships" xmlns:p="http://schemas.openxmlformats.org/presentationml/2006/main">
+  <p:cSld>
+    <p:spTree>
+      <p:nvGrpSpPr>
+        <p:cNvPr id="1" name=""/>
+        <p:cNvGrpSpPr/>
+        <p:nvPr/>
+      </p:nvGrpSpPr>
+      <p:grpSpPr>
+        <a:xfrm>
+          <a:off x="0" y="0"/>
+          <a:ext cx="0" cy="0"/>
+          <a:chOff x="0" y="0"/>
+          <a:chExt cx="0" cy="0"/>
+        </a:xfrm>
+      </p:grpSpPr>
+      <p:sp>
+        <p:nvSpPr>
+          <p:cNvPr id="2" name="Заголовок 1">
+            <a:extLst>
+              <a:ext uri="{FF2B5EF4-FFF2-40B4-BE49-F238E27FC236}">
+                <a16:creationId xmlns:a16="http://schemas.microsoft.com/office/drawing/2014/main" id="{2DCFEB10-CCC7-43EF-A775-C155B0DBE06C}"/>
+              </a:ext>
+            </a:extLst>
+          </p:cNvPr>
+          <p:cNvSpPr>
+            <a:spLocks noGrp="1"/>
+          </p:cNvSpPr>
+          <p:nvPr>
+            <p:ph type="title"/>
+          </p:nvPr>
+        </p:nvSpPr>
+        <p:spPr>
+          <a:xfrm>
+            <a:off x="92476" y="162337"/>
+            <a:ext cx="12099524" cy="496009"/>
+          </a:xfrm>
+        </p:spPr>
+        <p:txBody>
+          <a:bodyPr>
+            <a:normAutofit fontScale="90000"/>
+          </a:bodyPr>
+          <a:lstStyle/>
+          <a:p>
+            <a:r>
+              <a:rPr lang="ru-RU" b="1" dirty="0"/>
+              <a:t>РЕЗУЛЬТАТЫ</a:t>
+            </a:r>
+          </a:p>
+        </p:txBody>
+      </p:sp>
+      <p:sp>
+        <p:nvSpPr>
+          <p:cNvPr id="28" name="TextBox 27">
+            <a:extLst>
+              <a:ext uri="{FF2B5EF4-FFF2-40B4-BE49-F238E27FC236}">
+                <a16:creationId xmlns:a16="http://schemas.microsoft.com/office/drawing/2014/main" id="{12937A6E-DB96-45C4-84B2-D49DB2795D06}"/>
+              </a:ext>
+            </a:extLst>
+          </p:cNvPr>
+          <p:cNvSpPr txBox="1"/>
+          <p:nvPr/>
+        </p:nvSpPr>
+        <p:spPr>
+          <a:xfrm>
+            <a:off x="304256" y="657640"/>
+            <a:ext cx="5004592" cy="400110"/>
+          </a:xfrm>
+          <a:prstGeom prst="rect">
+            <a:avLst/>
+          </a:prstGeom>
+          <a:solidFill>
+            <a:schemeClr val="bg1">
+              <a:lumMod val="85000"/>
+            </a:schemeClr>
+          </a:solidFill>
+        </p:spPr>
+        <p:txBody>
+          <a:bodyPr wrap="square" rtlCol="0">
+            <a:spAutoFit/>
+          </a:bodyPr>
+          <a:lstStyle/>
+          <a:p>
+            <a:r>
+              <a:rPr lang="ru-RU" sz="2000" b="1" dirty="0"/>
+              <a:t>Исходные коды в </a:t>
+            </a:r>
+            <a:r>
+              <a:rPr lang="en-US" sz="2000" b="1" dirty="0"/>
+              <a:t>git</a:t>
+            </a:r>
+            <a:endParaRPr lang="ru-RU" sz="2000" b="1" dirty="0"/>
+          </a:p>
+        </p:txBody>
+      </p:sp>
+      <p:sp>
+        <p:nvSpPr>
+          <p:cNvPr id="30" name="TextBox 29">
+            <a:extLst>
+              <a:ext uri="{FF2B5EF4-FFF2-40B4-BE49-F238E27FC236}">
+                <a16:creationId xmlns:a16="http://schemas.microsoft.com/office/drawing/2014/main" id="{4C8DAC0E-266A-407B-BDA5-BDBFF6E4821A}"/>
+              </a:ext>
+            </a:extLst>
+          </p:cNvPr>
+          <p:cNvSpPr txBox="1"/>
+          <p:nvPr/>
+        </p:nvSpPr>
+        <p:spPr>
+          <a:xfrm>
+            <a:off x="304255" y="2701029"/>
+            <a:ext cx="5004593" cy="400110"/>
+          </a:xfrm>
+          <a:prstGeom prst="rect">
+            <a:avLst/>
+          </a:prstGeom>
+          <a:solidFill>
+            <a:schemeClr val="bg1">
+              <a:lumMod val="85000"/>
+            </a:schemeClr>
+          </a:solidFill>
+        </p:spPr>
+        <p:txBody>
+          <a:bodyPr wrap="square" rtlCol="0">
+            <a:spAutoFit/>
+          </a:bodyPr>
+          <a:lstStyle/>
+          <a:p>
+            <a:r>
+              <a:rPr lang="ru-RU" sz="2000" b="1" dirty="0"/>
+              <a:t>Прототип вёрстки в </a:t>
+            </a:r>
+            <a:r>
+              <a:rPr lang="en-US" sz="2000" b="1" dirty="0" err="1"/>
+              <a:t>figma</a:t>
+            </a:r>
+            <a:endParaRPr lang="ru-RU" sz="2000" b="1" dirty="0"/>
+          </a:p>
+        </p:txBody>
+      </p:sp>
+      <p:sp>
+        <p:nvSpPr>
+          <p:cNvPr id="34" name="TextBox 33">
+            <a:extLst>
+              <a:ext uri="{FF2B5EF4-FFF2-40B4-BE49-F238E27FC236}">
+                <a16:creationId xmlns:a16="http://schemas.microsoft.com/office/drawing/2014/main" id="{27CE2C93-C19E-4C69-B4C4-32A4867B8C8A}"/>
+              </a:ext>
+            </a:extLst>
+          </p:cNvPr>
+          <p:cNvSpPr txBox="1"/>
+          <p:nvPr/>
+        </p:nvSpPr>
+        <p:spPr>
+          <a:xfrm>
+            <a:off x="304255" y="3240321"/>
+            <a:ext cx="5004593" cy="738664"/>
+          </a:xfrm>
+          <a:prstGeom prst="rect">
+            <a:avLst/>
+          </a:prstGeom>
+          <a:noFill/>
+        </p:spPr>
+        <p:txBody>
+          <a:bodyPr wrap="square">
+            <a:spAutoFit/>
+          </a:bodyPr>
+          <a:lstStyle/>
+          <a:p>
+            <a:pPr marL="285750" indent="-285750">
+              <a:buFont typeface="Arial" panose="020B0604020202020204" pitchFamily="34" charset="0"/>
+              <a:buChar char="•"/>
+            </a:pPr>
+            <a:r>
+              <a:rPr lang="ru-RU" sz="1400" dirty="0">
+                <a:hlinkClick r:id="rId2"/>
+              </a:rPr>
+              <a:t>https://www.figma.com/file/5EyUOzpstPbvbuEsBEyCsR/GO.ALGO.Neuro?type=design&amp;node-id=0-1&amp;mode=design&amp;t=uUqxC9P9ql2VfCfe-0</a:t>
+            </a:r>
+            <a:endParaRPr lang="ru-RU" sz="1400" dirty="0"/>
+          </a:p>
+        </p:txBody>
+      </p:sp>
+      <p:sp>
+        <p:nvSpPr>
+          <p:cNvPr id="36" name="TextBox 35">
+            <a:extLst>
+              <a:ext uri="{FF2B5EF4-FFF2-40B4-BE49-F238E27FC236}">
+                <a16:creationId xmlns:a16="http://schemas.microsoft.com/office/drawing/2014/main" id="{229676F4-0019-49F1-8C0E-25A93EA51E4E}"/>
+              </a:ext>
+            </a:extLst>
+          </p:cNvPr>
+          <p:cNvSpPr txBox="1"/>
+          <p:nvPr/>
+        </p:nvSpPr>
+        <p:spPr>
+          <a:xfrm>
+            <a:off x="6591126" y="657640"/>
+            <a:ext cx="4807803" cy="400110"/>
+          </a:xfrm>
+          <a:prstGeom prst="rect">
+            <a:avLst/>
+          </a:prstGeom>
+          <a:solidFill>
+            <a:schemeClr val="bg1">
+              <a:lumMod val="85000"/>
+            </a:schemeClr>
+          </a:solidFill>
+        </p:spPr>
+        <p:txBody>
+          <a:bodyPr wrap="square" rtlCol="0">
+            <a:spAutoFit/>
+          </a:bodyPr>
+          <a:lstStyle/>
+          <a:p>
+            <a:r>
+              <a:rPr lang="ru-RU" sz="2000" b="1" dirty="0"/>
+              <a:t>Сервера </a:t>
+            </a:r>
+            <a:r>
+              <a:rPr lang="en-US" sz="2000" b="1" dirty="0"/>
+              <a:t>back-end</a:t>
+            </a:r>
+            <a:endParaRPr lang="ru-RU" sz="2000" b="1" dirty="0"/>
+          </a:p>
+        </p:txBody>
+      </p:sp>
+      <p:sp>
+        <p:nvSpPr>
+          <p:cNvPr id="38" name="TextBox 37">
+            <a:extLst>
+              <a:ext uri="{FF2B5EF4-FFF2-40B4-BE49-F238E27FC236}">
+                <a16:creationId xmlns:a16="http://schemas.microsoft.com/office/drawing/2014/main" id="{A6F48387-5631-4639-B681-2EAB17C3B554}"/>
+              </a:ext>
+            </a:extLst>
+          </p:cNvPr>
+          <p:cNvSpPr txBox="1"/>
+          <p:nvPr/>
+        </p:nvSpPr>
+        <p:spPr>
+          <a:xfrm>
+            <a:off x="6591125" y="2701029"/>
+            <a:ext cx="4807803" cy="400110"/>
+          </a:xfrm>
+          <a:prstGeom prst="rect">
+            <a:avLst/>
+          </a:prstGeom>
+          <a:solidFill>
+            <a:schemeClr val="bg1">
+              <a:lumMod val="85000"/>
+            </a:schemeClr>
+          </a:solidFill>
+        </p:spPr>
+        <p:txBody>
+          <a:bodyPr wrap="square" rtlCol="0">
+            <a:spAutoFit/>
+          </a:bodyPr>
+          <a:lstStyle/>
+          <a:p>
+            <a:r>
+              <a:rPr lang="en-US" sz="2000" b="1" dirty="0"/>
+              <a:t>Front-end</a:t>
+            </a:r>
+            <a:endParaRPr lang="ru-RU" sz="2000" b="1" dirty="0"/>
+          </a:p>
+        </p:txBody>
+      </p:sp>
+      <p:sp>
+        <p:nvSpPr>
+          <p:cNvPr id="43" name="TextBox 42">
+            <a:extLst>
+              <a:ext uri="{FF2B5EF4-FFF2-40B4-BE49-F238E27FC236}">
+                <a16:creationId xmlns:a16="http://schemas.microsoft.com/office/drawing/2014/main" id="{D8AA591A-5163-48E2-A536-94290C34F931}"/>
+              </a:ext>
+            </a:extLst>
+          </p:cNvPr>
+          <p:cNvSpPr txBox="1"/>
+          <p:nvPr/>
+        </p:nvSpPr>
+        <p:spPr>
+          <a:xfrm>
+            <a:off x="304254" y="4377905"/>
+            <a:ext cx="5004593" cy="400110"/>
+          </a:xfrm>
+          <a:prstGeom prst="rect">
+            <a:avLst/>
+          </a:prstGeom>
+          <a:solidFill>
+            <a:schemeClr val="bg1">
+              <a:lumMod val="85000"/>
+            </a:schemeClr>
+          </a:solidFill>
+        </p:spPr>
+        <p:txBody>
+          <a:bodyPr wrap="square" rtlCol="0">
+            <a:spAutoFit/>
+          </a:bodyPr>
+          <a:lstStyle/>
+          <a:p>
+            <a:r>
+              <a:rPr lang="en-US" sz="2000" b="1" dirty="0"/>
+              <a:t>How-to-guide</a:t>
+            </a:r>
+            <a:endParaRPr lang="ru-RU" sz="2000" b="1" dirty="0"/>
+          </a:p>
+        </p:txBody>
+      </p:sp>
+      <p:sp>
+        <p:nvSpPr>
+          <p:cNvPr id="44" name="TextBox 43">
+            <a:extLst>
+              <a:ext uri="{FF2B5EF4-FFF2-40B4-BE49-F238E27FC236}">
+                <a16:creationId xmlns:a16="http://schemas.microsoft.com/office/drawing/2014/main" id="{77E152CF-2FE6-494E-856B-516787B6B7A7}"/>
+              </a:ext>
+            </a:extLst>
+          </p:cNvPr>
+          <p:cNvSpPr txBox="1"/>
+          <p:nvPr/>
+        </p:nvSpPr>
+        <p:spPr>
+          <a:xfrm>
+            <a:off x="190325" y="1218022"/>
+            <a:ext cx="5004593" cy="738664"/>
+          </a:xfrm>
+          <a:prstGeom prst="rect">
+            <a:avLst/>
+          </a:prstGeom>
+          <a:noFill/>
+        </p:spPr>
+        <p:txBody>
+          <a:bodyPr wrap="square">
+            <a:spAutoFit/>
+          </a:bodyPr>
+          <a:lstStyle/>
+          <a:p>
+            <a:pPr marL="285750" indent="-285750">
+              <a:buFont typeface="Arial" panose="020B0604020202020204" pitchFamily="34" charset="0"/>
+              <a:buChar char="•"/>
+            </a:pPr>
+            <a:r>
+              <a:rPr lang="en-US" sz="1400" dirty="0"/>
+              <a:t>ML|AI: </a:t>
+            </a:r>
+            <a:r>
+              <a:rPr lang="en-US" sz="1400" dirty="0">
+                <a:hlinkClick r:id="rId3"/>
+              </a:rPr>
+              <a:t>https://github.com/powerlife000/moex_hackaton</a:t>
+            </a:r>
+            <a:endParaRPr lang="en-US" sz="1400" dirty="0"/>
+          </a:p>
+          <a:p>
+            <a:pPr marL="285750" indent="-285750">
+              <a:buFont typeface="Arial" panose="020B0604020202020204" pitchFamily="34" charset="0"/>
+              <a:buChar char="•"/>
+            </a:pPr>
+            <a:r>
+              <a:rPr lang="en-US" sz="1400" dirty="0"/>
+              <a:t>Front: </a:t>
+            </a:r>
+            <a:r>
+              <a:rPr lang="en-US" sz="1400" dirty="0">
+                <a:hlinkClick r:id="rId4"/>
+              </a:rPr>
+              <a:t>https://github.com/Innosan/go_algo_web</a:t>
+            </a:r>
+            <a:endParaRPr lang="en-US" sz="1400" dirty="0"/>
+          </a:p>
+          <a:p>
+            <a:pPr marL="285750" indent="-285750">
+              <a:buFont typeface="Arial" panose="020B0604020202020204" pitchFamily="34" charset="0"/>
+              <a:buChar char="•"/>
+            </a:pPr>
+            <a:endParaRPr lang="ru-RU" sz="1400" dirty="0"/>
+          </a:p>
+        </p:txBody>
+      </p:sp>
+      <p:sp>
+        <p:nvSpPr>
+          <p:cNvPr id="45" name="TextBox 44">
+            <a:extLst>
+              <a:ext uri="{FF2B5EF4-FFF2-40B4-BE49-F238E27FC236}">
+                <a16:creationId xmlns:a16="http://schemas.microsoft.com/office/drawing/2014/main" id="{ABD62493-D356-4BFB-8DE1-9F7FA7412EF3}"/>
+              </a:ext>
+            </a:extLst>
+          </p:cNvPr>
+          <p:cNvSpPr txBox="1"/>
+          <p:nvPr/>
+        </p:nvSpPr>
+        <p:spPr>
+          <a:xfrm>
+            <a:off x="6591125" y="1183721"/>
+            <a:ext cx="5004593" cy="523220"/>
+          </a:xfrm>
+          <a:prstGeom prst="rect">
+            <a:avLst/>
+          </a:prstGeom>
+          <a:noFill/>
+        </p:spPr>
+        <p:txBody>
+          <a:bodyPr wrap="square">
+            <a:spAutoFit/>
+          </a:bodyPr>
+          <a:lstStyle/>
+          <a:p>
+            <a:pPr marL="285750" indent="-285750">
+              <a:buFont typeface="Arial" panose="020B0604020202020204" pitchFamily="34" charset="0"/>
+              <a:buChar char="•"/>
+            </a:pPr>
+            <a:r>
+              <a:rPr lang="en-US" sz="1400" dirty="0"/>
+              <a:t>Back-end: </a:t>
+            </a:r>
+            <a:r>
+              <a:rPr lang="ru-RU" sz="1400" b="0" i="0" dirty="0">
+                <a:solidFill>
+                  <a:srgbClr val="333333"/>
+                </a:solidFill>
+                <a:effectLst/>
+                <a:latin typeface="Stem"/>
+              </a:rPr>
+              <a:t>213.171.14.97</a:t>
+            </a:r>
+            <a:endParaRPr lang="en-US" sz="1400" dirty="0"/>
+          </a:p>
+          <a:p>
+            <a:pPr marL="285750" indent="-285750">
+              <a:buFont typeface="Arial" panose="020B0604020202020204" pitchFamily="34" charset="0"/>
+              <a:buChar char="•"/>
+            </a:pPr>
+            <a:r>
+              <a:rPr lang="ru-RU" sz="1400" dirty="0"/>
+              <a:t>БД (</a:t>
+            </a:r>
+            <a:r>
+              <a:rPr lang="en-US" sz="1400" dirty="0" err="1"/>
+              <a:t>postgresql</a:t>
+            </a:r>
+            <a:r>
+              <a:rPr lang="ru-RU" sz="1400" dirty="0"/>
+              <a:t>)</a:t>
+            </a:r>
+            <a:r>
+              <a:rPr lang="en-US" sz="1400" dirty="0"/>
+              <a:t>: </a:t>
+            </a:r>
+            <a:r>
+              <a:rPr lang="ru-RU" sz="1400" b="0" i="0" dirty="0">
+                <a:solidFill>
+                  <a:srgbClr val="333333"/>
+                </a:solidFill>
+                <a:effectLst/>
+                <a:latin typeface="Stem"/>
+              </a:rPr>
+              <a:t>212.113.123.107</a:t>
+            </a:r>
+            <a:endParaRPr lang="ru-RU" sz="1400" dirty="0"/>
+          </a:p>
+        </p:txBody>
+      </p:sp>
+      <p:sp>
+        <p:nvSpPr>
+          <p:cNvPr id="5" name="Номер слайда 4">
+            <a:extLst>
+              <a:ext uri="{FF2B5EF4-FFF2-40B4-BE49-F238E27FC236}">
+                <a16:creationId xmlns:a16="http://schemas.microsoft.com/office/drawing/2014/main" id="{FCDA304B-4B7C-4584-A0F2-55F45ED6D87F}"/>
+              </a:ext>
+            </a:extLst>
+          </p:cNvPr>
+          <p:cNvSpPr>
+            <a:spLocks noGrp="1"/>
+          </p:cNvSpPr>
+          <p:nvPr>
+            <p:ph type="sldNum" sz="quarter" idx="12"/>
+          </p:nvPr>
+        </p:nvSpPr>
+        <p:spPr>
+          <a:xfrm>
+            <a:off x="9276425" y="6330538"/>
+            <a:ext cx="2743200" cy="365125"/>
+          </a:xfrm>
+        </p:spPr>
+        <p:txBody>
+          <a:bodyPr/>
+          <a:lstStyle/>
+          <a:p>
+            <a:fld id="{89FB0B25-A98A-4DE3-81E5-EEF3332C112B}" type="slidenum">
+              <a:rPr lang="ru-RU" sz="1800" smtClean="0"/>
+              <a:t>6</a:t>
+            </a:fld>
+            <a:endParaRPr lang="ru-RU" sz="1800" dirty="0"/>
+          </a:p>
+        </p:txBody>
+      </p:sp>
+    </p:spTree>
+    <p:extLst>
+      <p:ext uri="{BB962C8B-B14F-4D97-AF65-F5344CB8AC3E}">
+        <p14:creationId xmlns:p14="http://schemas.microsoft.com/office/powerpoint/2010/main" val="2956154402"/>
       </p:ext>
     </p:extLst>
   </p:cSld>
@@ -15968,4 +17544,299 @@
     </a:ext>
   </a:extLst>
 </a:theme>
+</file>
+
+<file path=ppt/theme/theme2.xml><?xml version="1.0" encoding="utf-8"?>
+<a:theme xmlns:a="http://schemas.openxmlformats.org/drawingml/2006/main" name="Тема Office">
+  <a:themeElements>
+    <a:clrScheme name="Стандартная">
+      <a:dk1>
+        <a:sysClr val="windowText" lastClr="000000"/>
+      </a:dk1>
+      <a:lt1>
+        <a:sysClr val="window" lastClr="FFFFFF"/>
+      </a:lt1>
+      <a:dk2>
+        <a:srgbClr val="44546A"/>
+      </a:dk2>
+      <a:lt2>
+        <a:srgbClr val="E7E6E6"/>
+      </a:lt2>
+      <a:accent1>
+        <a:srgbClr val="4472C4"/>
+      </a:accent1>
+      <a:accent2>
+        <a:srgbClr val="ED7D31"/>
+      </a:accent2>
+      <a:accent3>
+        <a:srgbClr val="A5A5A5"/>
+      </a:accent3>
+      <a:accent4>
+        <a:srgbClr val="FFC000"/>
+      </a:accent4>
+      <a:accent5>
+        <a:srgbClr val="5B9BD5"/>
+      </a:accent5>
+      <a:accent6>
+        <a:srgbClr val="70AD47"/>
+      </a:accent6>
+      <a:hlink>
+        <a:srgbClr val="0563C1"/>
+      </a:hlink>
+      <a:folHlink>
+        <a:srgbClr val="954F72"/>
+      </a:folHlink>
+    </a:clrScheme>
+    <a:fontScheme name="Стандартная">
+      <a:majorFont>
+        <a:latin typeface="Calibri Light" panose="020F0302020204030204"/>
+        <a:ea typeface=""/>
+        <a:cs typeface=""/>
+        <a:font script="Jpan" typeface="游ゴシック Light"/>
+        <a:font script="Hang" typeface="맑은 고딕"/>
+        <a:font script="Hans" typeface="等线 Light"/>
+        <a:font script="Hant" typeface="新細明體"/>
+        <a:font script="Arab" typeface="Times New Roman"/>
+        <a:font script="Hebr" typeface="Times New Roman"/>
+        <a:font script="Thai" typeface="Angsana New"/>
+        <a:font script="Ethi" typeface="Nyala"/>
+        <a:font script="Beng" typeface="Vrinda"/>
+        <a:font script="Gujr" typeface="Shruti"/>
+        <a:font script="Khmr" typeface="MoolBoran"/>
+        <a:font script="Knda" typeface="Tunga"/>
+        <a:font script="Guru" typeface="Raavi"/>
+        <a:font script="Cans" typeface="Euphemia"/>
+        <a:font script="Cher" typeface="Plantagenet Cherokee"/>
+        <a:font script="Yiii" typeface="Microsoft Yi Baiti"/>
+        <a:font script="Tibt" typeface="Microsoft Himalaya"/>
+        <a:font script="Thaa" typeface="MV Boli"/>
+        <a:font script="Deva" typeface="Mangal"/>
+        <a:font script="Telu" typeface="Gautami"/>
+        <a:font script="Taml" typeface="Latha"/>
+        <a:font script="Syrc" typeface="Estrangelo Edessa"/>
+        <a:font script="Orya" typeface="Kalinga"/>
+        <a:font script="Mlym" typeface="Kartika"/>
+        <a:font script="Laoo" typeface="DokChampa"/>
+        <a:font script="Sinh" typeface="Iskoola Pota"/>
+        <a:font script="Mong" typeface="Mongolian Baiti"/>
+        <a:font script="Viet" typeface="Times New Roman"/>
+        <a:font script="Uigh" typeface="Microsoft Uighur"/>
+        <a:font script="Geor" typeface="Sylfaen"/>
+        <a:font script="Armn" typeface="Arial"/>
+        <a:font script="Bugi" typeface="Leelawadee UI"/>
+        <a:font script="Bopo" typeface="Microsoft JhengHei"/>
+        <a:font script="Java" typeface="Javanese Text"/>
+        <a:font script="Lisu" typeface="Segoe UI"/>
+        <a:font script="Mymr" typeface="Myanmar Text"/>
+        <a:font script="Nkoo" typeface="Ebrima"/>
+        <a:font script="Olck" typeface="Nirmala UI"/>
+        <a:font script="Osma" typeface="Ebrima"/>
+        <a:font script="Phag" typeface="Phagspa"/>
+        <a:font script="Syrn" typeface="Estrangelo Edessa"/>
+        <a:font script="Syrj" typeface="Estrangelo Edessa"/>
+        <a:font script="Syre" typeface="Estrangelo Edessa"/>
+        <a:font script="Sora" typeface="Nirmala UI"/>
+        <a:font script="Tale" typeface="Microsoft Tai Le"/>
+        <a:font script="Talu" typeface="Microsoft New Tai Lue"/>
+        <a:font script="Tfng" typeface="Ebrima"/>
+      </a:majorFont>
+      <a:minorFont>
+        <a:latin typeface="Calibri" panose="020F0502020204030204"/>
+        <a:ea typeface=""/>
+        <a:cs typeface=""/>
+        <a:font script="Jpan" typeface="游ゴシック"/>
+        <a:font script="Hang" typeface="맑은 고딕"/>
+        <a:font script="Hans" typeface="等线"/>
+        <a:font script="Hant" typeface="新細明體"/>
+        <a:font script="Arab" typeface="Arial"/>
+        <a:font script="Hebr" typeface="Arial"/>
+        <a:font script="Thai" typeface="Cordia New"/>
+        <a:font script="Ethi" typeface="Nyala"/>
+        <a:font script="Beng" typeface="Vrinda"/>
+        <a:font script="Gujr" typeface="Shruti"/>
+        <a:font script="Khmr" typeface="DaunPenh"/>
+        <a:font script="Knda" typeface="Tunga"/>
+        <a:font script="Guru" typeface="Raavi"/>
+        <a:font script="Cans" typeface="Euphemia"/>
+        <a:font script="Cher" typeface="Plantagenet Cherokee"/>
+        <a:font script="Yiii" typeface="Microsoft Yi Baiti"/>
+        <a:font script="Tibt" typeface="Microsoft Himalaya"/>
+        <a:font script="Thaa" typeface="MV Boli"/>
+        <a:font script="Deva" typeface="Mangal"/>
+        <a:font script="Telu" typeface="Gautami"/>
+        <a:font script="Taml" typeface="Latha"/>
+        <a:font script="Syrc" typeface="Estrangelo Edessa"/>
+        <a:font script="Orya" typeface="Kalinga"/>
+        <a:font script="Mlym" typeface="Kartika"/>
+        <a:font script="Laoo" typeface="DokChampa"/>
+        <a:font script="Sinh" typeface="Iskoola Pota"/>
+        <a:font script="Mong" typeface="Mongolian Baiti"/>
+        <a:font script="Viet" typeface="Arial"/>
+        <a:font script="Uigh" typeface="Microsoft Uighur"/>
+        <a:font script="Geor" typeface="Sylfaen"/>
+        <a:font script="Armn" typeface="Arial"/>
+        <a:font script="Bugi" typeface="Leelawadee UI"/>
+        <a:font script="Bopo" typeface="Microsoft JhengHei"/>
+        <a:font script="Java" typeface="Javanese Text"/>
+        <a:font script="Lisu" typeface="Segoe UI"/>
+        <a:font script="Mymr" typeface="Myanmar Text"/>
+        <a:font script="Nkoo" typeface="Ebrima"/>
+        <a:font script="Olck" typeface="Nirmala UI"/>
+        <a:font script="Osma" typeface="Ebrima"/>
+        <a:font script="Phag" typeface="Phagspa"/>
+        <a:font script="Syrn" typeface="Estrangelo Edessa"/>
+        <a:font script="Syrj" typeface="Estrangelo Edessa"/>
+        <a:font script="Syre" typeface="Estrangelo Edessa"/>
+        <a:font script="Sora" typeface="Nirmala UI"/>
+        <a:font script="Tale" typeface="Microsoft Tai Le"/>
+        <a:font script="Talu" typeface="Microsoft New Tai Lue"/>
+        <a:font script="Tfng" typeface="Ebrima"/>
+      </a:minorFont>
+    </a:fontScheme>
+    <a:fmtScheme name="Стандартная">
+      <a:fillStyleLst>
+        <a:solidFill>
+          <a:schemeClr val="phClr"/>
+        </a:solidFill>
+        <a:gradFill rotWithShape="1">
+          <a:gsLst>
+            <a:gs pos="0">
+              <a:schemeClr val="phClr">
+                <a:lumMod val="110000"/>
+                <a:satMod val="105000"/>
+                <a:tint val="67000"/>
+              </a:schemeClr>
+            </a:gs>
+            <a:gs pos="50000">
+              <a:schemeClr val="phClr">
+                <a:lumMod val="105000"/>
+                <a:satMod val="103000"/>
+                <a:tint val="73000"/>
+              </a:schemeClr>
+            </a:gs>
+            <a:gs pos="100000">
+              <a:schemeClr val="phClr">
+                <a:lumMod val="105000"/>
+                <a:satMod val="109000"/>
+                <a:tint val="81000"/>
+              </a:schemeClr>
+            </a:gs>
+          </a:gsLst>
+          <a:lin ang="5400000" scaled="0"/>
+        </a:gradFill>
+        <a:gradFill rotWithShape="1">
+          <a:gsLst>
+            <a:gs pos="0">
+              <a:schemeClr val="phClr">
+                <a:satMod val="103000"/>
+                <a:lumMod val="102000"/>
+                <a:tint val="94000"/>
+              </a:schemeClr>
+            </a:gs>
+            <a:gs pos="50000">
+              <a:schemeClr val="phClr">
+                <a:satMod val="110000"/>
+                <a:lumMod val="100000"/>
+                <a:shade val="100000"/>
+              </a:schemeClr>
+            </a:gs>
+            <a:gs pos="100000">
+              <a:schemeClr val="phClr">
+                <a:lumMod val="99000"/>
+                <a:satMod val="120000"/>
+                <a:shade val="78000"/>
+              </a:schemeClr>
+            </a:gs>
+          </a:gsLst>
+          <a:lin ang="5400000" scaled="0"/>
+        </a:gradFill>
+      </a:fillStyleLst>
+      <a:lnStyleLst>
+        <a:ln w="6350" cap="flat" cmpd="sng" algn="ctr">
+          <a:solidFill>
+            <a:schemeClr val="phClr"/>
+          </a:solidFill>
+          <a:prstDash val="solid"/>
+          <a:miter lim="800000"/>
+        </a:ln>
+        <a:ln w="12700" cap="flat" cmpd="sng" algn="ctr">
+          <a:solidFill>
+            <a:schemeClr val="phClr"/>
+          </a:solidFill>
+          <a:prstDash val="solid"/>
+          <a:miter lim="800000"/>
+        </a:ln>
+        <a:ln w="19050" cap="flat" cmpd="sng" algn="ctr">
+          <a:solidFill>
+            <a:schemeClr val="phClr"/>
+          </a:solidFill>
+          <a:prstDash val="solid"/>
+          <a:miter lim="800000"/>
+        </a:ln>
+      </a:lnStyleLst>
+      <a:effectStyleLst>
+        <a:effectStyle>
+          <a:effectLst/>
+        </a:effectStyle>
+        <a:effectStyle>
+          <a:effectLst/>
+        </a:effectStyle>
+        <a:effectStyle>
+          <a:effectLst>
+            <a:outerShdw blurRad="57150" dist="19050" dir="5400000" algn="ctr" rotWithShape="0">
+              <a:srgbClr val="000000">
+                <a:alpha val="63000"/>
+              </a:srgbClr>
+            </a:outerShdw>
+          </a:effectLst>
+        </a:effectStyle>
+      </a:effectStyleLst>
+      <a:bgFillStyleLst>
+        <a:solidFill>
+          <a:schemeClr val="phClr"/>
+        </a:solidFill>
+        <a:solidFill>
+          <a:schemeClr val="phClr">
+            <a:tint val="95000"/>
+            <a:satMod val="170000"/>
+          </a:schemeClr>
+        </a:solidFill>
+        <a:gradFill rotWithShape="1">
+          <a:gsLst>
+            <a:gs pos="0">
+              <a:schemeClr val="phClr">
+                <a:tint val="93000"/>
+                <a:satMod val="150000"/>
+                <a:shade val="98000"/>
+                <a:lumMod val="102000"/>
+              </a:schemeClr>
+            </a:gs>
+            <a:gs pos="50000">
+              <a:schemeClr val="phClr">
+                <a:tint val="98000"/>
+                <a:satMod val="130000"/>
+                <a:shade val="90000"/>
+                <a:lumMod val="103000"/>
+              </a:schemeClr>
+            </a:gs>
+            <a:gs pos="100000">
+              <a:schemeClr val="phClr">
+                <a:shade val="63000"/>
+                <a:satMod val="120000"/>
+              </a:schemeClr>
+            </a:gs>
+          </a:gsLst>
+          <a:lin ang="5400000" scaled="0"/>
+        </a:gradFill>
+      </a:bgFillStyleLst>
+    </a:fmtScheme>
+  </a:themeElements>
+  <a:objectDefaults/>
+  <a:extraClrSchemeLst/>
+  <a:extLst>
+    <a:ext uri="{05A4C25C-085E-4340-85A3-A5531E510DB2}">
+      <thm15:themeFamily xmlns:thm15="http://schemas.microsoft.com/office/thememl/2012/main" name="Office Theme" id="{62F939B6-93AF-4DB8-9C6B-D6C7DFDC589F}" vid="{4A3C46E8-61CC-4603-A589-7422A47A8E4A}"/>
+    </a:ext>
+  </a:extLst>
+</a:theme>
 </file>
--- a/info/NullPointerExeption v1.pptx
+++ b/info/NullPointerExeption v1.pptx
@@ -8230,7 +8230,7 @@
           <a:p>
             <a:fld id="{45E4F44E-283A-4460-B925-41E8DAD6B399}" type="datetimeFigureOut">
               <a:rPr lang="ru-RU" smtClean="0"/>
-              <a:t>02.12.2023</a:t>
+              <a:t>04.12.2023</a:t>
             </a:fld>
             <a:endParaRPr lang="ru-RU"/>
           </a:p>
@@ -8644,7 +8644,7 @@
           <a:p>
             <a:fld id="{1D1A3722-9A0D-4BC1-8327-DCA81E73DF0D}" type="datetime1">
               <a:rPr lang="ru-RU" smtClean="0"/>
-              <a:t>02.12.2023</a:t>
+              <a:t>04.12.2023</a:t>
             </a:fld>
             <a:endParaRPr lang="ru-RU"/>
           </a:p>
@@ -8842,7 +8842,7 @@
           <a:p>
             <a:fld id="{4D1BB599-0C27-49D2-B8DB-D073EDDA75A1}" type="datetime1">
               <a:rPr lang="ru-RU" smtClean="0"/>
-              <a:t>02.12.2023</a:t>
+              <a:t>04.12.2023</a:t>
             </a:fld>
             <a:endParaRPr lang="ru-RU"/>
           </a:p>
@@ -9050,7 +9050,7 @@
           <a:p>
             <a:fld id="{8FA0793E-D765-4B8C-993D-9792ECE704CF}" type="datetime1">
               <a:rPr lang="ru-RU" smtClean="0"/>
-              <a:t>02.12.2023</a:t>
+              <a:t>04.12.2023</a:t>
             </a:fld>
             <a:endParaRPr lang="ru-RU"/>
           </a:p>
@@ -9248,7 +9248,7 @@
           <a:p>
             <a:fld id="{CEC514DF-95A3-4440-8C92-70183A8B271B}" type="datetime1">
               <a:rPr lang="ru-RU" smtClean="0"/>
-              <a:t>02.12.2023</a:t>
+              <a:t>04.12.2023</a:t>
             </a:fld>
             <a:endParaRPr lang="ru-RU"/>
           </a:p>
@@ -9523,7 +9523,7 @@
           <a:p>
             <a:fld id="{0F089FD3-8D3F-4D70-810C-C3BAB130620C}" type="datetime1">
               <a:rPr lang="ru-RU" smtClean="0"/>
-              <a:t>02.12.2023</a:t>
+              <a:t>04.12.2023</a:t>
             </a:fld>
             <a:endParaRPr lang="ru-RU"/>
           </a:p>
@@ -9788,7 +9788,7 @@
           <a:p>
             <a:fld id="{03BD065C-6440-4ADD-9661-2BC858116C36}" type="datetime1">
               <a:rPr lang="ru-RU" smtClean="0"/>
-              <a:t>02.12.2023</a:t>
+              <a:t>04.12.2023</a:t>
             </a:fld>
             <a:endParaRPr lang="ru-RU"/>
           </a:p>
@@ -10200,7 +10200,7 @@
           <a:p>
             <a:fld id="{9C9F2781-6084-4967-8B27-EFD45617B623}" type="datetime1">
               <a:rPr lang="ru-RU" smtClean="0"/>
-              <a:t>02.12.2023</a:t>
+              <a:t>04.12.2023</a:t>
             </a:fld>
             <a:endParaRPr lang="ru-RU"/>
           </a:p>
@@ -10341,7 +10341,7 @@
           <a:p>
             <a:fld id="{23075A13-C093-4814-9337-1B1624BE83A9}" type="datetime1">
               <a:rPr lang="ru-RU" smtClean="0"/>
-              <a:t>02.12.2023</a:t>
+              <a:t>04.12.2023</a:t>
             </a:fld>
             <a:endParaRPr lang="ru-RU"/>
           </a:p>
@@ -10454,7 +10454,7 @@
           <a:p>
             <a:fld id="{3CCC03B5-CA10-40A1-8AFF-ACF6793E6DE9}" type="datetime1">
               <a:rPr lang="ru-RU" smtClean="0"/>
-              <a:t>02.12.2023</a:t>
+              <a:t>04.12.2023</a:t>
             </a:fld>
             <a:endParaRPr lang="ru-RU"/>
           </a:p>
@@ -10765,7 +10765,7 @@
           <a:p>
             <a:fld id="{BC914419-F479-4EF7-BD8A-052207687194}" type="datetime1">
               <a:rPr lang="ru-RU" smtClean="0"/>
-              <a:t>02.12.2023</a:t>
+              <a:t>04.12.2023</a:t>
             </a:fld>
             <a:endParaRPr lang="ru-RU"/>
           </a:p>
@@ -11053,7 +11053,7 @@
           <a:p>
             <a:fld id="{A9F53061-9FC4-4FC1-A9FE-D0609EFC237C}" type="datetime1">
               <a:rPr lang="ru-RU" smtClean="0"/>
-              <a:t>02.12.2023</a:t>
+              <a:t>04.12.2023</a:t>
             </a:fld>
             <a:endParaRPr lang="ru-RU"/>
           </a:p>
@@ -11294,7 +11294,7 @@
           <a:p>
             <a:fld id="{97896050-A59A-406A-8488-78CA896E19D3}" type="datetime1">
               <a:rPr lang="ru-RU" smtClean="0"/>
-              <a:t>02.12.2023</a:t>
+              <a:t>04.12.2023</a:t>
             </a:fld>
             <a:endParaRPr lang="ru-RU"/>
           </a:p>
@@ -17066,7 +17066,7 @@
         <p:spPr>
           <a:xfrm>
             <a:off x="190325" y="1218022"/>
-            <a:ext cx="5004593" cy="738664"/>
+            <a:ext cx="5004593" cy="1169551"/>
           </a:xfrm>
           <a:prstGeom prst="rect">
             <a:avLst/>
@@ -17102,11 +17102,28 @@
             </a:pPr>
             <a:r>
               <a:rPr lang="en-US" sz="1400" dirty="0"/>
-              <a:t>Front: </a:t>
+              <a:t>Back-end (API): </a:t>
             </a:r>
             <a:r>
               <a:rPr lang="en-US" sz="1400" dirty="0">
                 <a:hlinkClick r:id="rId4"/>
+              </a:rPr>
+              <a:t>https://github.com/DaniilVdovin/goalgomoex_master_server</a:t>
+            </a:r>
+            <a:endParaRPr lang="en-US" sz="1400" dirty="0"/>
+          </a:p>
+          <a:p>
+            <a:pPr marL="285750" indent="-285750">
+              <a:buFont typeface="Arial" panose="020B0604020202020204" pitchFamily="34" charset="0"/>
+              <a:buChar char="•"/>
+            </a:pPr>
+            <a:r>
+              <a:rPr lang="en-US" sz="1400" dirty="0"/>
+              <a:t>Front: </a:t>
+            </a:r>
+            <a:r>
+              <a:rPr lang="en-US" sz="1400" dirty="0">
+                <a:hlinkClick r:id="rId5"/>
               </a:rPr>
               <a:t>https://github.com/Innosan/go_algo_web</a:t>
             </a:r>
@@ -17235,6 +17252,128 @@
               <a:t>6</a:t>
             </a:fld>
             <a:endParaRPr lang="ru-RU" sz="1800" dirty="0"/>
+          </a:p>
+        </p:txBody>
+      </p:sp>
+      <p:sp>
+        <p:nvSpPr>
+          <p:cNvPr id="13" name="TextBox 12">
+            <a:extLst>
+              <a:ext uri="{FF2B5EF4-FFF2-40B4-BE49-F238E27FC236}">
+                <a16:creationId xmlns:a16="http://schemas.microsoft.com/office/drawing/2014/main" id="{F5256493-A1BF-4BAD-9A3F-09DC7A006C09}"/>
+              </a:ext>
+            </a:extLst>
+          </p:cNvPr>
+          <p:cNvSpPr txBox="1"/>
+          <p:nvPr/>
+        </p:nvSpPr>
+        <p:spPr>
+          <a:xfrm>
+            <a:off x="6591125" y="4918312"/>
+            <a:ext cx="4807803" cy="307777"/>
+          </a:xfrm>
+          <a:prstGeom prst="rect">
+            <a:avLst/>
+          </a:prstGeom>
+          <a:noFill/>
+        </p:spPr>
+        <p:txBody>
+          <a:bodyPr wrap="square">
+            <a:spAutoFit/>
+          </a:bodyPr>
+          <a:lstStyle/>
+          <a:p>
+            <a:pPr marL="285750" indent="-285750">
+              <a:buFont typeface="Arial" panose="020B0604020202020204" pitchFamily="34" charset="0"/>
+              <a:buChar char="•"/>
+            </a:pPr>
+            <a:r>
+              <a:rPr lang="ru-RU" sz="1400" dirty="0"/>
+              <a:t>http://213.171.14.97:8080/swagger-ui/index.html</a:t>
+            </a:r>
+          </a:p>
+        </p:txBody>
+      </p:sp>
+      <p:sp>
+        <p:nvSpPr>
+          <p:cNvPr id="14" name="TextBox 13">
+            <a:extLst>
+              <a:ext uri="{FF2B5EF4-FFF2-40B4-BE49-F238E27FC236}">
+                <a16:creationId xmlns:a16="http://schemas.microsoft.com/office/drawing/2014/main" id="{A3D402BB-1C12-4094-94F9-42409FC02DE9}"/>
+              </a:ext>
+            </a:extLst>
+          </p:cNvPr>
+          <p:cNvSpPr txBox="1"/>
+          <p:nvPr/>
+        </p:nvSpPr>
+        <p:spPr>
+          <a:xfrm>
+            <a:off x="6591125" y="4377905"/>
+            <a:ext cx="4807803" cy="400110"/>
+          </a:xfrm>
+          <a:prstGeom prst="rect">
+            <a:avLst/>
+          </a:prstGeom>
+          <a:solidFill>
+            <a:schemeClr val="bg1">
+              <a:lumMod val="85000"/>
+            </a:schemeClr>
+          </a:solidFill>
+        </p:spPr>
+        <p:txBody>
+          <a:bodyPr wrap="square" rtlCol="0">
+            <a:spAutoFit/>
+          </a:bodyPr>
+          <a:lstStyle/>
+          <a:p>
+            <a:r>
+              <a:rPr lang="en-US" sz="2000" b="1" dirty="0"/>
+              <a:t>Back-end (</a:t>
+            </a:r>
+            <a:r>
+              <a:rPr lang="ru-RU" sz="2000" b="1" dirty="0"/>
+              <a:t>методы </a:t>
+            </a:r>
+            <a:r>
+              <a:rPr lang="en-US" sz="2000" b="1" dirty="0"/>
+              <a:t>API)</a:t>
+            </a:r>
+            <a:endParaRPr lang="ru-RU" sz="2000" b="1" dirty="0"/>
+          </a:p>
+        </p:txBody>
+      </p:sp>
+      <p:sp>
+        <p:nvSpPr>
+          <p:cNvPr id="16" name="TextBox 15">
+            <a:extLst>
+              <a:ext uri="{FF2B5EF4-FFF2-40B4-BE49-F238E27FC236}">
+                <a16:creationId xmlns:a16="http://schemas.microsoft.com/office/drawing/2014/main" id="{785AD612-C1DA-44BD-89D5-CF9356FA9906}"/>
+              </a:ext>
+            </a:extLst>
+          </p:cNvPr>
+          <p:cNvSpPr txBox="1"/>
+          <p:nvPr/>
+        </p:nvSpPr>
+        <p:spPr>
+          <a:xfrm>
+            <a:off x="6487357" y="3241414"/>
+            <a:ext cx="4911571" cy="923330"/>
+          </a:xfrm>
+          <a:prstGeom prst="rect">
+            <a:avLst/>
+          </a:prstGeom>
+          <a:noFill/>
+        </p:spPr>
+        <p:txBody>
+          <a:bodyPr wrap="square">
+            <a:spAutoFit/>
+          </a:bodyPr>
+          <a:lstStyle/>
+          <a:p>
+            <a:r>
+              <a:rPr lang="ru-RU" dirty="0"/>
+              <a:t>https://sensational-licorice-a3b0e5.netlify.app/strategy/1-Buy%E2%80%99n%20Hold</a:t>
+            </a:r>
           </a:p>
         </p:txBody>
       </p:sp>

--- a/info/NullPointerExeption v1.pptx
+++ b/info/NullPointerExeption v1.pptx
@@ -8230,7 +8230,7 @@
           <a:p>
             <a:fld id="{45E4F44E-283A-4460-B925-41E8DAD6B399}" type="datetimeFigureOut">
               <a:rPr lang="ru-RU" smtClean="0"/>
-              <a:t>04.12.2023</a:t>
+              <a:t>06.12.2023</a:t>
             </a:fld>
             <a:endParaRPr lang="ru-RU"/>
           </a:p>
@@ -8644,7 +8644,7 @@
           <a:p>
             <a:fld id="{1D1A3722-9A0D-4BC1-8327-DCA81E73DF0D}" type="datetime1">
               <a:rPr lang="ru-RU" smtClean="0"/>
-              <a:t>04.12.2023</a:t>
+              <a:t>06.12.2023</a:t>
             </a:fld>
             <a:endParaRPr lang="ru-RU"/>
           </a:p>
@@ -8842,7 +8842,7 @@
           <a:p>
             <a:fld id="{4D1BB599-0C27-49D2-B8DB-D073EDDA75A1}" type="datetime1">
               <a:rPr lang="ru-RU" smtClean="0"/>
-              <a:t>04.12.2023</a:t>
+              <a:t>06.12.2023</a:t>
             </a:fld>
             <a:endParaRPr lang="ru-RU"/>
           </a:p>
@@ -9050,7 +9050,7 @@
           <a:p>
             <a:fld id="{8FA0793E-D765-4B8C-993D-9792ECE704CF}" type="datetime1">
               <a:rPr lang="ru-RU" smtClean="0"/>
-              <a:t>04.12.2023</a:t>
+              <a:t>06.12.2023</a:t>
             </a:fld>
             <a:endParaRPr lang="ru-RU"/>
           </a:p>
@@ -9248,7 +9248,7 @@
           <a:p>
             <a:fld id="{CEC514DF-95A3-4440-8C92-70183A8B271B}" type="datetime1">
               <a:rPr lang="ru-RU" smtClean="0"/>
-              <a:t>04.12.2023</a:t>
+              <a:t>06.12.2023</a:t>
             </a:fld>
             <a:endParaRPr lang="ru-RU"/>
           </a:p>
@@ -9523,7 +9523,7 @@
           <a:p>
             <a:fld id="{0F089FD3-8D3F-4D70-810C-C3BAB130620C}" type="datetime1">
               <a:rPr lang="ru-RU" smtClean="0"/>
-              <a:t>04.12.2023</a:t>
+              <a:t>06.12.2023</a:t>
             </a:fld>
             <a:endParaRPr lang="ru-RU"/>
           </a:p>
@@ -9788,7 +9788,7 @@
           <a:p>
             <a:fld id="{03BD065C-6440-4ADD-9661-2BC858116C36}" type="datetime1">
               <a:rPr lang="ru-RU" smtClean="0"/>
-              <a:t>04.12.2023</a:t>
+              <a:t>06.12.2023</a:t>
             </a:fld>
             <a:endParaRPr lang="ru-RU"/>
           </a:p>
@@ -10200,7 +10200,7 @@
           <a:p>
             <a:fld id="{9C9F2781-6084-4967-8B27-EFD45617B623}" type="datetime1">
               <a:rPr lang="ru-RU" smtClean="0"/>
-              <a:t>04.12.2023</a:t>
+              <a:t>06.12.2023</a:t>
             </a:fld>
             <a:endParaRPr lang="ru-RU"/>
           </a:p>
@@ -10341,7 +10341,7 @@
           <a:p>
             <a:fld id="{23075A13-C093-4814-9337-1B1624BE83A9}" type="datetime1">
               <a:rPr lang="ru-RU" smtClean="0"/>
-              <a:t>04.12.2023</a:t>
+              <a:t>06.12.2023</a:t>
             </a:fld>
             <a:endParaRPr lang="ru-RU"/>
           </a:p>
@@ -10454,7 +10454,7 @@
           <a:p>
             <a:fld id="{3CCC03B5-CA10-40A1-8AFF-ACF6793E6DE9}" type="datetime1">
               <a:rPr lang="ru-RU" smtClean="0"/>
-              <a:t>04.12.2023</a:t>
+              <a:t>06.12.2023</a:t>
             </a:fld>
             <a:endParaRPr lang="ru-RU"/>
           </a:p>
@@ -10765,7 +10765,7 @@
           <a:p>
             <a:fld id="{BC914419-F479-4EF7-BD8A-052207687194}" type="datetime1">
               <a:rPr lang="ru-RU" smtClean="0"/>
-              <a:t>04.12.2023</a:t>
+              <a:t>06.12.2023</a:t>
             </a:fld>
             <a:endParaRPr lang="ru-RU"/>
           </a:p>
@@ -11053,7 +11053,7 @@
           <a:p>
             <a:fld id="{A9F53061-9FC4-4FC1-A9FE-D0609EFC237C}" type="datetime1">
               <a:rPr lang="ru-RU" smtClean="0"/>
-              <a:t>04.12.2023</a:t>
+              <a:t>06.12.2023</a:t>
             </a:fld>
             <a:endParaRPr lang="ru-RU"/>
           </a:p>
@@ -11294,7 +11294,7 @@
           <a:p>
             <a:fld id="{97896050-A59A-406A-8488-78CA896E19D3}" type="datetime1">
               <a:rPr lang="ru-RU" smtClean="0"/>
-              <a:t>04.12.2023</a:t>
+              <a:t>06.12.2023</a:t>
             </a:fld>
             <a:endParaRPr lang="ru-RU"/>
           </a:p>
@@ -16855,7 +16855,7 @@
         </p:nvSpPr>
         <p:spPr>
           <a:xfrm>
-            <a:off x="304255" y="2701029"/>
+            <a:off x="304255" y="3065014"/>
             <a:ext cx="5004593" cy="400110"/>
           </a:xfrm>
           <a:prstGeom prst="rect">
@@ -16899,7 +16899,7 @@
         </p:nvSpPr>
         <p:spPr>
           <a:xfrm>
-            <a:off x="304255" y="3240321"/>
+            <a:off x="304255" y="3604306"/>
             <a:ext cx="5004593" cy="738664"/>
           </a:xfrm>
           <a:prstGeom prst="rect">
@@ -16985,7 +16985,7 @@
         </p:nvSpPr>
         <p:spPr>
           <a:xfrm>
-            <a:off x="6591125" y="2701029"/>
+            <a:off x="6591125" y="3065014"/>
             <a:ext cx="4807803" cy="400110"/>
           </a:xfrm>
           <a:prstGeom prst="rect">
@@ -17025,7 +17025,7 @@
         </p:nvSpPr>
         <p:spPr>
           <a:xfrm>
-            <a:off x="304254" y="4377905"/>
+            <a:off x="304254" y="4741890"/>
             <a:ext cx="5004593" cy="400110"/>
           </a:xfrm>
           <a:prstGeom prst="rect">
@@ -17066,7 +17066,7 @@
         <p:spPr>
           <a:xfrm>
             <a:off x="190325" y="1218022"/>
-            <a:ext cx="5004593" cy="1169551"/>
+            <a:ext cx="5004593" cy="1815882"/>
           </a:xfrm>
           <a:prstGeom prst="rect">
             <a:avLst/>
@@ -17134,6 +17134,45 @@
               <a:buFont typeface="Arial" panose="020B0604020202020204" pitchFamily="34" charset="0"/>
               <a:buChar char="•"/>
             </a:pPr>
+            <a:r>
+              <a:rPr lang="ru-RU" sz="1400" dirty="0"/>
+              <a:t>Торговая система (</a:t>
+            </a:r>
+            <a:r>
+              <a:rPr lang="en-US" sz="1400" dirty="0"/>
+              <a:t>python+MT5</a:t>
+            </a:r>
+            <a:r>
+              <a:rPr lang="ru-RU" sz="1400" dirty="0"/>
+              <a:t>)</a:t>
+            </a:r>
+            <a:r>
+              <a:rPr lang="en-US" sz="1400" dirty="0"/>
+              <a:t>: </a:t>
+            </a:r>
+            <a:r>
+              <a:rPr lang="en-US" sz="1400" dirty="0">
+                <a:hlinkClick r:id="rId6"/>
+              </a:rPr>
+              <a:t>https://github.com/powerlife000/moex_trading_system</a:t>
+            </a:r>
+            <a:endParaRPr lang="en-US" sz="1400" dirty="0"/>
+          </a:p>
+          <a:p>
+            <a:pPr marL="285750" indent="-285750">
+              <a:buFont typeface="Arial" panose="020B0604020202020204" pitchFamily="34" charset="0"/>
+              <a:buChar char="•"/>
+            </a:pPr>
+            <a:r>
+              <a:rPr lang="ru-RU" sz="1400" dirty="0"/>
+              <a:t>Подбор портфеля: </a:t>
+            </a:r>
+            <a:r>
+              <a:rPr lang="en-US" sz="1400" dirty="0">
+                <a:hlinkClick r:id="rId7"/>
+              </a:rPr>
+              <a:t>https://github.com/sergeycommit/algopack_top5_service</a:t>
+            </a:r>
             <a:endParaRPr lang="ru-RU" sz="1400" dirty="0"/>
           </a:p>
         </p:txBody>
@@ -17269,7 +17308,7 @@
         </p:nvSpPr>
         <p:spPr>
           <a:xfrm>
-            <a:off x="6591125" y="4918312"/>
+            <a:off x="6591125" y="5282297"/>
             <a:ext cx="4807803" cy="307777"/>
           </a:xfrm>
           <a:prstGeom prst="rect">
@@ -17288,9 +17327,12 @@
               <a:buChar char="•"/>
             </a:pPr>
             <a:r>
-              <a:rPr lang="ru-RU" sz="1400" dirty="0"/>
+              <a:rPr lang="ru-RU" sz="1400" dirty="0">
+                <a:hlinkClick r:id="rId8"/>
+              </a:rPr>
               <a:t>http://213.171.14.97:8080/swagger-ui/index.html</a:t>
             </a:r>
+            <a:endParaRPr lang="ru-RU" sz="1400" dirty="0"/>
           </a:p>
         </p:txBody>
       </p:sp>
@@ -17308,7 +17350,7 @@
         </p:nvSpPr>
         <p:spPr>
           <a:xfrm>
-            <a:off x="6591125" y="4377905"/>
+            <a:off x="6591125" y="4741890"/>
             <a:ext cx="4807803" cy="400110"/>
           </a:xfrm>
           <a:prstGeom prst="rect">
@@ -17356,8 +17398,8 @@
         </p:nvSpPr>
         <p:spPr>
           <a:xfrm>
-            <a:off x="6487357" y="3241414"/>
-            <a:ext cx="4911571" cy="923330"/>
+            <a:off x="6487357" y="3605399"/>
+            <a:ext cx="4911571" cy="523220"/>
           </a:xfrm>
           <a:prstGeom prst="rect">
             <a:avLst/>
@@ -17370,10 +17412,17 @@
           </a:bodyPr>
           <a:lstStyle/>
           <a:p>
-            <a:r>
-              <a:rPr lang="ru-RU" dirty="0"/>
+            <a:pPr marL="285750" indent="-285750">
+              <a:buFont typeface="Arial" panose="020B0604020202020204" pitchFamily="34" charset="0"/>
+              <a:buChar char="•"/>
+            </a:pPr>
+            <a:r>
+              <a:rPr lang="ru-RU" sz="1400" dirty="0">
+                <a:hlinkClick r:id="rId9"/>
+              </a:rPr>
               <a:t>https://sensational-licorice-a3b0e5.netlify.app/strategy/1-Buy%E2%80%99n%20Hold</a:t>
             </a:r>
+            <a:endParaRPr lang="ru-RU" sz="1400" dirty="0"/>
           </a:p>
         </p:txBody>
       </p:sp>

--- a/info/NullPointerExeption v1.pptx
+++ b/info/NullPointerExeption v1.pptx
@@ -8230,7 +8230,7 @@
           <a:p>
             <a:fld id="{45E4F44E-283A-4460-B925-41E8DAD6B399}" type="datetimeFigureOut">
               <a:rPr lang="ru-RU" smtClean="0"/>
-              <a:t>06.12.2023</a:t>
+              <a:t>07.12.2023</a:t>
             </a:fld>
             <a:endParaRPr lang="ru-RU"/>
           </a:p>
@@ -8644,7 +8644,7 @@
           <a:p>
             <a:fld id="{1D1A3722-9A0D-4BC1-8327-DCA81E73DF0D}" type="datetime1">
               <a:rPr lang="ru-RU" smtClean="0"/>
-              <a:t>06.12.2023</a:t>
+              <a:t>07.12.2023</a:t>
             </a:fld>
             <a:endParaRPr lang="ru-RU"/>
           </a:p>
@@ -8842,7 +8842,7 @@
           <a:p>
             <a:fld id="{4D1BB599-0C27-49D2-B8DB-D073EDDA75A1}" type="datetime1">
               <a:rPr lang="ru-RU" smtClean="0"/>
-              <a:t>06.12.2023</a:t>
+              <a:t>07.12.2023</a:t>
             </a:fld>
             <a:endParaRPr lang="ru-RU"/>
           </a:p>
@@ -9050,7 +9050,7 @@
           <a:p>
             <a:fld id="{8FA0793E-D765-4B8C-993D-9792ECE704CF}" type="datetime1">
               <a:rPr lang="ru-RU" smtClean="0"/>
-              <a:t>06.12.2023</a:t>
+              <a:t>07.12.2023</a:t>
             </a:fld>
             <a:endParaRPr lang="ru-RU"/>
           </a:p>
@@ -9248,7 +9248,7 @@
           <a:p>
             <a:fld id="{CEC514DF-95A3-4440-8C92-70183A8B271B}" type="datetime1">
               <a:rPr lang="ru-RU" smtClean="0"/>
-              <a:t>06.12.2023</a:t>
+              <a:t>07.12.2023</a:t>
             </a:fld>
             <a:endParaRPr lang="ru-RU"/>
           </a:p>
@@ -9523,7 +9523,7 @@
           <a:p>
             <a:fld id="{0F089FD3-8D3F-4D70-810C-C3BAB130620C}" type="datetime1">
               <a:rPr lang="ru-RU" smtClean="0"/>
-              <a:t>06.12.2023</a:t>
+              <a:t>07.12.2023</a:t>
             </a:fld>
             <a:endParaRPr lang="ru-RU"/>
           </a:p>
@@ -9788,7 +9788,7 @@
           <a:p>
             <a:fld id="{03BD065C-6440-4ADD-9661-2BC858116C36}" type="datetime1">
               <a:rPr lang="ru-RU" smtClean="0"/>
-              <a:t>06.12.2023</a:t>
+              <a:t>07.12.2023</a:t>
             </a:fld>
             <a:endParaRPr lang="ru-RU"/>
           </a:p>
@@ -10200,7 +10200,7 @@
           <a:p>
             <a:fld id="{9C9F2781-6084-4967-8B27-EFD45617B623}" type="datetime1">
               <a:rPr lang="ru-RU" smtClean="0"/>
-              <a:t>06.12.2023</a:t>
+              <a:t>07.12.2023</a:t>
             </a:fld>
             <a:endParaRPr lang="ru-RU"/>
           </a:p>
@@ -10341,7 +10341,7 @@
           <a:p>
             <a:fld id="{23075A13-C093-4814-9337-1B1624BE83A9}" type="datetime1">
               <a:rPr lang="ru-RU" smtClean="0"/>
-              <a:t>06.12.2023</a:t>
+              <a:t>07.12.2023</a:t>
             </a:fld>
             <a:endParaRPr lang="ru-RU"/>
           </a:p>
@@ -10454,7 +10454,7 @@
           <a:p>
             <a:fld id="{3CCC03B5-CA10-40A1-8AFF-ACF6793E6DE9}" type="datetime1">
               <a:rPr lang="ru-RU" smtClean="0"/>
-              <a:t>06.12.2023</a:t>
+              <a:t>07.12.2023</a:t>
             </a:fld>
             <a:endParaRPr lang="ru-RU"/>
           </a:p>
@@ -10765,7 +10765,7 @@
           <a:p>
             <a:fld id="{BC914419-F479-4EF7-BD8A-052207687194}" type="datetime1">
               <a:rPr lang="ru-RU" smtClean="0"/>
-              <a:t>06.12.2023</a:t>
+              <a:t>07.12.2023</a:t>
             </a:fld>
             <a:endParaRPr lang="ru-RU"/>
           </a:p>
@@ -11053,7 +11053,7 @@
           <a:p>
             <a:fld id="{A9F53061-9FC4-4FC1-A9FE-D0609EFC237C}" type="datetime1">
               <a:rPr lang="ru-RU" smtClean="0"/>
-              <a:t>06.12.2023</a:t>
+              <a:t>07.12.2023</a:t>
             </a:fld>
             <a:endParaRPr lang="ru-RU"/>
           </a:p>
@@ -11294,7 +11294,7 @@
           <a:p>
             <a:fld id="{97896050-A59A-406A-8488-78CA896E19D3}" type="datetime1">
               <a:rPr lang="ru-RU" smtClean="0"/>
-              <a:t>06.12.2023</a:t>
+              <a:t>07.12.2023</a:t>
             </a:fld>
             <a:endParaRPr lang="ru-RU"/>
           </a:p>
@@ -12097,6 +12097,48 @@
           </a:p>
         </p:txBody>
       </p:sp>
+      <p:sp>
+        <p:nvSpPr>
+          <p:cNvPr id="8" name="TextBox 7">
+            <a:extLst>
+              <a:ext uri="{FF2B5EF4-FFF2-40B4-BE49-F238E27FC236}">
+                <a16:creationId xmlns:a16="http://schemas.microsoft.com/office/drawing/2014/main" id="{6547E597-7980-48B7-9098-99089D322832}"/>
+              </a:ext>
+            </a:extLst>
+          </p:cNvPr>
+          <p:cNvSpPr txBox="1"/>
+          <p:nvPr/>
+        </p:nvSpPr>
+        <p:spPr>
+          <a:xfrm>
+            <a:off x="449802" y="5530123"/>
+            <a:ext cx="6094520" cy="369332"/>
+          </a:xfrm>
+          <a:prstGeom prst="rect">
+            <a:avLst/>
+          </a:prstGeom>
+          <a:noFill/>
+        </p:spPr>
+        <p:txBody>
+          <a:bodyPr wrap="square">
+            <a:spAutoFit/>
+          </a:bodyPr>
+          <a:lstStyle/>
+          <a:p>
+            <a:r>
+              <a:rPr lang="en-US" sz="1800" dirty="0">
+                <a:hlinkClick r:id="rId3"/>
+              </a:rPr>
+              <a:t>https://github.com/DaniilVdovin/GO.ALGO.Neuro</a:t>
+            </a:r>
+            <a:r>
+              <a:rPr lang="ru-RU" sz="1800" dirty="0"/>
+              <a:t> </a:t>
+            </a:r>
+            <a:endParaRPr lang="ru-RU" dirty="0"/>
+          </a:p>
+        </p:txBody>
+      </p:sp>
     </p:spTree>
     <p:extLst>
       <p:ext uri="{BB962C8B-B14F-4D97-AF65-F5344CB8AC3E}">
@@ -12854,14 +12896,14 @@
           <p:cNvCxnSpPr>
             <a:cxnSpLocks/>
             <a:stCxn id="14" idx="0"/>
-            <a:endCxn id="16" idx="3"/>
+            <a:endCxn id="12" idx="2"/>
           </p:cNvCxnSpPr>
           <p:nvPr/>
         </p:nvCxnSpPr>
         <p:spPr>
           <a:xfrm rot="5400000" flipH="1" flipV="1">
-            <a:off x="7313689" y="2259301"/>
-            <a:ext cx="487379" cy="2660864"/>
+            <a:off x="6513698" y="3068170"/>
+            <a:ext cx="478501" cy="1052005"/>
           </a:xfrm>
           <a:prstGeom prst="bentConnector3">
             <a:avLst/>
@@ -12897,14 +12939,14 @@
           <p:cNvCxnSpPr>
             <a:cxnSpLocks/>
             <a:stCxn id="15" idx="0"/>
-            <a:endCxn id="16" idx="3"/>
+            <a:endCxn id="12" idx="2"/>
           </p:cNvCxnSpPr>
           <p:nvPr/>
         </p:nvCxnSpPr>
         <p:spPr>
-          <a:xfrm rot="5400000" flipH="1" flipV="1">
-            <a:off x="8288597" y="3221726"/>
-            <a:ext cx="474896" cy="723530"/>
+          <a:xfrm rot="16200000" flipV="1">
+            <a:off x="7488607" y="3145265"/>
+            <a:ext cx="466018" cy="885329"/>
           </a:xfrm>
           <a:prstGeom prst="bentConnector3">
             <a:avLst/>
@@ -16193,15 +16235,16 @@
             </a:extLst>
           </p:cNvPr>
           <p:cNvCxnSpPr>
+            <a:cxnSpLocks/>
             <a:stCxn id="21" idx="0"/>
-            <a:endCxn id="22" idx="3"/>
+            <a:endCxn id="34" idx="2"/>
           </p:cNvCxnSpPr>
           <p:nvPr/>
         </p:nvCxnSpPr>
         <p:spPr>
-          <a:xfrm rot="5400000" flipH="1" flipV="1">
-            <a:off x="2098139" y="2786498"/>
-            <a:ext cx="474896" cy="723530"/>
+          <a:xfrm rot="16200000" flipV="1">
+            <a:off x="1354104" y="2765993"/>
+            <a:ext cx="472996" cy="766440"/>
           </a:xfrm>
           <a:prstGeom prst="bentConnector3">
             <a:avLst/>
@@ -16732,6 +16775,98 @@
           </a:p>
         </p:txBody>
       </p:sp>
+      <p:sp>
+        <p:nvSpPr>
+          <p:cNvPr id="34" name="Прямоугольник 33">
+            <a:extLst>
+              <a:ext uri="{FF2B5EF4-FFF2-40B4-BE49-F238E27FC236}">
+                <a16:creationId xmlns:a16="http://schemas.microsoft.com/office/drawing/2014/main" id="{9708E126-0343-4B62-8EA7-67B7860C579D}"/>
+              </a:ext>
+            </a:extLst>
+          </p:cNvPr>
+          <p:cNvSpPr/>
+          <p:nvPr/>
+        </p:nvSpPr>
+        <p:spPr>
+          <a:xfrm>
+            <a:off x="462397" y="2495463"/>
+            <a:ext cx="1489970" cy="417252"/>
+          </a:xfrm>
+          <a:prstGeom prst="rect">
+            <a:avLst/>
+          </a:prstGeom>
+        </p:spPr>
+        <p:style>
+          <a:lnRef idx="2">
+            <a:schemeClr val="accent1">
+              <a:shade val="50000"/>
+            </a:schemeClr>
+          </a:lnRef>
+          <a:fillRef idx="1">
+            <a:schemeClr val="accent1"/>
+          </a:fillRef>
+          <a:effectRef idx="0">
+            <a:schemeClr val="accent1"/>
+          </a:effectRef>
+          <a:fontRef idx="minor">
+            <a:schemeClr val="lt1"/>
+          </a:fontRef>
+        </p:style>
+        <p:txBody>
+          <a:bodyPr rtlCol="0" anchor="ctr"/>
+          <a:lstStyle/>
+          <a:p>
+            <a:pPr algn="ctr"/>
+            <a:r>
+              <a:rPr lang="en-US" sz="1400" dirty="0"/>
+              <a:t>Master back-end (Java)</a:t>
+            </a:r>
+            <a:endParaRPr lang="ru-RU" sz="1400" dirty="0"/>
+          </a:p>
+        </p:txBody>
+      </p:sp>
+      <p:cxnSp>
+        <p:nvCxnSpPr>
+          <p:cNvPr id="7" name="Соединитель: уступ 6">
+            <a:extLst>
+              <a:ext uri="{FF2B5EF4-FFF2-40B4-BE49-F238E27FC236}">
+                <a16:creationId xmlns:a16="http://schemas.microsoft.com/office/drawing/2014/main" id="{90222AB4-5510-4DD8-A293-7E0E4A6C3797}"/>
+              </a:ext>
+            </a:extLst>
+          </p:cNvPr>
+          <p:cNvCxnSpPr>
+            <a:stCxn id="34" idx="3"/>
+            <a:endCxn id="22" idx="2"/>
+          </p:cNvCxnSpPr>
+          <p:nvPr/>
+        </p:nvCxnSpPr>
+        <p:spPr>
+          <a:xfrm>
+            <a:off x="1952367" y="2704089"/>
+            <a:ext cx="265591" cy="2837"/>
+          </a:xfrm>
+          <a:prstGeom prst="bentConnector3">
+            <a:avLst/>
+          </a:prstGeom>
+          <a:ln>
+            <a:tailEnd type="triangle"/>
+          </a:ln>
+        </p:spPr>
+        <p:style>
+          <a:lnRef idx="1">
+            <a:schemeClr val="accent1"/>
+          </a:lnRef>
+          <a:fillRef idx="0">
+            <a:schemeClr val="accent1"/>
+          </a:fillRef>
+          <a:effectRef idx="0">
+            <a:schemeClr val="accent1"/>
+          </a:effectRef>
+          <a:fontRef idx="minor">
+            <a:schemeClr val="tx1"/>
+          </a:fontRef>
+        </p:style>
+      </p:cxnSp>
     </p:spTree>
     <p:extLst>
       <p:ext uri="{BB962C8B-B14F-4D97-AF65-F5344CB8AC3E}">
@@ -16855,7 +16990,7 @@
         </p:nvSpPr>
         <p:spPr>
           <a:xfrm>
-            <a:off x="304255" y="3065014"/>
+            <a:off x="304255" y="3917269"/>
             <a:ext cx="5004593" cy="400110"/>
           </a:xfrm>
           <a:prstGeom prst="rect">
@@ -16899,7 +17034,7 @@
         </p:nvSpPr>
         <p:spPr>
           <a:xfrm>
-            <a:off x="304255" y="3604306"/>
+            <a:off x="304255" y="4456561"/>
             <a:ext cx="5004593" cy="738664"/>
           </a:xfrm>
           <a:prstGeom prst="rect">
@@ -16985,7 +17120,7 @@
         </p:nvSpPr>
         <p:spPr>
           <a:xfrm>
-            <a:off x="6591125" y="3065014"/>
+            <a:off x="6591125" y="3917269"/>
             <a:ext cx="4807803" cy="400110"/>
           </a:xfrm>
           <a:prstGeom prst="rect">
@@ -17025,7 +17160,7 @@
         </p:nvSpPr>
         <p:spPr>
           <a:xfrm>
-            <a:off x="304254" y="4741890"/>
+            <a:off x="304254" y="5594145"/>
             <a:ext cx="5004593" cy="400110"/>
           </a:xfrm>
           <a:prstGeom prst="rect">
@@ -17066,7 +17201,7 @@
         <p:spPr>
           <a:xfrm>
             <a:off x="190325" y="1218022"/>
-            <a:ext cx="5004593" cy="1815882"/>
+            <a:ext cx="5118522" cy="2031325"/>
           </a:xfrm>
           <a:prstGeom prst="rect">
             <a:avLst/>
@@ -17084,16 +17219,19 @@
               <a:buChar char="•"/>
             </a:pPr>
             <a:r>
-              <a:rPr lang="en-US" sz="1400" dirty="0"/>
-              <a:t>ML|AI: </a:t>
+              <a:rPr lang="ru-RU" sz="1400" dirty="0"/>
+              <a:t>Все в одном: </a:t>
             </a:r>
             <a:r>
               <a:rPr lang="en-US" sz="1400" dirty="0">
                 <a:hlinkClick r:id="rId3"/>
               </a:rPr>
-              <a:t>https://github.com/powerlife000/moex_hackaton</a:t>
-            </a:r>
-            <a:endParaRPr lang="en-US" sz="1400" dirty="0"/>
+              <a:t>https://github.com/DaniilVdovin/GO.ALGO.Neuro</a:t>
+            </a:r>
+            <a:r>
+              <a:rPr lang="ru-RU" sz="1400" dirty="0"/>
+              <a:t> </a:t>
+            </a:r>
           </a:p>
           <a:p>
             <a:pPr marL="285750" indent="-285750">
@@ -17102,13 +17240,13 @@
             </a:pPr>
             <a:r>
               <a:rPr lang="en-US" sz="1400" dirty="0"/>
-              <a:t>Back-end (API): </a:t>
+              <a:t>ML|AI: </a:t>
             </a:r>
             <a:r>
               <a:rPr lang="en-US" sz="1400" dirty="0">
                 <a:hlinkClick r:id="rId4"/>
               </a:rPr>
-              <a:t>https://github.com/DaniilVdovin/goalgomoex_master_server</a:t>
+              <a:t>https://github.com/powerlife000/moex_hackaton</a:t>
             </a:r>
             <a:endParaRPr lang="en-US" sz="1400" dirty="0"/>
           </a:p>
@@ -17119,13 +17257,13 @@
             </a:pPr>
             <a:r>
               <a:rPr lang="en-US" sz="1400" dirty="0"/>
-              <a:t>Front: </a:t>
+              <a:t>Back-end (API): </a:t>
             </a:r>
             <a:r>
               <a:rPr lang="en-US" sz="1400" dirty="0">
                 <a:hlinkClick r:id="rId5"/>
               </a:rPr>
-              <a:t>https://github.com/Innosan/go_algo_web</a:t>
+              <a:t>https://github.com/DaniilVdovin/goalgomoex_master_server</a:t>
             </a:r>
             <a:endParaRPr lang="en-US" sz="1400" dirty="0"/>
           </a:p>
@@ -17135,26 +17273,14 @@
               <a:buChar char="•"/>
             </a:pPr>
             <a:r>
-              <a:rPr lang="ru-RU" sz="1400" dirty="0"/>
-              <a:t>Торговая система (</a:t>
-            </a:r>
-            <a:r>
               <a:rPr lang="en-US" sz="1400" dirty="0"/>
-              <a:t>python+MT5</a:t>
-            </a:r>
-            <a:r>
-              <a:rPr lang="ru-RU" sz="1400" dirty="0"/>
-              <a:t>)</a:t>
-            </a:r>
-            <a:r>
-              <a:rPr lang="en-US" sz="1400" dirty="0"/>
-              <a:t>: </a:t>
+              <a:t>Front: </a:t>
             </a:r>
             <a:r>
               <a:rPr lang="en-US" sz="1400" dirty="0">
                 <a:hlinkClick r:id="rId6"/>
               </a:rPr>
-              <a:t>https://github.com/powerlife000/moex_trading_system</a:t>
+              <a:t>https://github.com/Innosan/go_algo_web</a:t>
             </a:r>
             <a:endParaRPr lang="en-US" sz="1400" dirty="0"/>
           </a:p>
@@ -17165,13 +17291,48 @@
             </a:pPr>
             <a:r>
               <a:rPr lang="ru-RU" sz="1400" dirty="0"/>
-              <a:t>Подбор портфеля: </a:t>
+              <a:t>Торговая система (</a:t>
+            </a:r>
+            <a:r>
+              <a:rPr lang="en-US" sz="1400" dirty="0"/>
+              <a:t>python+MT5</a:t>
+            </a:r>
+            <a:r>
+              <a:rPr lang="ru-RU" sz="1400" dirty="0"/>
+              <a:t>)</a:t>
+            </a:r>
+            <a:r>
+              <a:rPr lang="en-US" sz="1400" dirty="0"/>
+              <a:t>: </a:t>
             </a:r>
             <a:r>
               <a:rPr lang="en-US" sz="1400" dirty="0">
                 <a:hlinkClick r:id="rId7"/>
               </a:rPr>
-              <a:t>https://github.com/sergeycommit/algopack_top5_service</a:t>
+              <a:t>https://github.com/powerlife000/moex_trading_system</a:t>
+            </a:r>
+            <a:endParaRPr lang="en-US" sz="1400" dirty="0"/>
+          </a:p>
+          <a:p>
+            <a:pPr marL="285750" indent="-285750">
+              <a:buFont typeface="Arial" panose="020B0604020202020204" pitchFamily="34" charset="0"/>
+              <a:buChar char="•"/>
+            </a:pPr>
+            <a:r>
+              <a:rPr lang="ru-RU" sz="1400" dirty="0"/>
+              <a:t>Подбор портфеля:</a:t>
+            </a:r>
+          </a:p>
+          <a:p>
+            <a:pPr marL="285750" indent="-285750">
+              <a:buFont typeface="Arial" panose="020B0604020202020204" pitchFamily="34" charset="0"/>
+              <a:buChar char="•"/>
+            </a:pPr>
+            <a:r>
+              <a:rPr lang="en-US" sz="1400" dirty="0">
+                <a:hlinkClick r:id="rId8"/>
+              </a:rPr>
+              <a:t>https://github.com/sergeycommit/AlgoPack_time_series</a:t>
             </a:r>
             <a:endParaRPr lang="ru-RU" sz="1400" dirty="0"/>
           </a:p>
@@ -17308,7 +17469,7 @@
         </p:nvSpPr>
         <p:spPr>
           <a:xfrm>
-            <a:off x="6591125" y="5282297"/>
+            <a:off x="6591125" y="6134552"/>
             <a:ext cx="4807803" cy="307777"/>
           </a:xfrm>
           <a:prstGeom prst="rect">
@@ -17328,7 +17489,7 @@
             </a:pPr>
             <a:r>
               <a:rPr lang="ru-RU" sz="1400" dirty="0">
-                <a:hlinkClick r:id="rId8"/>
+                <a:hlinkClick r:id="rId9"/>
               </a:rPr>
               <a:t>http://213.171.14.97:8080/swagger-ui/index.html</a:t>
             </a:r>
@@ -17350,7 +17511,7 @@
         </p:nvSpPr>
         <p:spPr>
           <a:xfrm>
-            <a:off x="6591125" y="4741890"/>
+            <a:off x="6591125" y="5594145"/>
             <a:ext cx="4807803" cy="400110"/>
           </a:xfrm>
           <a:prstGeom prst="rect">
@@ -17398,7 +17559,7 @@
         </p:nvSpPr>
         <p:spPr>
           <a:xfrm>
-            <a:off x="6487357" y="3605399"/>
+            <a:off x="6487357" y="4457654"/>
             <a:ext cx="4911571" cy="523220"/>
           </a:xfrm>
           <a:prstGeom prst="rect">
@@ -17418,7 +17579,7 @@
             </a:pPr>
             <a:r>
               <a:rPr lang="ru-RU" sz="1400" dirty="0">
-                <a:hlinkClick r:id="rId9"/>
+                <a:hlinkClick r:id="rId10"/>
               </a:rPr>
               <a:t>https://sensational-licorice-a3b0e5.netlify.app/strategy/1-Buy%E2%80%99n%20Hold</a:t>
             </a:r>

--- a/info/NullPointerExeption v1.pptx
+++ b/info/NullPointerExeption v1.pptx
@@ -5,7 +5,7 @@
     <p:sldMasterId id="2147483648" r:id="rId1"/>
   </p:sldMasterIdLst>
   <p:notesMasterIdLst>
-    <p:notesMasterId r:id="rId8"/>
+    <p:notesMasterId r:id="rId9"/>
   </p:notesMasterIdLst>
   <p:sldIdLst>
     <p:sldId id="256" r:id="rId2"/>
@@ -13,7 +13,8 @@
     <p:sldId id="258" r:id="rId4"/>
     <p:sldId id="259" r:id="rId5"/>
     <p:sldId id="260" r:id="rId6"/>
-    <p:sldId id="261" r:id="rId7"/>
+    <p:sldId id="262" r:id="rId7"/>
+    <p:sldId id="261" r:id="rId8"/>
   </p:sldIdLst>
   <p:sldSz cx="12192000" cy="6858000"/>
   <p:notesSz cx="6858000" cy="9144000"/>
@@ -1615,6 +1616,753 @@
 </file>
 
 <file path=ppt/diagrams/colors3.xml><?xml version="1.0" encoding="utf-8"?>
+<dgm:colorsDef xmlns:dgm="http://schemas.openxmlformats.org/drawingml/2006/diagram" xmlns:a="http://schemas.openxmlformats.org/drawingml/2006/main" uniqueId="urn:microsoft.com/office/officeart/2005/8/colors/accent1_2">
+  <dgm:title val=""/>
+  <dgm:desc val=""/>
+  <dgm:catLst>
+    <dgm:cat type="accent1" pri="11200"/>
+  </dgm:catLst>
+  <dgm:styleLbl name="node0">
+    <dgm:fillClrLst meth="repeat">
+      <a:schemeClr val="accent1"/>
+    </dgm:fillClrLst>
+    <dgm:linClrLst meth="repeat">
+      <a:schemeClr val="lt1"/>
+    </dgm:linClrLst>
+    <dgm:effectClrLst/>
+    <dgm:txLinClrLst/>
+    <dgm:txFillClrLst/>
+    <dgm:txEffectClrLst/>
+  </dgm:styleLbl>
+  <dgm:styleLbl name="alignNode1">
+    <dgm:fillClrLst meth="repeat">
+      <a:schemeClr val="accent1"/>
+    </dgm:fillClrLst>
+    <dgm:linClrLst meth="repeat">
+      <a:schemeClr val="accent1"/>
+    </dgm:linClrLst>
+    <dgm:effectClrLst/>
+    <dgm:txLinClrLst/>
+    <dgm:txFillClrLst/>
+    <dgm:txEffectClrLst/>
+  </dgm:styleLbl>
+  <dgm:styleLbl name="node1">
+    <dgm:fillClrLst meth="repeat">
+      <a:schemeClr val="accent1"/>
+    </dgm:fillClrLst>
+    <dgm:linClrLst meth="repeat">
+      <a:schemeClr val="lt1"/>
+    </dgm:linClrLst>
+    <dgm:effectClrLst/>
+    <dgm:txLinClrLst/>
+    <dgm:txFillClrLst/>
+    <dgm:txEffectClrLst/>
+  </dgm:styleLbl>
+  <dgm:styleLbl name="lnNode1">
+    <dgm:fillClrLst meth="repeat">
+      <a:schemeClr val="accent1"/>
+    </dgm:fillClrLst>
+    <dgm:linClrLst meth="repeat">
+      <a:schemeClr val="lt1"/>
+    </dgm:linClrLst>
+    <dgm:effectClrLst/>
+    <dgm:txLinClrLst/>
+    <dgm:txFillClrLst/>
+    <dgm:txEffectClrLst/>
+  </dgm:styleLbl>
+  <dgm:styleLbl name="vennNode1">
+    <dgm:fillClrLst meth="repeat">
+      <a:schemeClr val="accent1">
+        <a:alpha val="50000"/>
+      </a:schemeClr>
+    </dgm:fillClrLst>
+    <dgm:linClrLst meth="repeat">
+      <a:schemeClr val="lt1"/>
+    </dgm:linClrLst>
+    <dgm:effectClrLst/>
+    <dgm:txLinClrLst/>
+    <dgm:txFillClrLst/>
+    <dgm:txEffectClrLst/>
+  </dgm:styleLbl>
+  <dgm:styleLbl name="node2">
+    <dgm:fillClrLst meth="repeat">
+      <a:schemeClr val="accent1"/>
+    </dgm:fillClrLst>
+    <dgm:linClrLst meth="repeat">
+      <a:schemeClr val="lt1"/>
+    </dgm:linClrLst>
+    <dgm:effectClrLst/>
+    <dgm:txLinClrLst/>
+    <dgm:txFillClrLst/>
+    <dgm:txEffectClrLst/>
+  </dgm:styleLbl>
+  <dgm:styleLbl name="node3">
+    <dgm:fillClrLst meth="repeat">
+      <a:schemeClr val="accent1"/>
+    </dgm:fillClrLst>
+    <dgm:linClrLst meth="repeat">
+      <a:schemeClr val="lt1"/>
+    </dgm:linClrLst>
+    <dgm:effectClrLst/>
+    <dgm:txLinClrLst/>
+    <dgm:txFillClrLst/>
+    <dgm:txEffectClrLst/>
+  </dgm:styleLbl>
+  <dgm:styleLbl name="node4">
+    <dgm:fillClrLst meth="repeat">
+      <a:schemeClr val="accent1"/>
+    </dgm:fillClrLst>
+    <dgm:linClrLst meth="repeat">
+      <a:schemeClr val="lt1"/>
+    </dgm:linClrLst>
+    <dgm:effectClrLst/>
+    <dgm:txLinClrLst/>
+    <dgm:txFillClrLst/>
+    <dgm:txEffectClrLst/>
+  </dgm:styleLbl>
+  <dgm:styleLbl name="fgImgPlace1">
+    <dgm:fillClrLst meth="repeat">
+      <a:schemeClr val="accent1">
+        <a:tint val="50000"/>
+      </a:schemeClr>
+    </dgm:fillClrLst>
+    <dgm:linClrLst meth="repeat">
+      <a:schemeClr val="lt1"/>
+    </dgm:linClrLst>
+    <dgm:effectClrLst/>
+    <dgm:txLinClrLst/>
+    <dgm:txFillClrLst meth="repeat">
+      <a:schemeClr val="lt1"/>
+    </dgm:txFillClrLst>
+    <dgm:txEffectClrLst/>
+  </dgm:styleLbl>
+  <dgm:styleLbl name="alignImgPlace1">
+    <dgm:fillClrLst meth="repeat">
+      <a:schemeClr val="accent1">
+        <a:tint val="50000"/>
+      </a:schemeClr>
+    </dgm:fillClrLst>
+    <dgm:linClrLst meth="repeat">
+      <a:schemeClr val="lt1"/>
+    </dgm:linClrLst>
+    <dgm:effectClrLst/>
+    <dgm:txLinClrLst/>
+    <dgm:txFillClrLst meth="repeat">
+      <a:schemeClr val="lt1"/>
+    </dgm:txFillClrLst>
+    <dgm:txEffectClrLst/>
+  </dgm:styleLbl>
+  <dgm:styleLbl name="bgImgPlace1">
+    <dgm:fillClrLst meth="repeat">
+      <a:schemeClr val="accent1">
+        <a:tint val="50000"/>
+      </a:schemeClr>
+    </dgm:fillClrLst>
+    <dgm:linClrLst meth="repeat">
+      <a:schemeClr val="lt1"/>
+    </dgm:linClrLst>
+    <dgm:effectClrLst/>
+    <dgm:txLinClrLst/>
+    <dgm:txFillClrLst meth="repeat">
+      <a:schemeClr val="lt1"/>
+    </dgm:txFillClrLst>
+    <dgm:txEffectClrLst/>
+  </dgm:styleLbl>
+  <dgm:styleLbl name="sibTrans2D1">
+    <dgm:fillClrLst meth="repeat">
+      <a:schemeClr val="accent1">
+        <a:tint val="60000"/>
+      </a:schemeClr>
+    </dgm:fillClrLst>
+    <dgm:linClrLst meth="repeat">
+      <a:schemeClr val="accent1">
+        <a:tint val="60000"/>
+      </a:schemeClr>
+    </dgm:linClrLst>
+    <dgm:effectClrLst/>
+    <dgm:txLinClrLst/>
+    <dgm:txFillClrLst/>
+    <dgm:txEffectClrLst/>
+  </dgm:styleLbl>
+  <dgm:styleLbl name="fgSibTrans2D1">
+    <dgm:fillClrLst meth="repeat">
+      <a:schemeClr val="accent1">
+        <a:tint val="60000"/>
+      </a:schemeClr>
+    </dgm:fillClrLst>
+    <dgm:linClrLst meth="repeat">
+      <a:schemeClr val="accent1">
+        <a:tint val="60000"/>
+      </a:schemeClr>
+    </dgm:linClrLst>
+    <dgm:effectClrLst/>
+    <dgm:txLinClrLst/>
+    <dgm:txFillClrLst/>
+    <dgm:txEffectClrLst/>
+  </dgm:styleLbl>
+  <dgm:styleLbl name="bgSibTrans2D1">
+    <dgm:fillClrLst meth="repeat">
+      <a:schemeClr val="accent1">
+        <a:tint val="60000"/>
+      </a:schemeClr>
+    </dgm:fillClrLst>
+    <dgm:linClrLst meth="repeat">
+      <a:schemeClr val="accent1">
+        <a:tint val="60000"/>
+      </a:schemeClr>
+    </dgm:linClrLst>
+    <dgm:effectClrLst/>
+    <dgm:txLinClrLst/>
+    <dgm:txFillClrLst/>
+    <dgm:txEffectClrLst/>
+  </dgm:styleLbl>
+  <dgm:styleLbl name="sibTrans1D1">
+    <dgm:fillClrLst meth="repeat">
+      <a:schemeClr val="accent1"/>
+    </dgm:fillClrLst>
+    <dgm:linClrLst meth="repeat">
+      <a:schemeClr val="accent1"/>
+    </dgm:linClrLst>
+    <dgm:effectClrLst/>
+    <dgm:txLinClrLst/>
+    <dgm:txFillClrLst meth="repeat">
+      <a:schemeClr val="tx1"/>
+    </dgm:txFillClrLst>
+    <dgm:txEffectClrLst/>
+  </dgm:styleLbl>
+  <dgm:styleLbl name="callout">
+    <dgm:fillClrLst meth="repeat">
+      <a:schemeClr val="accent1"/>
+    </dgm:fillClrLst>
+    <dgm:linClrLst meth="repeat">
+      <a:schemeClr val="accent1">
+        <a:tint val="50000"/>
+      </a:schemeClr>
+    </dgm:linClrLst>
+    <dgm:effectClrLst/>
+    <dgm:txLinClrLst/>
+    <dgm:txFillClrLst meth="repeat">
+      <a:schemeClr val="tx1"/>
+    </dgm:txFillClrLst>
+    <dgm:txEffectClrLst/>
+  </dgm:styleLbl>
+  <dgm:styleLbl name="asst0">
+    <dgm:fillClrLst meth="repeat">
+      <a:schemeClr val="accent1"/>
+    </dgm:fillClrLst>
+    <dgm:linClrLst meth="repeat">
+      <a:schemeClr val="lt1"/>
+    </dgm:linClrLst>
+    <dgm:effectClrLst/>
+    <dgm:txLinClrLst/>
+    <dgm:txFillClrLst/>
+    <dgm:txEffectClrLst/>
+  </dgm:styleLbl>
+  <dgm:styleLbl name="asst1">
+    <dgm:fillClrLst meth="repeat">
+      <a:schemeClr val="accent1"/>
+    </dgm:fillClrLst>
+    <dgm:linClrLst meth="repeat">
+      <a:schemeClr val="lt1"/>
+    </dgm:linClrLst>
+    <dgm:effectClrLst/>
+    <dgm:txLinClrLst/>
+    <dgm:txFillClrLst/>
+    <dgm:txEffectClrLst/>
+  </dgm:styleLbl>
+  <dgm:styleLbl name="asst2">
+    <dgm:fillClrLst meth="repeat">
+      <a:schemeClr val="accent1"/>
+    </dgm:fillClrLst>
+    <dgm:linClrLst meth="repeat">
+      <a:schemeClr val="lt1"/>
+    </dgm:linClrLst>
+    <dgm:effectClrLst/>
+    <dgm:txLinClrLst/>
+    <dgm:txFillClrLst/>
+    <dgm:txEffectClrLst/>
+  </dgm:styleLbl>
+  <dgm:styleLbl name="asst3">
+    <dgm:fillClrLst meth="repeat">
+      <a:schemeClr val="accent1"/>
+    </dgm:fillClrLst>
+    <dgm:linClrLst meth="repeat">
+      <a:schemeClr val="lt1"/>
+    </dgm:linClrLst>
+    <dgm:effectClrLst/>
+    <dgm:txLinClrLst/>
+    <dgm:txFillClrLst/>
+    <dgm:txEffectClrLst/>
+  </dgm:styleLbl>
+  <dgm:styleLbl name="asst4">
+    <dgm:fillClrLst meth="repeat">
+      <a:schemeClr val="accent1"/>
+    </dgm:fillClrLst>
+    <dgm:linClrLst meth="repeat">
+      <a:schemeClr val="lt1"/>
+    </dgm:linClrLst>
+    <dgm:effectClrLst/>
+    <dgm:txLinClrLst/>
+    <dgm:txFillClrLst/>
+    <dgm:txEffectClrLst/>
+  </dgm:styleLbl>
+  <dgm:styleLbl name="parChTrans2D1">
+    <dgm:fillClrLst meth="repeat">
+      <a:schemeClr val="accent1">
+        <a:tint val="60000"/>
+      </a:schemeClr>
+    </dgm:fillClrLst>
+    <dgm:linClrLst meth="repeat">
+      <a:schemeClr val="accent1">
+        <a:tint val="60000"/>
+      </a:schemeClr>
+    </dgm:linClrLst>
+    <dgm:effectClrLst/>
+    <dgm:txLinClrLst/>
+    <dgm:txFillClrLst meth="repeat">
+      <a:schemeClr val="lt1"/>
+    </dgm:txFillClrLst>
+    <dgm:txEffectClrLst/>
+  </dgm:styleLbl>
+  <dgm:styleLbl name="parChTrans2D2">
+    <dgm:fillClrLst meth="repeat">
+      <a:schemeClr val="accent1"/>
+    </dgm:fillClrLst>
+    <dgm:linClrLst meth="repeat">
+      <a:schemeClr val="accent1"/>
+    </dgm:linClrLst>
+    <dgm:effectClrLst/>
+    <dgm:txLinClrLst/>
+    <dgm:txFillClrLst meth="repeat">
+      <a:schemeClr val="lt1"/>
+    </dgm:txFillClrLst>
+    <dgm:txEffectClrLst/>
+  </dgm:styleLbl>
+  <dgm:styleLbl name="parChTrans2D3">
+    <dgm:fillClrLst meth="repeat">
+      <a:schemeClr val="accent1"/>
+    </dgm:fillClrLst>
+    <dgm:linClrLst meth="repeat">
+      <a:schemeClr val="accent1"/>
+    </dgm:linClrLst>
+    <dgm:effectClrLst/>
+    <dgm:txLinClrLst/>
+    <dgm:txFillClrLst meth="repeat">
+      <a:schemeClr val="lt1"/>
+    </dgm:txFillClrLst>
+    <dgm:txEffectClrLst/>
+  </dgm:styleLbl>
+  <dgm:styleLbl name="parChTrans2D4">
+    <dgm:fillClrLst meth="repeat">
+      <a:schemeClr val="accent1"/>
+    </dgm:fillClrLst>
+    <dgm:linClrLst meth="repeat">
+      <a:schemeClr val="accent1"/>
+    </dgm:linClrLst>
+    <dgm:effectClrLst/>
+    <dgm:txLinClrLst/>
+    <dgm:txFillClrLst meth="repeat">
+      <a:schemeClr val="lt1"/>
+    </dgm:txFillClrLst>
+    <dgm:txEffectClrLst/>
+  </dgm:styleLbl>
+  <dgm:styleLbl name="parChTrans1D1">
+    <dgm:fillClrLst meth="repeat">
+      <a:schemeClr val="accent1"/>
+    </dgm:fillClrLst>
+    <dgm:linClrLst meth="repeat">
+      <a:schemeClr val="accent1">
+        <a:shade val="60000"/>
+      </a:schemeClr>
+    </dgm:linClrLst>
+    <dgm:effectClrLst/>
+    <dgm:txLinClrLst/>
+    <dgm:txFillClrLst meth="repeat">
+      <a:schemeClr val="tx1"/>
+    </dgm:txFillClrLst>
+    <dgm:txEffectClrLst/>
+  </dgm:styleLbl>
+  <dgm:styleLbl name="parChTrans1D2">
+    <dgm:fillClrLst meth="repeat">
+      <a:schemeClr val="accent1"/>
+    </dgm:fillClrLst>
+    <dgm:linClrLst meth="repeat">
+      <a:schemeClr val="accent1">
+        <a:shade val="60000"/>
+      </a:schemeClr>
+    </dgm:linClrLst>
+    <dgm:effectClrLst/>
+    <dgm:txLinClrLst/>
+    <dgm:txFillClrLst meth="repeat">
+      <a:schemeClr val="tx1"/>
+    </dgm:txFillClrLst>
+    <dgm:txEffectClrLst/>
+  </dgm:styleLbl>
+  <dgm:styleLbl name="parChTrans1D3">
+    <dgm:fillClrLst meth="repeat">
+      <a:schemeClr val="accent1"/>
+    </dgm:fillClrLst>
+    <dgm:linClrLst meth="repeat">
+      <a:schemeClr val="accent1">
+        <a:shade val="80000"/>
+      </a:schemeClr>
+    </dgm:linClrLst>
+    <dgm:effectClrLst/>
+    <dgm:txLinClrLst/>
+    <dgm:txFillClrLst meth="repeat">
+      <a:schemeClr val="tx1"/>
+    </dgm:txFillClrLst>
+    <dgm:txEffectClrLst/>
+  </dgm:styleLbl>
+  <dgm:styleLbl name="parChTrans1D4">
+    <dgm:fillClrLst meth="repeat">
+      <a:schemeClr val="accent1"/>
+    </dgm:fillClrLst>
+    <dgm:linClrLst meth="repeat">
+      <a:schemeClr val="accent1">
+        <a:shade val="80000"/>
+      </a:schemeClr>
+    </dgm:linClrLst>
+    <dgm:effectClrLst/>
+    <dgm:txLinClrLst/>
+    <dgm:txFillClrLst meth="repeat">
+      <a:schemeClr val="tx1"/>
+    </dgm:txFillClrLst>
+    <dgm:txEffectClrLst/>
+  </dgm:styleLbl>
+  <dgm:styleLbl name="fgAcc1">
+    <dgm:fillClrLst meth="repeat">
+      <a:schemeClr val="lt1">
+        <a:alpha val="90000"/>
+      </a:schemeClr>
+    </dgm:fillClrLst>
+    <dgm:linClrLst meth="repeat">
+      <a:schemeClr val="accent1"/>
+    </dgm:linClrLst>
+    <dgm:effectClrLst/>
+    <dgm:txLinClrLst/>
+    <dgm:txFillClrLst meth="repeat">
+      <a:schemeClr val="dk1"/>
+    </dgm:txFillClrLst>
+    <dgm:txEffectClrLst/>
+  </dgm:styleLbl>
+  <dgm:styleLbl name="conFgAcc1">
+    <dgm:fillClrLst meth="repeat">
+      <a:schemeClr val="lt1">
+        <a:alpha val="90000"/>
+      </a:schemeClr>
+    </dgm:fillClrLst>
+    <dgm:linClrLst meth="repeat">
+      <a:schemeClr val="accent1"/>
+    </dgm:linClrLst>
+    <dgm:effectClrLst/>
+    <dgm:txLinClrLst/>
+    <dgm:txFillClrLst meth="repeat">
+      <a:schemeClr val="dk1"/>
+    </dgm:txFillClrLst>
+    <dgm:txEffectClrLst/>
+  </dgm:styleLbl>
+  <dgm:styleLbl name="alignAcc1">
+    <dgm:fillClrLst meth="repeat">
+      <a:schemeClr val="lt1">
+        <a:alpha val="90000"/>
+      </a:schemeClr>
+    </dgm:fillClrLst>
+    <dgm:linClrLst meth="repeat">
+      <a:schemeClr val="accent1"/>
+    </dgm:linClrLst>
+    <dgm:effectClrLst/>
+    <dgm:txLinClrLst/>
+    <dgm:txFillClrLst meth="repeat">
+      <a:schemeClr val="dk1"/>
+    </dgm:txFillClrLst>
+    <dgm:txEffectClrLst/>
+  </dgm:styleLbl>
+  <dgm:styleLbl name="trAlignAcc1">
+    <dgm:fillClrLst meth="repeat">
+      <a:schemeClr val="lt1">
+        <a:alpha val="40000"/>
+      </a:schemeClr>
+    </dgm:fillClrLst>
+    <dgm:linClrLst meth="repeat">
+      <a:schemeClr val="accent1"/>
+    </dgm:linClrLst>
+    <dgm:effectClrLst/>
+    <dgm:txLinClrLst/>
+    <dgm:txFillClrLst meth="repeat">
+      <a:schemeClr val="dk1"/>
+    </dgm:txFillClrLst>
+    <dgm:txEffectClrLst/>
+  </dgm:styleLbl>
+  <dgm:styleLbl name="bgAcc1">
+    <dgm:fillClrLst meth="repeat">
+      <a:schemeClr val="lt1">
+        <a:alpha val="90000"/>
+      </a:schemeClr>
+    </dgm:fillClrLst>
+    <dgm:linClrLst meth="repeat">
+      <a:schemeClr val="accent1"/>
+    </dgm:linClrLst>
+    <dgm:effectClrLst/>
+    <dgm:txLinClrLst/>
+    <dgm:txFillClrLst meth="repeat">
+      <a:schemeClr val="dk1"/>
+    </dgm:txFillClrLst>
+    <dgm:txEffectClrLst/>
+  </dgm:styleLbl>
+  <dgm:styleLbl name="solidFgAcc1">
+    <dgm:fillClrLst meth="repeat">
+      <a:schemeClr val="lt1"/>
+    </dgm:fillClrLst>
+    <dgm:linClrLst meth="repeat">
+      <a:schemeClr val="accent1"/>
+    </dgm:linClrLst>
+    <dgm:effectClrLst/>
+    <dgm:txLinClrLst/>
+    <dgm:txFillClrLst meth="repeat">
+      <a:schemeClr val="dk1"/>
+    </dgm:txFillClrLst>
+    <dgm:txEffectClrLst/>
+  </dgm:styleLbl>
+  <dgm:styleLbl name="solidAlignAcc1">
+    <dgm:fillClrLst meth="repeat">
+      <a:schemeClr val="lt1"/>
+    </dgm:fillClrLst>
+    <dgm:linClrLst meth="repeat">
+      <a:schemeClr val="accent1"/>
+    </dgm:linClrLst>
+    <dgm:effectClrLst/>
+    <dgm:txLinClrLst/>
+    <dgm:txFillClrLst meth="repeat">
+      <a:schemeClr val="dk1"/>
+    </dgm:txFillClrLst>
+    <dgm:txEffectClrLst/>
+  </dgm:styleLbl>
+  <dgm:styleLbl name="solidBgAcc1">
+    <dgm:fillClrLst meth="repeat">
+      <a:schemeClr val="lt1"/>
+    </dgm:fillClrLst>
+    <dgm:linClrLst meth="repeat">
+      <a:schemeClr val="accent1"/>
+    </dgm:linClrLst>
+    <dgm:effectClrLst/>
+    <dgm:txLinClrLst/>
+    <dgm:txFillClrLst meth="repeat">
+      <a:schemeClr val="dk1"/>
+    </dgm:txFillClrLst>
+    <dgm:txEffectClrLst/>
+  </dgm:styleLbl>
+  <dgm:styleLbl name="fgAccFollowNode1">
+    <dgm:fillClrLst meth="repeat">
+      <a:schemeClr val="accent1">
+        <a:alpha val="90000"/>
+        <a:tint val="40000"/>
+      </a:schemeClr>
+    </dgm:fillClrLst>
+    <dgm:linClrLst meth="repeat">
+      <a:schemeClr val="accent1">
+        <a:alpha val="90000"/>
+        <a:tint val="40000"/>
+      </a:schemeClr>
+    </dgm:linClrLst>
+    <dgm:effectClrLst/>
+    <dgm:txLinClrLst/>
+    <dgm:txFillClrLst meth="repeat">
+      <a:schemeClr val="dk1"/>
+    </dgm:txFillClrLst>
+    <dgm:txEffectClrLst/>
+  </dgm:styleLbl>
+  <dgm:styleLbl name="alignAccFollowNode1">
+    <dgm:fillClrLst meth="repeat">
+      <a:schemeClr val="accent1">
+        <a:alpha val="90000"/>
+        <a:tint val="40000"/>
+      </a:schemeClr>
+    </dgm:fillClrLst>
+    <dgm:linClrLst meth="repeat">
+      <a:schemeClr val="accent1">
+        <a:alpha val="90000"/>
+        <a:tint val="40000"/>
+      </a:schemeClr>
+    </dgm:linClrLst>
+    <dgm:effectClrLst/>
+    <dgm:txLinClrLst/>
+    <dgm:txFillClrLst meth="repeat">
+      <a:schemeClr val="dk1"/>
+    </dgm:txFillClrLst>
+    <dgm:txEffectClrLst/>
+  </dgm:styleLbl>
+  <dgm:styleLbl name="bgAccFollowNode1">
+    <dgm:fillClrLst meth="repeat">
+      <a:schemeClr val="accent1">
+        <a:alpha val="90000"/>
+        <a:tint val="40000"/>
+      </a:schemeClr>
+    </dgm:fillClrLst>
+    <dgm:linClrLst meth="repeat">
+      <a:schemeClr val="accent1">
+        <a:alpha val="90000"/>
+        <a:tint val="40000"/>
+      </a:schemeClr>
+    </dgm:linClrLst>
+    <dgm:effectClrLst/>
+    <dgm:txLinClrLst/>
+    <dgm:txFillClrLst meth="repeat">
+      <a:schemeClr val="dk1"/>
+    </dgm:txFillClrLst>
+    <dgm:txEffectClrLst/>
+  </dgm:styleLbl>
+  <dgm:styleLbl name="fgAcc0">
+    <dgm:fillClrLst meth="repeat">
+      <a:schemeClr val="lt1">
+        <a:alpha val="90000"/>
+      </a:schemeClr>
+    </dgm:fillClrLst>
+    <dgm:linClrLst meth="repeat">
+      <a:schemeClr val="accent1"/>
+    </dgm:linClrLst>
+    <dgm:effectClrLst/>
+    <dgm:txLinClrLst/>
+    <dgm:txFillClrLst meth="repeat">
+      <a:schemeClr val="dk1"/>
+    </dgm:txFillClrLst>
+    <dgm:txEffectClrLst/>
+  </dgm:styleLbl>
+  <dgm:styleLbl name="fgAcc2">
+    <dgm:fillClrLst meth="repeat">
+      <a:schemeClr val="lt1">
+        <a:alpha val="90000"/>
+      </a:schemeClr>
+    </dgm:fillClrLst>
+    <dgm:linClrLst meth="repeat">
+      <a:schemeClr val="accent1"/>
+    </dgm:linClrLst>
+    <dgm:effectClrLst/>
+    <dgm:txLinClrLst/>
+    <dgm:txFillClrLst meth="repeat">
+      <a:schemeClr val="dk1"/>
+    </dgm:txFillClrLst>
+    <dgm:txEffectClrLst/>
+  </dgm:styleLbl>
+  <dgm:styleLbl name="fgAcc3">
+    <dgm:fillClrLst meth="repeat">
+      <a:schemeClr val="lt1">
+        <a:alpha val="90000"/>
+      </a:schemeClr>
+    </dgm:fillClrLst>
+    <dgm:linClrLst meth="repeat">
+      <a:schemeClr val="accent1"/>
+    </dgm:linClrLst>
+    <dgm:effectClrLst/>
+    <dgm:txLinClrLst/>
+    <dgm:txFillClrLst meth="repeat">
+      <a:schemeClr val="dk1"/>
+    </dgm:txFillClrLst>
+    <dgm:txEffectClrLst/>
+  </dgm:styleLbl>
+  <dgm:styleLbl name="fgAcc4">
+    <dgm:fillClrLst meth="repeat">
+      <a:schemeClr val="lt1">
+        <a:alpha val="90000"/>
+      </a:schemeClr>
+    </dgm:fillClrLst>
+    <dgm:linClrLst meth="repeat">
+      <a:schemeClr val="accent1"/>
+    </dgm:linClrLst>
+    <dgm:effectClrLst/>
+    <dgm:txLinClrLst/>
+    <dgm:txFillClrLst meth="repeat">
+      <a:schemeClr val="dk1"/>
+    </dgm:txFillClrLst>
+    <dgm:txEffectClrLst/>
+  </dgm:styleLbl>
+  <dgm:styleLbl name="bgShp">
+    <dgm:fillClrLst meth="repeat">
+      <a:schemeClr val="accent1">
+        <a:tint val="40000"/>
+      </a:schemeClr>
+    </dgm:fillClrLst>
+    <dgm:linClrLst meth="repeat">
+      <a:schemeClr val="accent1"/>
+    </dgm:linClrLst>
+    <dgm:effectClrLst/>
+    <dgm:txLinClrLst/>
+    <dgm:txFillClrLst meth="repeat">
+      <a:schemeClr val="dk1"/>
+    </dgm:txFillClrLst>
+    <dgm:txEffectClrLst/>
+  </dgm:styleLbl>
+  <dgm:styleLbl name="dkBgShp">
+    <dgm:fillClrLst meth="repeat">
+      <a:schemeClr val="accent1">
+        <a:shade val="80000"/>
+      </a:schemeClr>
+    </dgm:fillClrLst>
+    <dgm:linClrLst meth="repeat">
+      <a:schemeClr val="accent1"/>
+    </dgm:linClrLst>
+    <dgm:effectClrLst/>
+    <dgm:txLinClrLst/>
+    <dgm:txFillClrLst meth="repeat">
+      <a:schemeClr val="lt1"/>
+    </dgm:txFillClrLst>
+    <dgm:txEffectClrLst/>
+  </dgm:styleLbl>
+  <dgm:styleLbl name="trBgShp">
+    <dgm:fillClrLst meth="repeat">
+      <a:schemeClr val="accent1">
+        <a:tint val="50000"/>
+        <a:alpha val="40000"/>
+      </a:schemeClr>
+    </dgm:fillClrLst>
+    <dgm:linClrLst meth="repeat">
+      <a:schemeClr val="accent1"/>
+    </dgm:linClrLst>
+    <dgm:effectClrLst/>
+    <dgm:txLinClrLst/>
+    <dgm:txFillClrLst meth="repeat">
+      <a:schemeClr val="lt1"/>
+    </dgm:txFillClrLst>
+    <dgm:txEffectClrLst/>
+  </dgm:styleLbl>
+  <dgm:styleLbl name="fgShp">
+    <dgm:fillClrLst meth="repeat">
+      <a:schemeClr val="accent1">
+        <a:tint val="60000"/>
+      </a:schemeClr>
+    </dgm:fillClrLst>
+    <dgm:linClrLst meth="repeat">
+      <a:schemeClr val="lt1"/>
+    </dgm:linClrLst>
+    <dgm:effectClrLst/>
+    <dgm:txLinClrLst/>
+    <dgm:txFillClrLst meth="repeat">
+      <a:schemeClr val="dk1"/>
+    </dgm:txFillClrLst>
+    <dgm:txEffectClrLst/>
+  </dgm:styleLbl>
+  <dgm:styleLbl name="revTx">
+    <dgm:fillClrLst meth="repeat">
+      <a:schemeClr val="lt1">
+        <a:alpha val="0"/>
+      </a:schemeClr>
+    </dgm:fillClrLst>
+    <dgm:linClrLst meth="repeat">
+      <a:schemeClr val="dk1">
+        <a:alpha val="0"/>
+      </a:schemeClr>
+    </dgm:linClrLst>
+    <dgm:effectClrLst/>
+    <dgm:txLinClrLst/>
+    <dgm:txFillClrLst meth="repeat">
+      <a:schemeClr val="tx1"/>
+    </dgm:txFillClrLst>
+    <dgm:txEffectClrLst/>
+  </dgm:styleLbl>
+</dgm:colorsDef>
+</file>
+
+<file path=ppt/diagrams/colors4.xml><?xml version="1.0" encoding="utf-8"?>
 <dgm:colorsDef xmlns:dgm="http://schemas.openxmlformats.org/drawingml/2006/diagram" xmlns:a="http://schemas.openxmlformats.org/drawingml/2006/main" uniqueId="urn:microsoft.com/office/officeart/2005/8/colors/accent1_2">
   <dgm:title val=""/>
   <dgm:desc val=""/>
@@ -3294,6 +4042,252 @@
     <dgm:cxn modelId="{208D7F6F-555D-4FDB-AFD3-6374F48981B5}" type="presParOf" srcId="{81980F57-1161-49B6-B8CF-EF4316ED520E}" destId="{9C2F6898-5297-4CEA-98D2-5317814545FB}" srcOrd="6" destOrd="0" presId="urn:microsoft.com/office/officeart/2005/8/layout/default"/>
     <dgm:cxn modelId="{2F308616-953F-4908-A859-8AD05C4AA3F3}" type="presParOf" srcId="{81980F57-1161-49B6-B8CF-EF4316ED520E}" destId="{4FEC240E-B741-440D-836F-C131FC3421F0}" srcOrd="7" destOrd="0" presId="urn:microsoft.com/office/officeart/2005/8/layout/default"/>
     <dgm:cxn modelId="{23556C26-921F-4D49-A42A-41EA3336CCF1}" type="presParOf" srcId="{81980F57-1161-49B6-B8CF-EF4316ED520E}" destId="{E1DD1BAC-6682-487C-9FFE-A7D2A40FEEC3}" srcOrd="8" destOrd="0" presId="urn:microsoft.com/office/officeart/2005/8/layout/default"/>
+  </dgm:cxnLst>
+  <dgm:bg/>
+  <dgm:whole/>
+  <dgm:extLst>
+    <a:ext uri="http://schemas.microsoft.com/office/drawing/2008/diagram">
+      <dsp:dataModelExt xmlns:dsp="http://schemas.microsoft.com/office/drawing/2008/diagram" relId="rId7" minVer="http://schemas.openxmlformats.org/drawingml/2006/diagram"/>
+    </a:ext>
+  </dgm:extLst>
+</dgm:dataModel>
+</file>
+
+<file path=ppt/diagrams/data4.xml><?xml version="1.0" encoding="utf-8"?>
+<dgm:dataModel xmlns:dgm="http://schemas.openxmlformats.org/drawingml/2006/diagram" xmlns:a="http://schemas.openxmlformats.org/drawingml/2006/main">
+  <dgm:ptLst>
+    <dgm:pt modelId="{B2B84B66-7CE2-4D79-9757-D7D39B453481}" type="doc">
+      <dgm:prSet loTypeId="urn:microsoft.com/office/officeart/2005/8/layout/chevron1" loCatId="process" qsTypeId="urn:microsoft.com/office/officeart/2005/8/quickstyle/simple1" qsCatId="simple" csTypeId="urn:microsoft.com/office/officeart/2005/8/colors/accent1_2" csCatId="accent1" phldr="1"/>
+      <dgm:spPr/>
+    </dgm:pt>
+    <dgm:pt modelId="{19A177D7-9EB3-44DD-8371-6A7578544B6D}">
+      <dgm:prSet phldrT="[Текст]"/>
+      <dgm:spPr/>
+      <dgm:t>
+        <a:bodyPr/>
+        <a:lstStyle/>
+        <a:p>
+          <a:r>
+            <a:rPr lang="ru-RU"/>
+            <a:t>Прогноз </a:t>
+          </a:r>
+          <a:r>
+            <a:rPr lang="ru-RU" dirty="0"/>
+            <a:t>вектора движения канала</a:t>
+          </a:r>
+        </a:p>
+      </dgm:t>
+    </dgm:pt>
+    <dgm:pt modelId="{ABFB5F46-47E9-44D0-ACAF-09ABF930C4B7}" type="parTrans" cxnId="{2F3181D1-C9F3-4317-BA38-C4CAA9DF0119}">
+      <dgm:prSet/>
+      <dgm:spPr/>
+      <dgm:t>
+        <a:bodyPr/>
+        <a:lstStyle/>
+        <a:p>
+          <a:endParaRPr lang="ru-RU"/>
+        </a:p>
+      </dgm:t>
+    </dgm:pt>
+    <dgm:pt modelId="{081C00F3-1C0A-4B60-9282-0EB5D6F60813}" type="sibTrans" cxnId="{2F3181D1-C9F3-4317-BA38-C4CAA9DF0119}">
+      <dgm:prSet/>
+      <dgm:spPr/>
+      <dgm:t>
+        <a:bodyPr/>
+        <a:lstStyle/>
+        <a:p>
+          <a:endParaRPr lang="ru-RU"/>
+        </a:p>
+      </dgm:t>
+    </dgm:pt>
+    <dgm:pt modelId="{FACB0AD7-6DCD-47DD-A6CA-250B6E119F97}">
+      <dgm:prSet phldrT="[Текст]"/>
+      <dgm:spPr/>
+      <dgm:t>
+        <a:bodyPr/>
+        <a:lstStyle/>
+        <a:p>
+          <a:r>
+            <a:rPr lang="ru-RU" dirty="0"/>
+            <a:t>Оценка параметров доходности и риска</a:t>
+          </a:r>
+        </a:p>
+      </dgm:t>
+    </dgm:pt>
+    <dgm:pt modelId="{62D6F1D2-A430-4CB3-AC97-2758C911A19F}" type="parTrans" cxnId="{8735A3F2-073D-4B27-AA73-597058DB4D6C}">
+      <dgm:prSet/>
+      <dgm:spPr/>
+      <dgm:t>
+        <a:bodyPr/>
+        <a:lstStyle/>
+        <a:p>
+          <a:endParaRPr lang="ru-RU"/>
+        </a:p>
+      </dgm:t>
+    </dgm:pt>
+    <dgm:pt modelId="{B4924CA5-35D4-45A5-A2F3-B2F63846A109}" type="sibTrans" cxnId="{8735A3F2-073D-4B27-AA73-597058DB4D6C}">
+      <dgm:prSet/>
+      <dgm:spPr/>
+      <dgm:t>
+        <a:bodyPr/>
+        <a:lstStyle/>
+        <a:p>
+          <a:endParaRPr lang="ru-RU"/>
+        </a:p>
+      </dgm:t>
+    </dgm:pt>
+    <dgm:pt modelId="{8D4948F8-2E06-48CE-AB36-E0BD9E254A5A}">
+      <dgm:prSet phldrT="[Текст]"/>
+      <dgm:spPr/>
+      <dgm:t>
+        <a:bodyPr/>
+        <a:lstStyle/>
+        <a:p>
+          <a:r>
+            <a:rPr lang="ru-RU" dirty="0"/>
+            <a:t>Сравнительный анализ инструментов</a:t>
+          </a:r>
+        </a:p>
+      </dgm:t>
+    </dgm:pt>
+    <dgm:pt modelId="{93F81D16-0D4C-4E0D-81ED-044604F2B0FF}" type="parTrans" cxnId="{189BE639-F637-4EA9-B7E6-7605909395F7}">
+      <dgm:prSet/>
+      <dgm:spPr/>
+      <dgm:t>
+        <a:bodyPr/>
+        <a:lstStyle/>
+        <a:p>
+          <a:endParaRPr lang="ru-RU"/>
+        </a:p>
+      </dgm:t>
+    </dgm:pt>
+    <dgm:pt modelId="{AF9333F7-2BED-41FD-B9D7-9660DE276F0A}" type="sibTrans" cxnId="{189BE639-F637-4EA9-B7E6-7605909395F7}">
+      <dgm:prSet/>
+      <dgm:spPr/>
+      <dgm:t>
+        <a:bodyPr/>
+        <a:lstStyle/>
+        <a:p>
+          <a:endParaRPr lang="ru-RU"/>
+        </a:p>
+      </dgm:t>
+    </dgm:pt>
+    <dgm:pt modelId="{C83A1A78-3BBE-42F3-A573-FD1A1B2E6848}">
+      <dgm:prSet/>
+      <dgm:spPr/>
+      <dgm:t>
+        <a:bodyPr/>
+        <a:lstStyle/>
+        <a:p>
+          <a:r>
+            <a:rPr lang="ru-RU" dirty="0"/>
+            <a:t>Подбор портфеля</a:t>
+          </a:r>
+        </a:p>
+      </dgm:t>
+    </dgm:pt>
+    <dgm:pt modelId="{438A954A-D4FB-4943-9624-D706F3B5F3B0}" type="parTrans" cxnId="{326584DA-AEC6-4786-A338-75FD8EA53BE9}">
+      <dgm:prSet/>
+      <dgm:spPr/>
+      <dgm:t>
+        <a:bodyPr/>
+        <a:lstStyle/>
+        <a:p>
+          <a:endParaRPr lang="ru-RU"/>
+        </a:p>
+      </dgm:t>
+    </dgm:pt>
+    <dgm:pt modelId="{BAEAC9D6-4702-4D20-B0C0-8F9FE2ABF5E7}" type="sibTrans" cxnId="{326584DA-AEC6-4786-A338-75FD8EA53BE9}">
+      <dgm:prSet/>
+      <dgm:spPr/>
+      <dgm:t>
+        <a:bodyPr/>
+        <a:lstStyle/>
+        <a:p>
+          <a:endParaRPr lang="ru-RU"/>
+        </a:p>
+      </dgm:t>
+    </dgm:pt>
+    <dgm:pt modelId="{D4A9AE2A-368A-43C7-96E5-22D66D877C48}" type="pres">
+      <dgm:prSet presAssocID="{B2B84B66-7CE2-4D79-9757-D7D39B453481}" presName="Name0" presStyleCnt="0">
+        <dgm:presLayoutVars>
+          <dgm:dir/>
+          <dgm:animLvl val="lvl"/>
+          <dgm:resizeHandles val="exact"/>
+        </dgm:presLayoutVars>
+      </dgm:prSet>
+      <dgm:spPr/>
+    </dgm:pt>
+    <dgm:pt modelId="{EF5D656A-2F52-46B2-BC12-8D801C7D7AB9}" type="pres">
+      <dgm:prSet presAssocID="{19A177D7-9EB3-44DD-8371-6A7578544B6D}" presName="parTxOnly" presStyleLbl="node1" presStyleIdx="0" presStyleCnt="4">
+        <dgm:presLayoutVars>
+          <dgm:chMax val="0"/>
+          <dgm:chPref val="0"/>
+          <dgm:bulletEnabled val="1"/>
+        </dgm:presLayoutVars>
+      </dgm:prSet>
+      <dgm:spPr/>
+    </dgm:pt>
+    <dgm:pt modelId="{56B67869-E268-45AF-A757-E6B61FB99F2A}" type="pres">
+      <dgm:prSet presAssocID="{081C00F3-1C0A-4B60-9282-0EB5D6F60813}" presName="parTxOnlySpace" presStyleCnt="0"/>
+      <dgm:spPr/>
+    </dgm:pt>
+    <dgm:pt modelId="{68309D39-5E0A-45C0-8191-BBBE36B47F24}" type="pres">
+      <dgm:prSet presAssocID="{FACB0AD7-6DCD-47DD-A6CA-250B6E119F97}" presName="parTxOnly" presStyleLbl="node1" presStyleIdx="1" presStyleCnt="4">
+        <dgm:presLayoutVars>
+          <dgm:chMax val="0"/>
+          <dgm:chPref val="0"/>
+          <dgm:bulletEnabled val="1"/>
+        </dgm:presLayoutVars>
+      </dgm:prSet>
+      <dgm:spPr/>
+    </dgm:pt>
+    <dgm:pt modelId="{9EC003F6-A06F-4A6A-B529-F88462D06458}" type="pres">
+      <dgm:prSet presAssocID="{B4924CA5-35D4-45A5-A2F3-B2F63846A109}" presName="parTxOnlySpace" presStyleCnt="0"/>
+      <dgm:spPr/>
+    </dgm:pt>
+    <dgm:pt modelId="{ADB21A3B-D049-456D-ADAB-AA8CB20224CD}" type="pres">
+      <dgm:prSet presAssocID="{8D4948F8-2E06-48CE-AB36-E0BD9E254A5A}" presName="parTxOnly" presStyleLbl="node1" presStyleIdx="2" presStyleCnt="4">
+        <dgm:presLayoutVars>
+          <dgm:chMax val="0"/>
+          <dgm:chPref val="0"/>
+          <dgm:bulletEnabled val="1"/>
+        </dgm:presLayoutVars>
+      </dgm:prSet>
+      <dgm:spPr/>
+    </dgm:pt>
+    <dgm:pt modelId="{7DDB1B6D-9839-4759-8F16-1A4C3E04F6FF}" type="pres">
+      <dgm:prSet presAssocID="{AF9333F7-2BED-41FD-B9D7-9660DE276F0A}" presName="parTxOnlySpace" presStyleCnt="0"/>
+      <dgm:spPr/>
+    </dgm:pt>
+    <dgm:pt modelId="{FEF1E383-87D2-4CFA-924C-083D2526FC9B}" type="pres">
+      <dgm:prSet presAssocID="{C83A1A78-3BBE-42F3-A573-FD1A1B2E6848}" presName="parTxOnly" presStyleLbl="node1" presStyleIdx="3" presStyleCnt="4">
+        <dgm:presLayoutVars>
+          <dgm:chMax val="0"/>
+          <dgm:chPref val="0"/>
+          <dgm:bulletEnabled val="1"/>
+        </dgm:presLayoutVars>
+      </dgm:prSet>
+      <dgm:spPr/>
+    </dgm:pt>
+  </dgm:ptLst>
+  <dgm:cxnLst>
+    <dgm:cxn modelId="{3D18D615-B6D5-4871-859E-B333FF97ED6A}" type="presOf" srcId="{8D4948F8-2E06-48CE-AB36-E0BD9E254A5A}" destId="{ADB21A3B-D049-456D-ADAB-AA8CB20224CD}" srcOrd="0" destOrd="0" presId="urn:microsoft.com/office/officeart/2005/8/layout/chevron1"/>
+    <dgm:cxn modelId="{6EF4E929-50B9-4ADE-B8EA-F04DE47CF262}" type="presOf" srcId="{C83A1A78-3BBE-42F3-A573-FD1A1B2E6848}" destId="{FEF1E383-87D2-4CFA-924C-083D2526FC9B}" srcOrd="0" destOrd="0" presId="urn:microsoft.com/office/officeart/2005/8/layout/chevron1"/>
+    <dgm:cxn modelId="{189BE639-F637-4EA9-B7E6-7605909395F7}" srcId="{B2B84B66-7CE2-4D79-9757-D7D39B453481}" destId="{8D4948F8-2E06-48CE-AB36-E0BD9E254A5A}" srcOrd="2" destOrd="0" parTransId="{93F81D16-0D4C-4E0D-81ED-044604F2B0FF}" sibTransId="{AF9333F7-2BED-41FD-B9D7-9660DE276F0A}"/>
+    <dgm:cxn modelId="{89AB4374-3BE6-4DFD-8508-209B9C1E54AD}" type="presOf" srcId="{B2B84B66-7CE2-4D79-9757-D7D39B453481}" destId="{D4A9AE2A-368A-43C7-96E5-22D66D877C48}" srcOrd="0" destOrd="0" presId="urn:microsoft.com/office/officeart/2005/8/layout/chevron1"/>
+    <dgm:cxn modelId="{25AB77AC-B213-4DFD-99C9-5E2AA84E44FC}" type="presOf" srcId="{FACB0AD7-6DCD-47DD-A6CA-250B6E119F97}" destId="{68309D39-5E0A-45C0-8191-BBBE36B47F24}" srcOrd="0" destOrd="0" presId="urn:microsoft.com/office/officeart/2005/8/layout/chevron1"/>
+    <dgm:cxn modelId="{646341B6-3C3D-4CA6-8524-F2070D8F21F1}" type="presOf" srcId="{19A177D7-9EB3-44DD-8371-6A7578544B6D}" destId="{EF5D656A-2F52-46B2-BC12-8D801C7D7AB9}" srcOrd="0" destOrd="0" presId="urn:microsoft.com/office/officeart/2005/8/layout/chevron1"/>
+    <dgm:cxn modelId="{2F3181D1-C9F3-4317-BA38-C4CAA9DF0119}" srcId="{B2B84B66-7CE2-4D79-9757-D7D39B453481}" destId="{19A177D7-9EB3-44DD-8371-6A7578544B6D}" srcOrd="0" destOrd="0" parTransId="{ABFB5F46-47E9-44D0-ACAF-09ABF930C4B7}" sibTransId="{081C00F3-1C0A-4B60-9282-0EB5D6F60813}"/>
+    <dgm:cxn modelId="{326584DA-AEC6-4786-A338-75FD8EA53BE9}" srcId="{B2B84B66-7CE2-4D79-9757-D7D39B453481}" destId="{C83A1A78-3BBE-42F3-A573-FD1A1B2E6848}" srcOrd="3" destOrd="0" parTransId="{438A954A-D4FB-4943-9624-D706F3B5F3B0}" sibTransId="{BAEAC9D6-4702-4D20-B0C0-8F9FE2ABF5E7}"/>
+    <dgm:cxn modelId="{8735A3F2-073D-4B27-AA73-597058DB4D6C}" srcId="{B2B84B66-7CE2-4D79-9757-D7D39B453481}" destId="{FACB0AD7-6DCD-47DD-A6CA-250B6E119F97}" srcOrd="1" destOrd="0" parTransId="{62D6F1D2-A430-4CB3-AC97-2758C911A19F}" sibTransId="{B4924CA5-35D4-45A5-A2F3-B2F63846A109}"/>
+    <dgm:cxn modelId="{FEB3F5E5-D29C-41C6-AB4A-5871B954B4F3}" type="presParOf" srcId="{D4A9AE2A-368A-43C7-96E5-22D66D877C48}" destId="{EF5D656A-2F52-46B2-BC12-8D801C7D7AB9}" srcOrd="0" destOrd="0" presId="urn:microsoft.com/office/officeart/2005/8/layout/chevron1"/>
+    <dgm:cxn modelId="{6676FA14-3A36-43C6-A489-D142A5054E8A}" type="presParOf" srcId="{D4A9AE2A-368A-43C7-96E5-22D66D877C48}" destId="{56B67869-E268-45AF-A757-E6B61FB99F2A}" srcOrd="1" destOrd="0" presId="urn:microsoft.com/office/officeart/2005/8/layout/chevron1"/>
+    <dgm:cxn modelId="{AAB7C197-C268-43EF-B179-BF1155B508D7}" type="presParOf" srcId="{D4A9AE2A-368A-43C7-96E5-22D66D877C48}" destId="{68309D39-5E0A-45C0-8191-BBBE36B47F24}" srcOrd="2" destOrd="0" presId="urn:microsoft.com/office/officeart/2005/8/layout/chevron1"/>
+    <dgm:cxn modelId="{057C2511-D0CB-4204-887E-4D5AA0564F74}" type="presParOf" srcId="{D4A9AE2A-368A-43C7-96E5-22D66D877C48}" destId="{9EC003F6-A06F-4A6A-B529-F88462D06458}" srcOrd="3" destOrd="0" presId="urn:microsoft.com/office/officeart/2005/8/layout/chevron1"/>
+    <dgm:cxn modelId="{F7B8B727-FF0E-4E1A-91E5-20DDC71C1193}" type="presParOf" srcId="{D4A9AE2A-368A-43C7-96E5-22D66D877C48}" destId="{ADB21A3B-D049-456D-ADAB-AA8CB20224CD}" srcOrd="4" destOrd="0" presId="urn:microsoft.com/office/officeart/2005/8/layout/chevron1"/>
+    <dgm:cxn modelId="{95421242-0783-45B5-9B4C-9185017C02BC}" type="presParOf" srcId="{D4A9AE2A-368A-43C7-96E5-22D66D877C48}" destId="{7DDB1B6D-9839-4759-8F16-1A4C3E04F6FF}" srcOrd="5" destOrd="0" presId="urn:microsoft.com/office/officeart/2005/8/layout/chevron1"/>
+    <dgm:cxn modelId="{ACE36832-46D1-40D3-BF2B-C657E465F2EC}" type="presParOf" srcId="{D4A9AE2A-368A-43C7-96E5-22D66D877C48}" destId="{FEF1E383-87D2-4CFA-924C-083D2526FC9B}" srcOrd="6" destOrd="0" presId="urn:microsoft.com/office/officeart/2005/8/layout/chevron1"/>
   </dgm:cxnLst>
   <dgm:bg/>
   <dgm:whole/>
@@ -4605,6 +5599,334 @@
 </dsp:drawing>
 </file>
 
+<file path=ppt/diagrams/drawing4.xml><?xml version="1.0" encoding="utf-8"?>
+<dsp:drawing xmlns:dgm="http://schemas.openxmlformats.org/drawingml/2006/diagram" xmlns:dsp="http://schemas.microsoft.com/office/drawing/2008/diagram" xmlns:a="http://schemas.openxmlformats.org/drawingml/2006/main">
+  <dsp:spTree>
+    <dsp:nvGrpSpPr>
+      <dsp:cNvPr id="0" name=""/>
+      <dsp:cNvGrpSpPr/>
+    </dsp:nvGrpSpPr>
+    <dsp:grpSpPr/>
+    <dsp:sp modelId="{EF5D656A-2F52-46B2-BC12-8D801C7D7AB9}">
+      <dsp:nvSpPr>
+        <dsp:cNvPr id="0" name=""/>
+        <dsp:cNvSpPr/>
+      </dsp:nvSpPr>
+      <dsp:spPr>
+        <a:xfrm>
+          <a:off x="5032" y="0"/>
+          <a:ext cx="2929576" cy="947967"/>
+        </a:xfrm>
+        <a:prstGeom prst="chevron">
+          <a:avLst/>
+        </a:prstGeom>
+        <a:solidFill>
+          <a:schemeClr val="accent1">
+            <a:hueOff val="0"/>
+            <a:satOff val="0"/>
+            <a:lumOff val="0"/>
+            <a:alphaOff val="0"/>
+          </a:schemeClr>
+        </a:solidFill>
+        <a:ln w="12700" cap="flat" cmpd="sng" algn="ctr">
+          <a:solidFill>
+            <a:schemeClr val="lt1">
+              <a:hueOff val="0"/>
+              <a:satOff val="0"/>
+              <a:lumOff val="0"/>
+              <a:alphaOff val="0"/>
+            </a:schemeClr>
+          </a:solidFill>
+          <a:prstDash val="solid"/>
+          <a:miter lim="800000"/>
+        </a:ln>
+        <a:effectLst/>
+      </dsp:spPr>
+      <dsp:style>
+        <a:lnRef idx="2">
+          <a:scrgbClr r="0" g="0" b="0"/>
+        </a:lnRef>
+        <a:fillRef idx="1">
+          <a:scrgbClr r="0" g="0" b="0"/>
+        </a:fillRef>
+        <a:effectRef idx="0">
+          <a:scrgbClr r="0" g="0" b="0"/>
+        </a:effectRef>
+        <a:fontRef idx="minor">
+          <a:schemeClr val="lt1"/>
+        </a:fontRef>
+      </dsp:style>
+      <dsp:txBody>
+        <a:bodyPr spcFirstLastPara="0" vert="horz" wrap="square" lIns="68009" tIns="22670" rIns="22670" bIns="22670" numCol="1" spcCol="1270" anchor="ctr" anchorCtr="0">
+          <a:noAutofit/>
+        </a:bodyPr>
+        <a:lstStyle/>
+        <a:p>
+          <a:pPr marL="0" lvl="0" indent="0" algn="ctr" defTabSz="755650">
+            <a:lnSpc>
+              <a:spcPct val="90000"/>
+            </a:lnSpc>
+            <a:spcBef>
+              <a:spcPct val="0"/>
+            </a:spcBef>
+            <a:spcAft>
+              <a:spcPct val="35000"/>
+            </a:spcAft>
+            <a:buNone/>
+          </a:pPr>
+          <a:r>
+            <a:rPr lang="ru-RU" sz="1700" kern="1200"/>
+            <a:t>Прогноз </a:t>
+          </a:r>
+          <a:r>
+            <a:rPr lang="ru-RU" sz="1700" kern="1200" dirty="0"/>
+            <a:t>вектора движения канала</a:t>
+          </a:r>
+        </a:p>
+      </dsp:txBody>
+      <dsp:txXfrm>
+        <a:off x="479016" y="0"/>
+        <a:ext cx="1981609" cy="947967"/>
+      </dsp:txXfrm>
+    </dsp:sp>
+    <dsp:sp modelId="{68309D39-5E0A-45C0-8191-BBBE36B47F24}">
+      <dsp:nvSpPr>
+        <dsp:cNvPr id="0" name=""/>
+        <dsp:cNvSpPr/>
+      </dsp:nvSpPr>
+      <dsp:spPr>
+        <a:xfrm>
+          <a:off x="2641651" y="0"/>
+          <a:ext cx="2929576" cy="947967"/>
+        </a:xfrm>
+        <a:prstGeom prst="chevron">
+          <a:avLst/>
+        </a:prstGeom>
+        <a:solidFill>
+          <a:schemeClr val="accent1">
+            <a:hueOff val="0"/>
+            <a:satOff val="0"/>
+            <a:lumOff val="0"/>
+            <a:alphaOff val="0"/>
+          </a:schemeClr>
+        </a:solidFill>
+        <a:ln w="12700" cap="flat" cmpd="sng" algn="ctr">
+          <a:solidFill>
+            <a:schemeClr val="lt1">
+              <a:hueOff val="0"/>
+              <a:satOff val="0"/>
+              <a:lumOff val="0"/>
+              <a:alphaOff val="0"/>
+            </a:schemeClr>
+          </a:solidFill>
+          <a:prstDash val="solid"/>
+          <a:miter lim="800000"/>
+        </a:ln>
+        <a:effectLst/>
+      </dsp:spPr>
+      <dsp:style>
+        <a:lnRef idx="2">
+          <a:scrgbClr r="0" g="0" b="0"/>
+        </a:lnRef>
+        <a:fillRef idx="1">
+          <a:scrgbClr r="0" g="0" b="0"/>
+        </a:fillRef>
+        <a:effectRef idx="0">
+          <a:scrgbClr r="0" g="0" b="0"/>
+        </a:effectRef>
+        <a:fontRef idx="minor">
+          <a:schemeClr val="lt1"/>
+        </a:fontRef>
+      </dsp:style>
+      <dsp:txBody>
+        <a:bodyPr spcFirstLastPara="0" vert="horz" wrap="square" lIns="68009" tIns="22670" rIns="22670" bIns="22670" numCol="1" spcCol="1270" anchor="ctr" anchorCtr="0">
+          <a:noAutofit/>
+        </a:bodyPr>
+        <a:lstStyle/>
+        <a:p>
+          <a:pPr marL="0" lvl="0" indent="0" algn="ctr" defTabSz="755650">
+            <a:lnSpc>
+              <a:spcPct val="90000"/>
+            </a:lnSpc>
+            <a:spcBef>
+              <a:spcPct val="0"/>
+            </a:spcBef>
+            <a:spcAft>
+              <a:spcPct val="35000"/>
+            </a:spcAft>
+            <a:buNone/>
+          </a:pPr>
+          <a:r>
+            <a:rPr lang="ru-RU" sz="1700" kern="1200" dirty="0"/>
+            <a:t>Оценка параметров доходности и риска</a:t>
+          </a:r>
+        </a:p>
+      </dsp:txBody>
+      <dsp:txXfrm>
+        <a:off x="3115635" y="0"/>
+        <a:ext cx="1981609" cy="947967"/>
+      </dsp:txXfrm>
+    </dsp:sp>
+    <dsp:sp modelId="{ADB21A3B-D049-456D-ADAB-AA8CB20224CD}">
+      <dsp:nvSpPr>
+        <dsp:cNvPr id="0" name=""/>
+        <dsp:cNvSpPr/>
+      </dsp:nvSpPr>
+      <dsp:spPr>
+        <a:xfrm>
+          <a:off x="5278271" y="0"/>
+          <a:ext cx="2929576" cy="947967"/>
+        </a:xfrm>
+        <a:prstGeom prst="chevron">
+          <a:avLst/>
+        </a:prstGeom>
+        <a:solidFill>
+          <a:schemeClr val="accent1">
+            <a:hueOff val="0"/>
+            <a:satOff val="0"/>
+            <a:lumOff val="0"/>
+            <a:alphaOff val="0"/>
+          </a:schemeClr>
+        </a:solidFill>
+        <a:ln w="12700" cap="flat" cmpd="sng" algn="ctr">
+          <a:solidFill>
+            <a:schemeClr val="lt1">
+              <a:hueOff val="0"/>
+              <a:satOff val="0"/>
+              <a:lumOff val="0"/>
+              <a:alphaOff val="0"/>
+            </a:schemeClr>
+          </a:solidFill>
+          <a:prstDash val="solid"/>
+          <a:miter lim="800000"/>
+        </a:ln>
+        <a:effectLst/>
+      </dsp:spPr>
+      <dsp:style>
+        <a:lnRef idx="2">
+          <a:scrgbClr r="0" g="0" b="0"/>
+        </a:lnRef>
+        <a:fillRef idx="1">
+          <a:scrgbClr r="0" g="0" b="0"/>
+        </a:fillRef>
+        <a:effectRef idx="0">
+          <a:scrgbClr r="0" g="0" b="0"/>
+        </a:effectRef>
+        <a:fontRef idx="minor">
+          <a:schemeClr val="lt1"/>
+        </a:fontRef>
+      </dsp:style>
+      <dsp:txBody>
+        <a:bodyPr spcFirstLastPara="0" vert="horz" wrap="square" lIns="68009" tIns="22670" rIns="22670" bIns="22670" numCol="1" spcCol="1270" anchor="ctr" anchorCtr="0">
+          <a:noAutofit/>
+        </a:bodyPr>
+        <a:lstStyle/>
+        <a:p>
+          <a:pPr marL="0" lvl="0" indent="0" algn="ctr" defTabSz="755650">
+            <a:lnSpc>
+              <a:spcPct val="90000"/>
+            </a:lnSpc>
+            <a:spcBef>
+              <a:spcPct val="0"/>
+            </a:spcBef>
+            <a:spcAft>
+              <a:spcPct val="35000"/>
+            </a:spcAft>
+            <a:buNone/>
+          </a:pPr>
+          <a:r>
+            <a:rPr lang="ru-RU" sz="1700" kern="1200" dirty="0"/>
+            <a:t>Сравнительный анализ инструментов</a:t>
+          </a:r>
+        </a:p>
+      </dsp:txBody>
+      <dsp:txXfrm>
+        <a:off x="5752255" y="0"/>
+        <a:ext cx="1981609" cy="947967"/>
+      </dsp:txXfrm>
+    </dsp:sp>
+    <dsp:sp modelId="{FEF1E383-87D2-4CFA-924C-083D2526FC9B}">
+      <dsp:nvSpPr>
+        <dsp:cNvPr id="0" name=""/>
+        <dsp:cNvSpPr/>
+      </dsp:nvSpPr>
+      <dsp:spPr>
+        <a:xfrm>
+          <a:off x="7914890" y="0"/>
+          <a:ext cx="2929576" cy="947967"/>
+        </a:xfrm>
+        <a:prstGeom prst="chevron">
+          <a:avLst/>
+        </a:prstGeom>
+        <a:solidFill>
+          <a:schemeClr val="accent1">
+            <a:hueOff val="0"/>
+            <a:satOff val="0"/>
+            <a:lumOff val="0"/>
+            <a:alphaOff val="0"/>
+          </a:schemeClr>
+        </a:solidFill>
+        <a:ln w="12700" cap="flat" cmpd="sng" algn="ctr">
+          <a:solidFill>
+            <a:schemeClr val="lt1">
+              <a:hueOff val="0"/>
+              <a:satOff val="0"/>
+              <a:lumOff val="0"/>
+              <a:alphaOff val="0"/>
+            </a:schemeClr>
+          </a:solidFill>
+          <a:prstDash val="solid"/>
+          <a:miter lim="800000"/>
+        </a:ln>
+        <a:effectLst/>
+      </dsp:spPr>
+      <dsp:style>
+        <a:lnRef idx="2">
+          <a:scrgbClr r="0" g="0" b="0"/>
+        </a:lnRef>
+        <a:fillRef idx="1">
+          <a:scrgbClr r="0" g="0" b="0"/>
+        </a:fillRef>
+        <a:effectRef idx="0">
+          <a:scrgbClr r="0" g="0" b="0"/>
+        </a:effectRef>
+        <a:fontRef idx="minor">
+          <a:schemeClr val="lt1"/>
+        </a:fontRef>
+      </dsp:style>
+      <dsp:txBody>
+        <a:bodyPr spcFirstLastPara="0" vert="horz" wrap="square" lIns="68009" tIns="22670" rIns="22670" bIns="22670" numCol="1" spcCol="1270" anchor="ctr" anchorCtr="0">
+          <a:noAutofit/>
+        </a:bodyPr>
+        <a:lstStyle/>
+        <a:p>
+          <a:pPr marL="0" lvl="0" indent="0" algn="ctr" defTabSz="755650">
+            <a:lnSpc>
+              <a:spcPct val="90000"/>
+            </a:lnSpc>
+            <a:spcBef>
+              <a:spcPct val="0"/>
+            </a:spcBef>
+            <a:spcAft>
+              <a:spcPct val="35000"/>
+            </a:spcAft>
+            <a:buNone/>
+          </a:pPr>
+          <a:r>
+            <a:rPr lang="ru-RU" sz="1700" kern="1200" dirty="0"/>
+            <a:t>Подбор портфеля</a:t>
+          </a:r>
+        </a:p>
+      </dsp:txBody>
+      <dsp:txXfrm>
+        <a:off x="8388874" y="0"/>
+        <a:ext cx="1981609" cy="947967"/>
+      </dsp:txXfrm>
+    </dsp:sp>
+  </dsp:spTree>
+</dsp:drawing>
+</file>
+
 <file path=ppt/diagrams/layout1.xml><?xml version="1.0" encoding="utf-8"?>
 <dgm:layoutDef xmlns:dgm="http://schemas.openxmlformats.org/drawingml/2006/diagram" xmlns:a="http://schemas.openxmlformats.org/drawingml/2006/main" uniqueId="urn:microsoft.com/office/officeart/2005/8/layout/default">
   <dgm:title val=""/>
@@ -5046,6 +6368,289 @@
 </dgm:layoutDef>
 </file>
 
+<file path=ppt/diagrams/layout4.xml><?xml version="1.0" encoding="utf-8"?>
+<dgm:layoutDef xmlns:dgm="http://schemas.openxmlformats.org/drawingml/2006/diagram" xmlns:a="http://schemas.openxmlformats.org/drawingml/2006/main" uniqueId="urn:microsoft.com/office/officeart/2005/8/layout/chevron1">
+  <dgm:title val=""/>
+  <dgm:desc val=""/>
+  <dgm:catLst>
+    <dgm:cat type="process" pri="9000"/>
+  </dgm:catLst>
+  <dgm:sampData useDef="1">
+    <dgm:dataModel>
+      <dgm:ptLst/>
+      <dgm:bg/>
+      <dgm:whole/>
+    </dgm:dataModel>
+  </dgm:sampData>
+  <dgm:styleData>
+    <dgm:dataModel>
+      <dgm:ptLst>
+        <dgm:pt modelId="0" type="doc"/>
+        <dgm:pt modelId="1"/>
+        <dgm:pt modelId="2"/>
+      </dgm:ptLst>
+      <dgm:cxnLst>
+        <dgm:cxn modelId="3" srcId="0" destId="1" srcOrd="0" destOrd="0"/>
+        <dgm:cxn modelId="4" srcId="0" destId="2" srcOrd="1" destOrd="0"/>
+      </dgm:cxnLst>
+      <dgm:bg/>
+      <dgm:whole/>
+    </dgm:dataModel>
+  </dgm:styleData>
+  <dgm:clrData>
+    <dgm:dataModel>
+      <dgm:ptLst>
+        <dgm:pt modelId="0" type="doc"/>
+        <dgm:pt modelId="1"/>
+        <dgm:pt modelId="2"/>
+        <dgm:pt modelId="3"/>
+        <dgm:pt modelId="4"/>
+      </dgm:ptLst>
+      <dgm:cxnLst>
+        <dgm:cxn modelId="5" srcId="0" destId="1" srcOrd="0" destOrd="0"/>
+        <dgm:cxn modelId="6" srcId="0" destId="2" srcOrd="1" destOrd="0"/>
+        <dgm:cxn modelId="7" srcId="0" destId="3" srcOrd="2" destOrd="0"/>
+        <dgm:cxn modelId="8" srcId="0" destId="4" srcOrd="3" destOrd="0"/>
+      </dgm:cxnLst>
+      <dgm:bg/>
+      <dgm:whole/>
+    </dgm:dataModel>
+  </dgm:clrData>
+  <dgm:layoutNode name="Name0">
+    <dgm:varLst>
+      <dgm:dir/>
+      <dgm:animLvl val="lvl"/>
+      <dgm:resizeHandles val="exact"/>
+    </dgm:varLst>
+    <dgm:choose name="Name1">
+      <dgm:if name="Name2" func="var" arg="dir" op="equ" val="norm">
+        <dgm:alg type="lin"/>
+      </dgm:if>
+      <dgm:else name="Name3">
+        <dgm:alg type="lin">
+          <dgm:param type="linDir" val="fromR"/>
+        </dgm:alg>
+      </dgm:else>
+    </dgm:choose>
+    <dgm:shape xmlns:r="http://schemas.openxmlformats.org/officeDocument/2006/relationships" r:blip="">
+      <dgm:adjLst/>
+    </dgm:shape>
+    <dgm:presOf/>
+    <dgm:choose name="Name4">
+      <dgm:if name="Name5" axis="des" func="maxDepth" op="gte" val="2">
+        <dgm:constrLst>
+          <dgm:constr type="h" for="ch" forName="composite" refType="h"/>
+          <dgm:constr type="w" for="ch" forName="composite" refType="w"/>
+          <dgm:constr type="w" for="des" forName="parTx"/>
+          <dgm:constr type="h" for="des" forName="parTx" op="equ"/>
+          <dgm:constr type="w" for="des" forName="desTx"/>
+          <dgm:constr type="h" for="des" forName="desTx" op="equ"/>
+          <dgm:constr type="primFontSz" for="des" forName="parTx" val="65"/>
+          <dgm:constr type="secFontSz" for="des" forName="desTx" refType="primFontSz" refFor="des" refForName="parTx" op="equ"/>
+          <dgm:constr type="h" for="des" forName="parTx" refType="primFontSz" refFor="des" refForName="parTx" fact="1.5"/>
+          <dgm:constr type="h" for="des" forName="desTx" refType="primFontSz" refFor="des" refForName="parTx" fact="0.5"/>
+          <dgm:constr type="w" for="ch" forName="space" op="equ" val="-6"/>
+        </dgm:constrLst>
+        <dgm:ruleLst>
+          <dgm:rule type="w" for="ch" forName="composite" val="0" fact="NaN" max="NaN"/>
+          <dgm:rule type="primFontSz" for="des" forName="parTx" val="5" fact="NaN" max="NaN"/>
+        </dgm:ruleLst>
+        <dgm:forEach name="Name6" axis="ch" ptType="node">
+          <dgm:layoutNode name="composite">
+            <dgm:alg type="composite"/>
+            <dgm:shape xmlns:r="http://schemas.openxmlformats.org/officeDocument/2006/relationships" r:blip="">
+              <dgm:adjLst/>
+            </dgm:shape>
+            <dgm:presOf/>
+            <dgm:choose name="Name7">
+              <dgm:if name="Name8" func="var" arg="dir" op="equ" val="norm">
+                <dgm:constrLst>
+                  <dgm:constr type="l" for="ch" forName="parTx"/>
+                  <dgm:constr type="w" for="ch" forName="parTx" refType="w"/>
+                  <dgm:constr type="t" for="ch" forName="parTx"/>
+                  <dgm:constr type="l" for="ch" forName="desTx"/>
+                  <dgm:constr type="w" for="ch" forName="desTx" refType="w" refFor="ch" refForName="parTx" fact="0.8"/>
+                  <dgm:constr type="t" for="ch" forName="desTx" refType="h" refFor="ch" refForName="parTx" fact="1.125"/>
+                </dgm:constrLst>
+              </dgm:if>
+              <dgm:else name="Name9">
+                <dgm:constrLst>
+                  <dgm:constr type="l" for="ch" forName="parTx"/>
+                  <dgm:constr type="w" for="ch" forName="parTx" refType="w"/>
+                  <dgm:constr type="t" for="ch" forName="parTx"/>
+                  <dgm:constr type="l" for="ch" forName="desTx" refType="w" fact="0.2"/>
+                  <dgm:constr type="w" for="ch" forName="desTx" refType="w" refFor="ch" refForName="parTx" fact="0.8"/>
+                  <dgm:constr type="t" for="ch" forName="desTx" refType="h" refFor="ch" refForName="parTx" fact="1.125"/>
+                </dgm:constrLst>
+              </dgm:else>
+            </dgm:choose>
+            <dgm:ruleLst>
+              <dgm:rule type="h" val="INF" fact="NaN" max="NaN"/>
+            </dgm:ruleLst>
+            <dgm:layoutNode name="parTx">
+              <dgm:varLst>
+                <dgm:chMax val="0"/>
+                <dgm:chPref val="0"/>
+                <dgm:bulletEnabled val="1"/>
+              </dgm:varLst>
+              <dgm:alg type="tx"/>
+              <dgm:choose name="Name10">
+                <dgm:if name="Name11" func="var" arg="dir" op="equ" val="norm">
+                  <dgm:shape xmlns:r="http://schemas.openxmlformats.org/officeDocument/2006/relationships" type="chevron" r:blip="">
+                    <dgm:adjLst/>
+                  </dgm:shape>
+                </dgm:if>
+                <dgm:else name="Name12">
+                  <dgm:shape xmlns:r="http://schemas.openxmlformats.org/officeDocument/2006/relationships" rot="180" type="chevron" r:blip="">
+                    <dgm:adjLst/>
+                  </dgm:shape>
+                </dgm:else>
+              </dgm:choose>
+              <dgm:presOf axis="self" ptType="node"/>
+              <dgm:choose name="Name13">
+                <dgm:if name="Name14" func="var" arg="dir" op="equ" val="norm">
+                  <dgm:constrLst>
+                    <dgm:constr type="h" refType="w" op="lte" fact="0.4"/>
+                    <dgm:constr type="h"/>
+                    <dgm:constr type="tMarg" refType="primFontSz" fact="0.105"/>
+                    <dgm:constr type="bMarg" refType="primFontSz" fact="0.105"/>
+                    <dgm:constr type="lMarg" refType="primFontSz" fact="0.315"/>
+                    <dgm:constr type="rMarg" refType="primFontSz" fact="0.105"/>
+                  </dgm:constrLst>
+                </dgm:if>
+                <dgm:else name="Name15">
+                  <dgm:constrLst>
+                    <dgm:constr type="h" refType="w" op="lte" fact="0.4"/>
+                    <dgm:constr type="h"/>
+                    <dgm:constr type="tMarg" refType="primFontSz" fact="0.105"/>
+                    <dgm:constr type="bMarg" refType="primFontSz" fact="0.105"/>
+                    <dgm:constr type="lMarg" refType="primFontSz" fact="0.105"/>
+                    <dgm:constr type="rMarg" refType="primFontSz" fact="0.315"/>
+                  </dgm:constrLst>
+                </dgm:else>
+              </dgm:choose>
+              <dgm:ruleLst>
+                <dgm:rule type="h" val="INF" fact="NaN" max="NaN"/>
+              </dgm:ruleLst>
+            </dgm:layoutNode>
+            <dgm:layoutNode name="desTx" styleLbl="revTx">
+              <dgm:varLst>
+                <dgm:bulletEnabled val="1"/>
+              </dgm:varLst>
+              <dgm:alg type="tx">
+                <dgm:param type="stBulletLvl" val="1"/>
+              </dgm:alg>
+              <dgm:choose name="Name16">
+                <dgm:if name="Name17" axis="ch" ptType="node" func="cnt" op="gte" val="1">
+                  <dgm:shape xmlns:r="http://schemas.openxmlformats.org/officeDocument/2006/relationships" type="rect" r:blip="">
+                    <dgm:adjLst/>
+                  </dgm:shape>
+                </dgm:if>
+                <dgm:else name="Name18">
+                  <dgm:shape xmlns:r="http://schemas.openxmlformats.org/officeDocument/2006/relationships" type="rect" r:blip="" hideGeom="1">
+                    <dgm:adjLst/>
+                  </dgm:shape>
+                </dgm:else>
+              </dgm:choose>
+              <dgm:presOf axis="des" ptType="node"/>
+              <dgm:constrLst>
+                <dgm:constr type="secFontSz" val="65"/>
+                <dgm:constr type="primFontSz" refType="secFontSz"/>
+                <dgm:constr type="h"/>
+                <dgm:constr type="tMarg"/>
+                <dgm:constr type="bMarg"/>
+                <dgm:constr type="rMarg"/>
+                <dgm:constr type="lMarg"/>
+              </dgm:constrLst>
+              <dgm:ruleLst>
+                <dgm:rule type="h" val="INF" fact="NaN" max="NaN"/>
+              </dgm:ruleLst>
+            </dgm:layoutNode>
+          </dgm:layoutNode>
+          <dgm:forEach name="Name19" axis="followSib" ptType="sibTrans" cnt="1">
+            <dgm:layoutNode name="space">
+              <dgm:alg type="sp"/>
+              <dgm:shape xmlns:r="http://schemas.openxmlformats.org/officeDocument/2006/relationships" r:blip="">
+                <dgm:adjLst/>
+              </dgm:shape>
+              <dgm:presOf/>
+              <dgm:constrLst/>
+              <dgm:ruleLst/>
+            </dgm:layoutNode>
+          </dgm:forEach>
+        </dgm:forEach>
+      </dgm:if>
+      <dgm:else name="Name20">
+        <dgm:constrLst>
+          <dgm:constr type="w" for="ch" forName="parTxOnly" refType="w"/>
+          <dgm:constr type="h" for="des" forName="parTxOnly" op="equ"/>
+          <dgm:constr type="primFontSz" for="des" forName="parTxOnly" op="equ" val="65"/>
+          <dgm:constr type="w" for="ch" forName="parTxOnlySpace" refType="w" refFor="ch" refForName="parTxOnly" fact="-0.1"/>
+        </dgm:constrLst>
+        <dgm:ruleLst/>
+        <dgm:forEach name="Name21" axis="ch" ptType="node">
+          <dgm:layoutNode name="parTxOnly">
+            <dgm:varLst>
+              <dgm:chMax val="0"/>
+              <dgm:chPref val="0"/>
+              <dgm:bulletEnabled val="1"/>
+            </dgm:varLst>
+            <dgm:alg type="tx"/>
+            <dgm:choose name="Name22">
+              <dgm:if name="Name23" func="var" arg="dir" op="equ" val="norm">
+                <dgm:shape xmlns:r="http://schemas.openxmlformats.org/officeDocument/2006/relationships" type="chevron" r:blip="">
+                  <dgm:adjLst/>
+                </dgm:shape>
+              </dgm:if>
+              <dgm:else name="Name24">
+                <dgm:shape xmlns:r="http://schemas.openxmlformats.org/officeDocument/2006/relationships" rot="180" type="chevron" r:blip="">
+                  <dgm:adjLst/>
+                </dgm:shape>
+              </dgm:else>
+            </dgm:choose>
+            <dgm:presOf axis="self" ptType="node"/>
+            <dgm:choose name="Name25">
+              <dgm:if name="Name26" func="var" arg="dir" op="equ" val="norm">
+                <dgm:constrLst>
+                  <dgm:constr type="h" refType="w" op="equ" fact="0.4"/>
+                  <dgm:constr type="tMarg" refType="primFontSz" fact="0.105"/>
+                  <dgm:constr type="bMarg" refType="primFontSz" fact="0.105"/>
+                  <dgm:constr type="lMarg" refType="primFontSz" fact="0.315"/>
+                  <dgm:constr type="rMarg" refType="primFontSz" fact="0.105"/>
+                </dgm:constrLst>
+              </dgm:if>
+              <dgm:else name="Name27">
+                <dgm:constrLst>
+                  <dgm:constr type="h" refType="w" op="equ" fact="0.4"/>
+                  <dgm:constr type="tMarg" refType="primFontSz" fact="0.105"/>
+                  <dgm:constr type="bMarg" refType="primFontSz" fact="0.105"/>
+                  <dgm:constr type="lMarg" refType="primFontSz" fact="0.105"/>
+                  <dgm:constr type="rMarg" refType="primFontSz" fact="0.315"/>
+                </dgm:constrLst>
+              </dgm:else>
+            </dgm:choose>
+            <dgm:ruleLst>
+              <dgm:rule type="primFontSz" val="5" fact="NaN" max="NaN"/>
+            </dgm:ruleLst>
+          </dgm:layoutNode>
+          <dgm:forEach name="Name28" axis="followSib" ptType="sibTrans" cnt="1">
+            <dgm:layoutNode name="parTxOnlySpace">
+              <dgm:alg type="sp"/>
+              <dgm:shape xmlns:r="http://schemas.openxmlformats.org/officeDocument/2006/relationships" r:blip="">
+                <dgm:adjLst/>
+              </dgm:shape>
+              <dgm:presOf/>
+              <dgm:constrLst/>
+              <dgm:ruleLst/>
+            </dgm:layoutNode>
+          </dgm:forEach>
+        </dgm:forEach>
+      </dgm:else>
+    </dgm:choose>
+  </dgm:layoutNode>
+</dgm:layoutDef>
+</file>
+
 <file path=ppt/diagrams/quickStyle1.xml><?xml version="1.0" encoding="utf-8"?>
 <dgm:styleDef xmlns:dgm="http://schemas.openxmlformats.org/drawingml/2006/diagram" xmlns:a="http://schemas.openxmlformats.org/drawingml/2006/main" uniqueId="urn:microsoft.com/office/officeart/2005/8/quickstyle/simple1">
   <dgm:title val=""/>
@@ -7115,6 +8720,1040 @@
 </file>
 
 <file path=ppt/diagrams/quickStyle3.xml><?xml version="1.0" encoding="utf-8"?>
+<dgm:styleDef xmlns:dgm="http://schemas.openxmlformats.org/drawingml/2006/diagram" xmlns:a="http://schemas.openxmlformats.org/drawingml/2006/main" uniqueId="urn:microsoft.com/office/officeart/2005/8/quickstyle/simple1">
+  <dgm:title val=""/>
+  <dgm:desc val=""/>
+  <dgm:catLst>
+    <dgm:cat type="simple" pri="10100"/>
+  </dgm:catLst>
+  <dgm:scene3d>
+    <a:camera prst="orthographicFront"/>
+    <a:lightRig rig="threePt" dir="t"/>
+  </dgm:scene3d>
+  <dgm:styleLbl name="node0">
+    <dgm:scene3d>
+      <a:camera prst="orthographicFront"/>
+      <a:lightRig rig="threePt" dir="t"/>
+    </dgm:scene3d>
+    <dgm:sp3d/>
+    <dgm:txPr/>
+    <dgm:style>
+      <a:lnRef idx="2">
+        <a:scrgbClr r="0" g="0" b="0"/>
+      </a:lnRef>
+      <a:fillRef idx="1">
+        <a:scrgbClr r="0" g="0" b="0"/>
+      </a:fillRef>
+      <a:effectRef idx="0">
+        <a:scrgbClr r="0" g="0" b="0"/>
+      </a:effectRef>
+      <a:fontRef idx="minor">
+        <a:schemeClr val="lt1"/>
+      </a:fontRef>
+    </dgm:style>
+  </dgm:styleLbl>
+  <dgm:styleLbl name="lnNode1">
+    <dgm:scene3d>
+      <a:camera prst="orthographicFront"/>
+      <a:lightRig rig="threePt" dir="t"/>
+    </dgm:scene3d>
+    <dgm:sp3d/>
+    <dgm:txPr/>
+    <dgm:style>
+      <a:lnRef idx="2">
+        <a:scrgbClr r="0" g="0" b="0"/>
+      </a:lnRef>
+      <a:fillRef idx="1">
+        <a:scrgbClr r="0" g="0" b="0"/>
+      </a:fillRef>
+      <a:effectRef idx="0">
+        <a:scrgbClr r="0" g="0" b="0"/>
+      </a:effectRef>
+      <a:fontRef idx="minor">
+        <a:schemeClr val="lt1"/>
+      </a:fontRef>
+    </dgm:style>
+  </dgm:styleLbl>
+  <dgm:styleLbl name="vennNode1">
+    <dgm:scene3d>
+      <a:camera prst="orthographicFront"/>
+      <a:lightRig rig="threePt" dir="t"/>
+    </dgm:scene3d>
+    <dgm:sp3d/>
+    <dgm:txPr/>
+    <dgm:style>
+      <a:lnRef idx="2">
+        <a:scrgbClr r="0" g="0" b="0"/>
+      </a:lnRef>
+      <a:fillRef idx="1">
+        <a:scrgbClr r="0" g="0" b="0"/>
+      </a:fillRef>
+      <a:effectRef idx="0">
+        <a:scrgbClr r="0" g="0" b="0"/>
+      </a:effectRef>
+      <a:fontRef idx="minor">
+        <a:schemeClr val="tx1"/>
+      </a:fontRef>
+    </dgm:style>
+  </dgm:styleLbl>
+  <dgm:styleLbl name="alignNode1">
+    <dgm:scene3d>
+      <a:camera prst="orthographicFront"/>
+      <a:lightRig rig="threePt" dir="t"/>
+    </dgm:scene3d>
+    <dgm:sp3d/>
+    <dgm:txPr/>
+    <dgm:style>
+      <a:lnRef idx="2">
+        <a:scrgbClr r="0" g="0" b="0"/>
+      </a:lnRef>
+      <a:fillRef idx="1">
+        <a:scrgbClr r="0" g="0" b="0"/>
+      </a:fillRef>
+      <a:effectRef idx="0">
+        <a:scrgbClr r="0" g="0" b="0"/>
+      </a:effectRef>
+      <a:fontRef idx="minor">
+        <a:schemeClr val="lt1"/>
+      </a:fontRef>
+    </dgm:style>
+  </dgm:styleLbl>
+  <dgm:styleLbl name="node1">
+    <dgm:scene3d>
+      <a:camera prst="orthographicFront"/>
+      <a:lightRig rig="threePt" dir="t"/>
+    </dgm:scene3d>
+    <dgm:sp3d/>
+    <dgm:txPr/>
+    <dgm:style>
+      <a:lnRef idx="2">
+        <a:scrgbClr r="0" g="0" b="0"/>
+      </a:lnRef>
+      <a:fillRef idx="1">
+        <a:scrgbClr r="0" g="0" b="0"/>
+      </a:fillRef>
+      <a:effectRef idx="0">
+        <a:scrgbClr r="0" g="0" b="0"/>
+      </a:effectRef>
+      <a:fontRef idx="minor">
+        <a:schemeClr val="lt1"/>
+      </a:fontRef>
+    </dgm:style>
+  </dgm:styleLbl>
+  <dgm:styleLbl name="node2">
+    <dgm:scene3d>
+      <a:camera prst="orthographicFront"/>
+      <a:lightRig rig="threePt" dir="t"/>
+    </dgm:scene3d>
+    <dgm:sp3d/>
+    <dgm:txPr/>
+    <dgm:style>
+      <a:lnRef idx="2">
+        <a:scrgbClr r="0" g="0" b="0"/>
+      </a:lnRef>
+      <a:fillRef idx="1">
+        <a:scrgbClr r="0" g="0" b="0"/>
+      </a:fillRef>
+      <a:effectRef idx="0">
+        <a:scrgbClr r="0" g="0" b="0"/>
+      </a:effectRef>
+      <a:fontRef idx="minor">
+        <a:schemeClr val="lt1"/>
+      </a:fontRef>
+    </dgm:style>
+  </dgm:styleLbl>
+  <dgm:styleLbl name="node3">
+    <dgm:scene3d>
+      <a:camera prst="orthographicFront"/>
+      <a:lightRig rig="threePt" dir="t"/>
+    </dgm:scene3d>
+    <dgm:sp3d/>
+    <dgm:txPr/>
+    <dgm:style>
+      <a:lnRef idx="2">
+        <a:scrgbClr r="0" g="0" b="0"/>
+      </a:lnRef>
+      <a:fillRef idx="1">
+        <a:scrgbClr r="0" g="0" b="0"/>
+      </a:fillRef>
+      <a:effectRef idx="0">
+        <a:scrgbClr r="0" g="0" b="0"/>
+      </a:effectRef>
+      <a:fontRef idx="minor">
+        <a:schemeClr val="lt1"/>
+      </a:fontRef>
+    </dgm:style>
+  </dgm:styleLbl>
+  <dgm:styleLbl name="node4">
+    <dgm:scene3d>
+      <a:camera prst="orthographicFront"/>
+      <a:lightRig rig="threePt" dir="t"/>
+    </dgm:scene3d>
+    <dgm:sp3d/>
+    <dgm:txPr/>
+    <dgm:style>
+      <a:lnRef idx="2">
+        <a:scrgbClr r="0" g="0" b="0"/>
+      </a:lnRef>
+      <a:fillRef idx="1">
+        <a:scrgbClr r="0" g="0" b="0"/>
+      </a:fillRef>
+      <a:effectRef idx="0">
+        <a:scrgbClr r="0" g="0" b="0"/>
+      </a:effectRef>
+      <a:fontRef idx="minor">
+        <a:schemeClr val="lt1"/>
+      </a:fontRef>
+    </dgm:style>
+  </dgm:styleLbl>
+  <dgm:styleLbl name="fgImgPlace1">
+    <dgm:scene3d>
+      <a:camera prst="orthographicFront"/>
+      <a:lightRig rig="threePt" dir="t"/>
+    </dgm:scene3d>
+    <dgm:sp3d/>
+    <dgm:txPr/>
+    <dgm:style>
+      <a:lnRef idx="2">
+        <a:scrgbClr r="0" g="0" b="0"/>
+      </a:lnRef>
+      <a:fillRef idx="1">
+        <a:scrgbClr r="0" g="0" b="0"/>
+      </a:fillRef>
+      <a:effectRef idx="0">
+        <a:scrgbClr r="0" g="0" b="0"/>
+      </a:effectRef>
+      <a:fontRef idx="minor"/>
+    </dgm:style>
+  </dgm:styleLbl>
+  <dgm:styleLbl name="alignImgPlace1">
+    <dgm:scene3d>
+      <a:camera prst="orthographicFront"/>
+      <a:lightRig rig="threePt" dir="t"/>
+    </dgm:scene3d>
+    <dgm:sp3d/>
+    <dgm:txPr/>
+    <dgm:style>
+      <a:lnRef idx="2">
+        <a:scrgbClr r="0" g="0" b="0"/>
+      </a:lnRef>
+      <a:fillRef idx="1">
+        <a:scrgbClr r="0" g="0" b="0"/>
+      </a:fillRef>
+      <a:effectRef idx="0">
+        <a:scrgbClr r="0" g="0" b="0"/>
+      </a:effectRef>
+      <a:fontRef idx="minor"/>
+    </dgm:style>
+  </dgm:styleLbl>
+  <dgm:styleLbl name="bgImgPlace1">
+    <dgm:scene3d>
+      <a:camera prst="orthographicFront"/>
+      <a:lightRig rig="threePt" dir="t"/>
+    </dgm:scene3d>
+    <dgm:sp3d/>
+    <dgm:txPr/>
+    <dgm:style>
+      <a:lnRef idx="2">
+        <a:scrgbClr r="0" g="0" b="0"/>
+      </a:lnRef>
+      <a:fillRef idx="1">
+        <a:scrgbClr r="0" g="0" b="0"/>
+      </a:fillRef>
+      <a:effectRef idx="0">
+        <a:scrgbClr r="0" g="0" b="0"/>
+      </a:effectRef>
+      <a:fontRef idx="minor"/>
+    </dgm:style>
+  </dgm:styleLbl>
+  <dgm:styleLbl name="sibTrans2D1">
+    <dgm:scene3d>
+      <a:camera prst="orthographicFront"/>
+      <a:lightRig rig="threePt" dir="t"/>
+    </dgm:scene3d>
+    <dgm:sp3d/>
+    <dgm:txPr/>
+    <dgm:style>
+      <a:lnRef idx="0">
+        <a:scrgbClr r="0" g="0" b="0"/>
+      </a:lnRef>
+      <a:fillRef idx="1">
+        <a:scrgbClr r="0" g="0" b="0"/>
+      </a:fillRef>
+      <a:effectRef idx="0">
+        <a:scrgbClr r="0" g="0" b="0"/>
+      </a:effectRef>
+      <a:fontRef idx="minor">
+        <a:schemeClr val="lt1"/>
+      </a:fontRef>
+    </dgm:style>
+  </dgm:styleLbl>
+  <dgm:styleLbl name="fgSibTrans2D1">
+    <dgm:scene3d>
+      <a:camera prst="orthographicFront"/>
+      <a:lightRig rig="threePt" dir="t"/>
+    </dgm:scene3d>
+    <dgm:sp3d/>
+    <dgm:txPr/>
+    <dgm:style>
+      <a:lnRef idx="0">
+        <a:scrgbClr r="0" g="0" b="0"/>
+      </a:lnRef>
+      <a:fillRef idx="1">
+        <a:scrgbClr r="0" g="0" b="0"/>
+      </a:fillRef>
+      <a:effectRef idx="0">
+        <a:scrgbClr r="0" g="0" b="0"/>
+      </a:effectRef>
+      <a:fontRef idx="minor">
+        <a:schemeClr val="lt1"/>
+      </a:fontRef>
+    </dgm:style>
+  </dgm:styleLbl>
+  <dgm:styleLbl name="bgSibTrans2D1">
+    <dgm:scene3d>
+      <a:camera prst="orthographicFront"/>
+      <a:lightRig rig="threePt" dir="t"/>
+    </dgm:scene3d>
+    <dgm:sp3d/>
+    <dgm:txPr/>
+    <dgm:style>
+      <a:lnRef idx="0">
+        <a:scrgbClr r="0" g="0" b="0"/>
+      </a:lnRef>
+      <a:fillRef idx="1">
+        <a:scrgbClr r="0" g="0" b="0"/>
+      </a:fillRef>
+      <a:effectRef idx="0">
+        <a:scrgbClr r="0" g="0" b="0"/>
+      </a:effectRef>
+      <a:fontRef idx="minor">
+        <a:schemeClr val="lt1"/>
+      </a:fontRef>
+    </dgm:style>
+  </dgm:styleLbl>
+  <dgm:styleLbl name="sibTrans1D1">
+    <dgm:scene3d>
+      <a:camera prst="orthographicFront"/>
+      <a:lightRig rig="threePt" dir="t"/>
+    </dgm:scene3d>
+    <dgm:sp3d/>
+    <dgm:txPr/>
+    <dgm:style>
+      <a:lnRef idx="1">
+        <a:scrgbClr r="0" g="0" b="0"/>
+      </a:lnRef>
+      <a:fillRef idx="0">
+        <a:scrgbClr r="0" g="0" b="0"/>
+      </a:fillRef>
+      <a:effectRef idx="0">
+        <a:scrgbClr r="0" g="0" b="0"/>
+      </a:effectRef>
+      <a:fontRef idx="minor"/>
+    </dgm:style>
+  </dgm:styleLbl>
+  <dgm:styleLbl name="callout">
+    <dgm:scene3d>
+      <a:camera prst="orthographicFront"/>
+      <a:lightRig rig="threePt" dir="t"/>
+    </dgm:scene3d>
+    <dgm:sp3d/>
+    <dgm:txPr/>
+    <dgm:style>
+      <a:lnRef idx="2">
+        <a:scrgbClr r="0" g="0" b="0"/>
+      </a:lnRef>
+      <a:fillRef idx="1">
+        <a:scrgbClr r="0" g="0" b="0"/>
+      </a:fillRef>
+      <a:effectRef idx="0">
+        <a:scrgbClr r="0" g="0" b="0"/>
+      </a:effectRef>
+      <a:fontRef idx="minor"/>
+    </dgm:style>
+  </dgm:styleLbl>
+  <dgm:styleLbl name="asst0">
+    <dgm:scene3d>
+      <a:camera prst="orthographicFront"/>
+      <a:lightRig rig="threePt" dir="t"/>
+    </dgm:scene3d>
+    <dgm:sp3d/>
+    <dgm:txPr/>
+    <dgm:style>
+      <a:lnRef idx="2">
+        <a:scrgbClr r="0" g="0" b="0"/>
+      </a:lnRef>
+      <a:fillRef idx="1">
+        <a:scrgbClr r="0" g="0" b="0"/>
+      </a:fillRef>
+      <a:effectRef idx="0">
+        <a:scrgbClr r="0" g="0" b="0"/>
+      </a:effectRef>
+      <a:fontRef idx="minor">
+        <a:schemeClr val="lt1"/>
+      </a:fontRef>
+    </dgm:style>
+  </dgm:styleLbl>
+  <dgm:styleLbl name="asst1">
+    <dgm:scene3d>
+      <a:camera prst="orthographicFront"/>
+      <a:lightRig rig="threePt" dir="t"/>
+    </dgm:scene3d>
+    <dgm:sp3d/>
+    <dgm:txPr/>
+    <dgm:style>
+      <a:lnRef idx="2">
+        <a:scrgbClr r="0" g="0" b="0"/>
+      </a:lnRef>
+      <a:fillRef idx="1">
+        <a:scrgbClr r="0" g="0" b="0"/>
+      </a:fillRef>
+      <a:effectRef idx="0">
+        <a:scrgbClr r="0" g="0" b="0"/>
+      </a:effectRef>
+      <a:fontRef idx="minor">
+        <a:schemeClr val="lt1"/>
+      </a:fontRef>
+    </dgm:style>
+  </dgm:styleLbl>
+  <dgm:styleLbl name="asst2">
+    <dgm:scene3d>
+      <a:camera prst="orthographicFront"/>
+      <a:lightRig rig="threePt" dir="t"/>
+    </dgm:scene3d>
+    <dgm:sp3d/>
+    <dgm:txPr/>
+    <dgm:style>
+      <a:lnRef idx="2">
+        <a:scrgbClr r="0" g="0" b="0"/>
+      </a:lnRef>
+      <a:fillRef idx="1">
+        <a:scrgbClr r="0" g="0" b="0"/>
+      </a:fillRef>
+      <a:effectRef idx="0">
+        <a:scrgbClr r="0" g="0" b="0"/>
+      </a:effectRef>
+      <a:fontRef idx="minor">
+        <a:schemeClr val="lt1"/>
+      </a:fontRef>
+    </dgm:style>
+  </dgm:styleLbl>
+  <dgm:styleLbl name="asst3">
+    <dgm:scene3d>
+      <a:camera prst="orthographicFront"/>
+      <a:lightRig rig="threePt" dir="t"/>
+    </dgm:scene3d>
+    <dgm:sp3d/>
+    <dgm:txPr/>
+    <dgm:style>
+      <a:lnRef idx="2">
+        <a:scrgbClr r="0" g="0" b="0"/>
+      </a:lnRef>
+      <a:fillRef idx="1">
+        <a:scrgbClr r="0" g="0" b="0"/>
+      </a:fillRef>
+      <a:effectRef idx="0">
+        <a:scrgbClr r="0" g="0" b="0"/>
+      </a:effectRef>
+      <a:fontRef idx="minor">
+        <a:schemeClr val="lt1"/>
+      </a:fontRef>
+    </dgm:style>
+  </dgm:styleLbl>
+  <dgm:styleLbl name="asst4">
+    <dgm:scene3d>
+      <a:camera prst="orthographicFront"/>
+      <a:lightRig rig="threePt" dir="t"/>
+    </dgm:scene3d>
+    <dgm:sp3d/>
+    <dgm:txPr/>
+    <dgm:style>
+      <a:lnRef idx="2">
+        <a:scrgbClr r="0" g="0" b="0"/>
+      </a:lnRef>
+      <a:fillRef idx="1">
+        <a:scrgbClr r="0" g="0" b="0"/>
+      </a:fillRef>
+      <a:effectRef idx="0">
+        <a:scrgbClr r="0" g="0" b="0"/>
+      </a:effectRef>
+      <a:fontRef idx="minor">
+        <a:schemeClr val="lt1"/>
+      </a:fontRef>
+    </dgm:style>
+  </dgm:styleLbl>
+  <dgm:styleLbl name="parChTrans2D1">
+    <dgm:scene3d>
+      <a:camera prst="orthographicFront"/>
+      <a:lightRig rig="threePt" dir="t"/>
+    </dgm:scene3d>
+    <dgm:sp3d/>
+    <dgm:txPr/>
+    <dgm:style>
+      <a:lnRef idx="2">
+        <a:scrgbClr r="0" g="0" b="0"/>
+      </a:lnRef>
+      <a:fillRef idx="1">
+        <a:scrgbClr r="0" g="0" b="0"/>
+      </a:fillRef>
+      <a:effectRef idx="0">
+        <a:scrgbClr r="0" g="0" b="0"/>
+      </a:effectRef>
+      <a:fontRef idx="minor">
+        <a:schemeClr val="lt1"/>
+      </a:fontRef>
+    </dgm:style>
+  </dgm:styleLbl>
+  <dgm:styleLbl name="parChTrans2D2">
+    <dgm:scene3d>
+      <a:camera prst="orthographicFront"/>
+      <a:lightRig rig="threePt" dir="t"/>
+    </dgm:scene3d>
+    <dgm:sp3d/>
+    <dgm:txPr/>
+    <dgm:style>
+      <a:lnRef idx="2">
+        <a:scrgbClr r="0" g="0" b="0"/>
+      </a:lnRef>
+      <a:fillRef idx="1">
+        <a:scrgbClr r="0" g="0" b="0"/>
+      </a:fillRef>
+      <a:effectRef idx="0">
+        <a:scrgbClr r="0" g="0" b="0"/>
+      </a:effectRef>
+      <a:fontRef idx="minor">
+        <a:schemeClr val="lt1"/>
+      </a:fontRef>
+    </dgm:style>
+  </dgm:styleLbl>
+  <dgm:styleLbl name="parChTrans2D3">
+    <dgm:scene3d>
+      <a:camera prst="orthographicFront"/>
+      <a:lightRig rig="threePt" dir="t"/>
+    </dgm:scene3d>
+    <dgm:sp3d/>
+    <dgm:txPr/>
+    <dgm:style>
+      <a:lnRef idx="2">
+        <a:scrgbClr r="0" g="0" b="0"/>
+      </a:lnRef>
+      <a:fillRef idx="1">
+        <a:scrgbClr r="0" g="0" b="0"/>
+      </a:fillRef>
+      <a:effectRef idx="0">
+        <a:scrgbClr r="0" g="0" b="0"/>
+      </a:effectRef>
+      <a:fontRef idx="minor">
+        <a:schemeClr val="lt1"/>
+      </a:fontRef>
+    </dgm:style>
+  </dgm:styleLbl>
+  <dgm:styleLbl name="parChTrans2D4">
+    <dgm:scene3d>
+      <a:camera prst="orthographicFront"/>
+      <a:lightRig rig="threePt" dir="t"/>
+    </dgm:scene3d>
+    <dgm:sp3d/>
+    <dgm:txPr/>
+    <dgm:style>
+      <a:lnRef idx="2">
+        <a:scrgbClr r="0" g="0" b="0"/>
+      </a:lnRef>
+      <a:fillRef idx="1">
+        <a:scrgbClr r="0" g="0" b="0"/>
+      </a:fillRef>
+      <a:effectRef idx="0">
+        <a:scrgbClr r="0" g="0" b="0"/>
+      </a:effectRef>
+      <a:fontRef idx="minor">
+        <a:schemeClr val="lt1"/>
+      </a:fontRef>
+    </dgm:style>
+  </dgm:styleLbl>
+  <dgm:styleLbl name="parChTrans1D1">
+    <dgm:scene3d>
+      <a:camera prst="orthographicFront"/>
+      <a:lightRig rig="threePt" dir="t"/>
+    </dgm:scene3d>
+    <dgm:sp3d/>
+    <dgm:txPr/>
+    <dgm:style>
+      <a:lnRef idx="2">
+        <a:scrgbClr r="0" g="0" b="0"/>
+      </a:lnRef>
+      <a:fillRef idx="0">
+        <a:scrgbClr r="0" g="0" b="0"/>
+      </a:fillRef>
+      <a:effectRef idx="0">
+        <a:scrgbClr r="0" g="0" b="0"/>
+      </a:effectRef>
+      <a:fontRef idx="minor"/>
+    </dgm:style>
+  </dgm:styleLbl>
+  <dgm:styleLbl name="parChTrans1D2">
+    <dgm:scene3d>
+      <a:camera prst="orthographicFront"/>
+      <a:lightRig rig="threePt" dir="t"/>
+    </dgm:scene3d>
+    <dgm:sp3d/>
+    <dgm:txPr/>
+    <dgm:style>
+      <a:lnRef idx="2">
+        <a:scrgbClr r="0" g="0" b="0"/>
+      </a:lnRef>
+      <a:fillRef idx="0">
+        <a:scrgbClr r="0" g="0" b="0"/>
+      </a:fillRef>
+      <a:effectRef idx="0">
+        <a:scrgbClr r="0" g="0" b="0"/>
+      </a:effectRef>
+      <a:fontRef idx="minor"/>
+    </dgm:style>
+  </dgm:styleLbl>
+  <dgm:styleLbl name="parChTrans1D3">
+    <dgm:scene3d>
+      <a:camera prst="orthographicFront"/>
+      <a:lightRig rig="threePt" dir="t"/>
+    </dgm:scene3d>
+    <dgm:sp3d/>
+    <dgm:txPr/>
+    <dgm:style>
+      <a:lnRef idx="2">
+        <a:scrgbClr r="0" g="0" b="0"/>
+      </a:lnRef>
+      <a:fillRef idx="0">
+        <a:scrgbClr r="0" g="0" b="0"/>
+      </a:fillRef>
+      <a:effectRef idx="0">
+        <a:scrgbClr r="0" g="0" b="0"/>
+      </a:effectRef>
+      <a:fontRef idx="minor"/>
+    </dgm:style>
+  </dgm:styleLbl>
+  <dgm:styleLbl name="parChTrans1D4">
+    <dgm:scene3d>
+      <a:camera prst="orthographicFront"/>
+      <a:lightRig rig="threePt" dir="t"/>
+    </dgm:scene3d>
+    <dgm:sp3d/>
+    <dgm:txPr/>
+    <dgm:style>
+      <a:lnRef idx="2">
+        <a:scrgbClr r="0" g="0" b="0"/>
+      </a:lnRef>
+      <a:fillRef idx="0">
+        <a:scrgbClr r="0" g="0" b="0"/>
+      </a:fillRef>
+      <a:effectRef idx="0">
+        <a:scrgbClr r="0" g="0" b="0"/>
+      </a:effectRef>
+      <a:fontRef idx="minor"/>
+    </dgm:style>
+  </dgm:styleLbl>
+  <dgm:styleLbl name="fgAcc1">
+    <dgm:scene3d>
+      <a:camera prst="orthographicFront"/>
+      <a:lightRig rig="threePt" dir="t"/>
+    </dgm:scene3d>
+    <dgm:sp3d/>
+    <dgm:txPr/>
+    <dgm:style>
+      <a:lnRef idx="2">
+        <a:scrgbClr r="0" g="0" b="0"/>
+      </a:lnRef>
+      <a:fillRef idx="1">
+        <a:scrgbClr r="0" g="0" b="0"/>
+      </a:fillRef>
+      <a:effectRef idx="0">
+        <a:scrgbClr r="0" g="0" b="0"/>
+      </a:effectRef>
+      <a:fontRef idx="minor"/>
+    </dgm:style>
+  </dgm:styleLbl>
+  <dgm:styleLbl name="conFgAcc1">
+    <dgm:scene3d>
+      <a:camera prst="orthographicFront"/>
+      <a:lightRig rig="threePt" dir="t"/>
+    </dgm:scene3d>
+    <dgm:sp3d/>
+    <dgm:txPr/>
+    <dgm:style>
+      <a:lnRef idx="2">
+        <a:scrgbClr r="0" g="0" b="0"/>
+      </a:lnRef>
+      <a:fillRef idx="1">
+        <a:scrgbClr r="0" g="0" b="0"/>
+      </a:fillRef>
+      <a:effectRef idx="0">
+        <a:scrgbClr r="0" g="0" b="0"/>
+      </a:effectRef>
+      <a:fontRef idx="minor"/>
+    </dgm:style>
+  </dgm:styleLbl>
+  <dgm:styleLbl name="alignAcc1">
+    <dgm:scene3d>
+      <a:camera prst="orthographicFront"/>
+      <a:lightRig rig="threePt" dir="t"/>
+    </dgm:scene3d>
+    <dgm:sp3d/>
+    <dgm:txPr/>
+    <dgm:style>
+      <a:lnRef idx="2">
+        <a:scrgbClr r="0" g="0" b="0"/>
+      </a:lnRef>
+      <a:fillRef idx="1">
+        <a:scrgbClr r="0" g="0" b="0"/>
+      </a:fillRef>
+      <a:effectRef idx="0">
+        <a:scrgbClr r="0" g="0" b="0"/>
+      </a:effectRef>
+      <a:fontRef idx="minor"/>
+    </dgm:style>
+  </dgm:styleLbl>
+  <dgm:styleLbl name="trAlignAcc1">
+    <dgm:scene3d>
+      <a:camera prst="orthographicFront"/>
+      <a:lightRig rig="threePt" dir="t"/>
+    </dgm:scene3d>
+    <dgm:sp3d/>
+    <dgm:txPr/>
+    <dgm:style>
+      <a:lnRef idx="1">
+        <a:scrgbClr r="0" g="0" b="0"/>
+      </a:lnRef>
+      <a:fillRef idx="1">
+        <a:scrgbClr r="0" g="0" b="0"/>
+      </a:fillRef>
+      <a:effectRef idx="0">
+        <a:scrgbClr r="0" g="0" b="0"/>
+      </a:effectRef>
+      <a:fontRef idx="minor"/>
+    </dgm:style>
+  </dgm:styleLbl>
+  <dgm:styleLbl name="bgAcc1">
+    <dgm:scene3d>
+      <a:camera prst="orthographicFront"/>
+      <a:lightRig rig="threePt" dir="t"/>
+    </dgm:scene3d>
+    <dgm:sp3d/>
+    <dgm:txPr/>
+    <dgm:style>
+      <a:lnRef idx="2">
+        <a:scrgbClr r="0" g="0" b="0"/>
+      </a:lnRef>
+      <a:fillRef idx="1">
+        <a:scrgbClr r="0" g="0" b="0"/>
+      </a:fillRef>
+      <a:effectRef idx="0">
+        <a:scrgbClr r="0" g="0" b="0"/>
+      </a:effectRef>
+      <a:fontRef idx="minor"/>
+    </dgm:style>
+  </dgm:styleLbl>
+  <dgm:styleLbl name="solidFgAcc1">
+    <dgm:scene3d>
+      <a:camera prst="orthographicFront"/>
+      <a:lightRig rig="threePt" dir="t"/>
+    </dgm:scene3d>
+    <dgm:sp3d/>
+    <dgm:txPr/>
+    <dgm:style>
+      <a:lnRef idx="2">
+        <a:scrgbClr r="0" g="0" b="0"/>
+      </a:lnRef>
+      <a:fillRef idx="1">
+        <a:scrgbClr r="0" g="0" b="0"/>
+      </a:fillRef>
+      <a:effectRef idx="0">
+        <a:scrgbClr r="0" g="0" b="0"/>
+      </a:effectRef>
+      <a:fontRef idx="minor"/>
+    </dgm:style>
+  </dgm:styleLbl>
+  <dgm:styleLbl name="solidAlignAcc1">
+    <dgm:scene3d>
+      <a:camera prst="orthographicFront"/>
+      <a:lightRig rig="threePt" dir="t"/>
+    </dgm:scene3d>
+    <dgm:sp3d/>
+    <dgm:txPr/>
+    <dgm:style>
+      <a:lnRef idx="2">
+        <a:scrgbClr r="0" g="0" b="0"/>
+      </a:lnRef>
+      <a:fillRef idx="1">
+        <a:scrgbClr r="0" g="0" b="0"/>
+      </a:fillRef>
+      <a:effectRef idx="0">
+        <a:scrgbClr r="0" g="0" b="0"/>
+      </a:effectRef>
+      <a:fontRef idx="minor"/>
+    </dgm:style>
+  </dgm:styleLbl>
+  <dgm:styleLbl name="solidBgAcc1">
+    <dgm:scene3d>
+      <a:camera prst="orthographicFront"/>
+      <a:lightRig rig="threePt" dir="t"/>
+    </dgm:scene3d>
+    <dgm:sp3d/>
+    <dgm:txPr/>
+    <dgm:style>
+      <a:lnRef idx="2">
+        <a:scrgbClr r="0" g="0" b="0"/>
+      </a:lnRef>
+      <a:fillRef idx="1">
+        <a:scrgbClr r="0" g="0" b="0"/>
+      </a:fillRef>
+      <a:effectRef idx="0">
+        <a:scrgbClr r="0" g="0" b="0"/>
+      </a:effectRef>
+      <a:fontRef idx="minor"/>
+    </dgm:style>
+  </dgm:styleLbl>
+  <dgm:styleLbl name="fgAccFollowNode1">
+    <dgm:scene3d>
+      <a:camera prst="orthographicFront"/>
+      <a:lightRig rig="threePt" dir="t"/>
+    </dgm:scene3d>
+    <dgm:sp3d/>
+    <dgm:txPr/>
+    <dgm:style>
+      <a:lnRef idx="2">
+        <a:scrgbClr r="0" g="0" b="0"/>
+      </a:lnRef>
+      <a:fillRef idx="1">
+        <a:scrgbClr r="0" g="0" b="0"/>
+      </a:fillRef>
+      <a:effectRef idx="0">
+        <a:scrgbClr r="0" g="0" b="0"/>
+      </a:effectRef>
+      <a:fontRef idx="minor"/>
+    </dgm:style>
+  </dgm:styleLbl>
+  <dgm:styleLbl name="alignAccFollowNode1">
+    <dgm:scene3d>
+      <a:camera prst="orthographicFront"/>
+      <a:lightRig rig="threePt" dir="t"/>
+    </dgm:scene3d>
+    <dgm:sp3d/>
+    <dgm:txPr/>
+    <dgm:style>
+      <a:lnRef idx="2">
+        <a:scrgbClr r="0" g="0" b="0"/>
+      </a:lnRef>
+      <a:fillRef idx="1">
+        <a:scrgbClr r="0" g="0" b="0"/>
+      </a:fillRef>
+      <a:effectRef idx="0">
+        <a:scrgbClr r="0" g="0" b="0"/>
+      </a:effectRef>
+      <a:fontRef idx="minor"/>
+    </dgm:style>
+  </dgm:styleLbl>
+  <dgm:styleLbl name="bgAccFollowNode1">
+    <dgm:scene3d>
+      <a:camera prst="orthographicFront"/>
+      <a:lightRig rig="threePt" dir="t"/>
+    </dgm:scene3d>
+    <dgm:sp3d/>
+    <dgm:txPr/>
+    <dgm:style>
+      <a:lnRef idx="2">
+        <a:scrgbClr r="0" g="0" b="0"/>
+      </a:lnRef>
+      <a:fillRef idx="1">
+        <a:scrgbClr r="0" g="0" b="0"/>
+      </a:fillRef>
+      <a:effectRef idx="0">
+        <a:scrgbClr r="0" g="0" b="0"/>
+      </a:effectRef>
+      <a:fontRef idx="minor"/>
+    </dgm:style>
+  </dgm:styleLbl>
+  <dgm:styleLbl name="fgAcc0">
+    <dgm:scene3d>
+      <a:camera prst="orthographicFront"/>
+      <a:lightRig rig="threePt" dir="t"/>
+    </dgm:scene3d>
+    <dgm:sp3d/>
+    <dgm:txPr/>
+    <dgm:style>
+      <a:lnRef idx="2">
+        <a:scrgbClr r="0" g="0" b="0"/>
+      </a:lnRef>
+      <a:fillRef idx="1">
+        <a:scrgbClr r="0" g="0" b="0"/>
+      </a:fillRef>
+      <a:effectRef idx="0">
+        <a:scrgbClr r="0" g="0" b="0"/>
+      </a:effectRef>
+      <a:fontRef idx="minor"/>
+    </dgm:style>
+  </dgm:styleLbl>
+  <dgm:styleLbl name="fgAcc2">
+    <dgm:scene3d>
+      <a:camera prst="orthographicFront"/>
+      <a:lightRig rig="threePt" dir="t"/>
+    </dgm:scene3d>
+    <dgm:sp3d/>
+    <dgm:txPr/>
+    <dgm:style>
+      <a:lnRef idx="2">
+        <a:scrgbClr r="0" g="0" b="0"/>
+      </a:lnRef>
+      <a:fillRef idx="1">
+        <a:scrgbClr r="0" g="0" b="0"/>
+      </a:fillRef>
+      <a:effectRef idx="0">
+        <a:scrgbClr r="0" g="0" b="0"/>
+      </a:effectRef>
+      <a:fontRef idx="minor"/>
+    </dgm:style>
+  </dgm:styleLbl>
+  <dgm:styleLbl name="fgAcc3">
+    <dgm:scene3d>
+      <a:camera prst="orthographicFront"/>
+      <a:lightRig rig="threePt" dir="t"/>
+    </dgm:scene3d>
+    <dgm:sp3d/>
+    <dgm:txPr/>
+    <dgm:style>
+      <a:lnRef idx="2">
+        <a:scrgbClr r="0" g="0" b="0"/>
+      </a:lnRef>
+      <a:fillRef idx="1">
+        <a:scrgbClr r="0" g="0" b="0"/>
+      </a:fillRef>
+      <a:effectRef idx="0">
+        <a:scrgbClr r="0" g="0" b="0"/>
+      </a:effectRef>
+      <a:fontRef idx="minor"/>
+    </dgm:style>
+  </dgm:styleLbl>
+  <dgm:styleLbl name="fgAcc4">
+    <dgm:scene3d>
+      <a:camera prst="orthographicFront"/>
+      <a:lightRig rig="threePt" dir="t"/>
+    </dgm:scene3d>
+    <dgm:sp3d/>
+    <dgm:txPr/>
+    <dgm:style>
+      <a:lnRef idx="2">
+        <a:scrgbClr r="0" g="0" b="0"/>
+      </a:lnRef>
+      <a:fillRef idx="1">
+        <a:scrgbClr r="0" g="0" b="0"/>
+      </a:fillRef>
+      <a:effectRef idx="0">
+        <a:scrgbClr r="0" g="0" b="0"/>
+      </a:effectRef>
+      <a:fontRef idx="minor"/>
+    </dgm:style>
+  </dgm:styleLbl>
+  <dgm:styleLbl name="bgShp">
+    <dgm:scene3d>
+      <a:camera prst="orthographicFront"/>
+      <a:lightRig rig="threePt" dir="t"/>
+    </dgm:scene3d>
+    <dgm:sp3d/>
+    <dgm:txPr/>
+    <dgm:style>
+      <a:lnRef idx="0">
+        <a:scrgbClr r="0" g="0" b="0"/>
+      </a:lnRef>
+      <a:fillRef idx="1">
+        <a:scrgbClr r="0" g="0" b="0"/>
+      </a:fillRef>
+      <a:effectRef idx="0">
+        <a:scrgbClr r="0" g="0" b="0"/>
+      </a:effectRef>
+      <a:fontRef idx="minor"/>
+    </dgm:style>
+  </dgm:styleLbl>
+  <dgm:styleLbl name="dkBgShp">
+    <dgm:scene3d>
+      <a:camera prst="orthographicFront"/>
+      <a:lightRig rig="threePt" dir="t"/>
+    </dgm:scene3d>
+    <dgm:sp3d/>
+    <dgm:txPr/>
+    <dgm:style>
+      <a:lnRef idx="0">
+        <a:scrgbClr r="0" g="0" b="0"/>
+      </a:lnRef>
+      <a:fillRef idx="1">
+        <a:scrgbClr r="0" g="0" b="0"/>
+      </a:fillRef>
+      <a:effectRef idx="0">
+        <a:scrgbClr r="0" g="0" b="0"/>
+      </a:effectRef>
+      <a:fontRef idx="minor"/>
+    </dgm:style>
+  </dgm:styleLbl>
+  <dgm:styleLbl name="trBgShp">
+    <dgm:scene3d>
+      <a:camera prst="orthographicFront"/>
+      <a:lightRig rig="threePt" dir="t"/>
+    </dgm:scene3d>
+    <dgm:sp3d/>
+    <dgm:txPr/>
+    <dgm:style>
+      <a:lnRef idx="0">
+        <a:scrgbClr r="0" g="0" b="0"/>
+      </a:lnRef>
+      <a:fillRef idx="1">
+        <a:scrgbClr r="0" g="0" b="0"/>
+      </a:fillRef>
+      <a:effectRef idx="0">
+        <a:scrgbClr r="0" g="0" b="0"/>
+      </a:effectRef>
+      <a:fontRef idx="minor"/>
+    </dgm:style>
+  </dgm:styleLbl>
+  <dgm:styleLbl name="fgShp">
+    <dgm:scene3d>
+      <a:camera prst="orthographicFront"/>
+      <a:lightRig rig="threePt" dir="t"/>
+    </dgm:scene3d>
+    <dgm:sp3d/>
+    <dgm:txPr/>
+    <dgm:style>
+      <a:lnRef idx="2">
+        <a:scrgbClr r="0" g="0" b="0"/>
+      </a:lnRef>
+      <a:fillRef idx="1">
+        <a:scrgbClr r="0" g="0" b="0"/>
+      </a:fillRef>
+      <a:effectRef idx="0">
+        <a:scrgbClr r="0" g="0" b="0"/>
+      </a:effectRef>
+      <a:fontRef idx="minor"/>
+    </dgm:style>
+  </dgm:styleLbl>
+  <dgm:styleLbl name="revTx">
+    <dgm:scene3d>
+      <a:camera prst="orthographicFront"/>
+      <a:lightRig rig="threePt" dir="t"/>
+    </dgm:scene3d>
+    <dgm:sp3d/>
+    <dgm:txPr/>
+    <dgm:style>
+      <a:lnRef idx="0">
+        <a:scrgbClr r="0" g="0" b="0"/>
+      </a:lnRef>
+      <a:fillRef idx="0">
+        <a:scrgbClr r="0" g="0" b="0"/>
+      </a:fillRef>
+      <a:effectRef idx="0">
+        <a:scrgbClr r="0" g="0" b="0"/>
+      </a:effectRef>
+      <a:fontRef idx="minor"/>
+    </dgm:style>
+  </dgm:styleLbl>
+</dgm:styleDef>
+</file>
+
+<file path=ppt/diagrams/quickStyle4.xml><?xml version="1.0" encoding="utf-8"?>
 <dgm:styleDef xmlns:dgm="http://schemas.openxmlformats.org/drawingml/2006/diagram" xmlns:a="http://schemas.openxmlformats.org/drawingml/2006/main" uniqueId="urn:microsoft.com/office/officeart/2005/8/quickstyle/simple1">
   <dgm:title val=""/>
   <dgm:desc val=""/>
@@ -8230,7 +10869,7 @@
           <a:p>
             <a:fld id="{45E4F44E-283A-4460-B925-41E8DAD6B399}" type="datetimeFigureOut">
               <a:rPr lang="ru-RU" smtClean="0"/>
-              <a:t>07.12.2023</a:t>
+              <a:t>08.12.2023</a:t>
             </a:fld>
             <a:endParaRPr lang="ru-RU"/>
           </a:p>
@@ -8644,7 +11283,7 @@
           <a:p>
             <a:fld id="{1D1A3722-9A0D-4BC1-8327-DCA81E73DF0D}" type="datetime1">
               <a:rPr lang="ru-RU" smtClean="0"/>
-              <a:t>07.12.2023</a:t>
+              <a:t>08.12.2023</a:t>
             </a:fld>
             <a:endParaRPr lang="ru-RU"/>
           </a:p>
@@ -8842,7 +11481,7 @@
           <a:p>
             <a:fld id="{4D1BB599-0C27-49D2-B8DB-D073EDDA75A1}" type="datetime1">
               <a:rPr lang="ru-RU" smtClean="0"/>
-              <a:t>07.12.2023</a:t>
+              <a:t>08.12.2023</a:t>
             </a:fld>
             <a:endParaRPr lang="ru-RU"/>
           </a:p>
@@ -9050,7 +11689,7 @@
           <a:p>
             <a:fld id="{8FA0793E-D765-4B8C-993D-9792ECE704CF}" type="datetime1">
               <a:rPr lang="ru-RU" smtClean="0"/>
-              <a:t>07.12.2023</a:t>
+              <a:t>08.12.2023</a:t>
             </a:fld>
             <a:endParaRPr lang="ru-RU"/>
           </a:p>
@@ -9248,7 +11887,7 @@
           <a:p>
             <a:fld id="{CEC514DF-95A3-4440-8C92-70183A8B271B}" type="datetime1">
               <a:rPr lang="ru-RU" smtClean="0"/>
-              <a:t>07.12.2023</a:t>
+              <a:t>08.12.2023</a:t>
             </a:fld>
             <a:endParaRPr lang="ru-RU"/>
           </a:p>
@@ -9523,7 +12162,7 @@
           <a:p>
             <a:fld id="{0F089FD3-8D3F-4D70-810C-C3BAB130620C}" type="datetime1">
               <a:rPr lang="ru-RU" smtClean="0"/>
-              <a:t>07.12.2023</a:t>
+              <a:t>08.12.2023</a:t>
             </a:fld>
             <a:endParaRPr lang="ru-RU"/>
           </a:p>
@@ -9788,7 +12427,7 @@
           <a:p>
             <a:fld id="{03BD065C-6440-4ADD-9661-2BC858116C36}" type="datetime1">
               <a:rPr lang="ru-RU" smtClean="0"/>
-              <a:t>07.12.2023</a:t>
+              <a:t>08.12.2023</a:t>
             </a:fld>
             <a:endParaRPr lang="ru-RU"/>
           </a:p>
@@ -10200,7 +12839,7 @@
           <a:p>
             <a:fld id="{9C9F2781-6084-4967-8B27-EFD45617B623}" type="datetime1">
               <a:rPr lang="ru-RU" smtClean="0"/>
-              <a:t>07.12.2023</a:t>
+              <a:t>08.12.2023</a:t>
             </a:fld>
             <a:endParaRPr lang="ru-RU"/>
           </a:p>
@@ -10341,7 +12980,7 @@
           <a:p>
             <a:fld id="{23075A13-C093-4814-9337-1B1624BE83A9}" type="datetime1">
               <a:rPr lang="ru-RU" smtClean="0"/>
-              <a:t>07.12.2023</a:t>
+              <a:t>08.12.2023</a:t>
             </a:fld>
             <a:endParaRPr lang="ru-RU"/>
           </a:p>
@@ -10454,7 +13093,7 @@
           <a:p>
             <a:fld id="{3CCC03B5-CA10-40A1-8AFF-ACF6793E6DE9}" type="datetime1">
               <a:rPr lang="ru-RU" smtClean="0"/>
-              <a:t>07.12.2023</a:t>
+              <a:t>08.12.2023</a:t>
             </a:fld>
             <a:endParaRPr lang="ru-RU"/>
           </a:p>
@@ -10765,7 +13404,7 @@
           <a:p>
             <a:fld id="{BC914419-F479-4EF7-BD8A-052207687194}" type="datetime1">
               <a:rPr lang="ru-RU" smtClean="0"/>
-              <a:t>07.12.2023</a:t>
+              <a:t>08.12.2023</a:t>
             </a:fld>
             <a:endParaRPr lang="ru-RU"/>
           </a:p>
@@ -11053,7 +13692,7 @@
           <a:p>
             <a:fld id="{A9F53061-9FC4-4FC1-A9FE-D0609EFC237C}" type="datetime1">
               <a:rPr lang="ru-RU" smtClean="0"/>
-              <a:t>07.12.2023</a:t>
+              <a:t>08.12.2023</a:t>
             </a:fld>
             <a:endParaRPr lang="ru-RU"/>
           </a:p>
@@ -11294,7 +13933,7 @@
           <a:p>
             <a:fld id="{97896050-A59A-406A-8488-78CA896E19D3}" type="datetime1">
               <a:rPr lang="ru-RU" smtClean="0"/>
-              <a:t>07.12.2023</a:t>
+              <a:t>08.12.2023</a:t>
             </a:fld>
             <a:endParaRPr lang="ru-RU"/>
           </a:p>
@@ -12071,7 +14710,7 @@
                 <a:effectLst/>
                 <a:latin typeface="Tinos"/>
               </a:rPr>
-              <a:t>«Чтобы иметь деньги, нужно их делать. Чтобы делать большие деньги, нужно вовремя делать правильные вещи» © </a:t>
+              <a:t>«Если ты не найдёшь способ зарабатывать деньги, пока спишь , то ты будешь работать , пока не умрешь» © </a:t>
             </a:r>
             <a:r>
               <a:rPr lang="ru-RU" b="1" i="1" dirty="0">
@@ -12081,7 +14720,7 @@
                 <a:effectLst/>
                 <a:latin typeface="Tinos"/>
               </a:rPr>
-              <a:t>Эдвин </a:t>
+              <a:t>Уоррен </a:t>
             </a:r>
             <a:r>
               <a:rPr lang="ru-RU" b="1" i="1" dirty="0" err="1">
@@ -12091,7 +14730,7 @@
                 <a:effectLst/>
                 <a:latin typeface="Tinos"/>
               </a:rPr>
-              <a:t>Лефевр</a:t>
+              <a:t>Баффет</a:t>
             </a:r>
             <a:endParaRPr lang="ru-RU" dirty="0"/>
           </a:p>
@@ -12187,7 +14826,7 @@
         </p:nvSpPr>
         <p:spPr>
           <a:xfrm>
-            <a:off x="181252" y="178694"/>
+            <a:off x="119108" y="79307"/>
             <a:ext cx="7533443" cy="496009"/>
           </a:xfrm>
         </p:spPr>
@@ -12218,7 +14857,7 @@
         </p:nvSpPr>
         <p:spPr>
           <a:xfrm>
-            <a:off x="181252" y="736847"/>
+            <a:off x="181252" y="781237"/>
             <a:ext cx="11572783" cy="646331"/>
           </a:xfrm>
           <a:prstGeom prst="rect">
@@ -13564,6 +16203,52 @@
           </a:p>
         </p:txBody>
       </p:sp>
+      <p:sp>
+        <p:nvSpPr>
+          <p:cNvPr id="3" name="Прямоугольник 2">
+            <a:extLst>
+              <a:ext uri="{FF2B5EF4-FFF2-40B4-BE49-F238E27FC236}">
+                <a16:creationId xmlns:a16="http://schemas.microsoft.com/office/drawing/2014/main" id="{E2A5784F-EF98-4A34-8262-0CBB1390ACF7}"/>
+              </a:ext>
+            </a:extLst>
+          </p:cNvPr>
+          <p:cNvSpPr/>
+          <p:nvPr/>
+        </p:nvSpPr>
+        <p:spPr>
+          <a:xfrm>
+            <a:off x="213064" y="587200"/>
+            <a:ext cx="8060924" cy="45719"/>
+          </a:xfrm>
+          <a:prstGeom prst="rect">
+            <a:avLst/>
+          </a:prstGeom>
+        </p:spPr>
+        <p:style>
+          <a:lnRef idx="2">
+            <a:schemeClr val="accent1">
+              <a:shade val="50000"/>
+            </a:schemeClr>
+          </a:lnRef>
+          <a:fillRef idx="1">
+            <a:schemeClr val="accent1"/>
+          </a:fillRef>
+          <a:effectRef idx="0">
+            <a:schemeClr val="accent1"/>
+          </a:effectRef>
+          <a:fontRef idx="minor">
+            <a:schemeClr val="lt1"/>
+          </a:fontRef>
+        </p:style>
+        <p:txBody>
+          <a:bodyPr rtlCol="0" anchor="ctr"/>
+          <a:lstStyle/>
+          <a:p>
+            <a:pPr algn="ctr"/>
+            <a:endParaRPr lang="ru-RU"/>
+          </a:p>
+        </p:txBody>
+      </p:sp>
     </p:spTree>
     <p:extLst>
       <p:ext uri="{BB962C8B-B14F-4D97-AF65-F5344CB8AC3E}">
@@ -13612,7 +16297,7 @@
         </p:nvSpPr>
         <p:spPr>
           <a:xfrm>
-            <a:off x="181252" y="178694"/>
+            <a:off x="101353" y="89193"/>
             <a:ext cx="9992558" cy="496009"/>
           </a:xfrm>
         </p:spPr>
@@ -14307,6 +16992,52 @@
           </a:p>
         </p:txBody>
       </p:sp>
+      <p:sp>
+        <p:nvSpPr>
+          <p:cNvPr id="22" name="Прямоугольник 21">
+            <a:extLst>
+              <a:ext uri="{FF2B5EF4-FFF2-40B4-BE49-F238E27FC236}">
+                <a16:creationId xmlns:a16="http://schemas.microsoft.com/office/drawing/2014/main" id="{754FD00F-3DD5-4E99-8AA1-E1C557CC17B0}"/>
+              </a:ext>
+            </a:extLst>
+          </p:cNvPr>
+          <p:cNvSpPr/>
+          <p:nvPr/>
+        </p:nvSpPr>
+        <p:spPr>
+          <a:xfrm>
+            <a:off x="213064" y="587200"/>
+            <a:ext cx="8060924" cy="45719"/>
+          </a:xfrm>
+          <a:prstGeom prst="rect">
+            <a:avLst/>
+          </a:prstGeom>
+        </p:spPr>
+        <p:style>
+          <a:lnRef idx="2">
+            <a:schemeClr val="accent1">
+              <a:shade val="50000"/>
+            </a:schemeClr>
+          </a:lnRef>
+          <a:fillRef idx="1">
+            <a:schemeClr val="accent1"/>
+          </a:fillRef>
+          <a:effectRef idx="0">
+            <a:schemeClr val="accent1"/>
+          </a:effectRef>
+          <a:fontRef idx="minor">
+            <a:schemeClr val="lt1"/>
+          </a:fontRef>
+        </p:style>
+        <p:txBody>
+          <a:bodyPr rtlCol="0" anchor="ctr"/>
+          <a:lstStyle/>
+          <a:p>
+            <a:pPr algn="ctr"/>
+            <a:endParaRPr lang="ru-RU"/>
+          </a:p>
+        </p:txBody>
+      </p:sp>
     </p:spTree>
     <p:extLst>
       <p:ext uri="{BB962C8B-B14F-4D97-AF65-F5344CB8AC3E}">
@@ -14355,7 +17086,7 @@
         </p:nvSpPr>
         <p:spPr>
           <a:xfrm>
-            <a:off x="92476" y="162337"/>
+            <a:off x="92476" y="45396"/>
             <a:ext cx="12099524" cy="496009"/>
           </a:xfrm>
         </p:spPr>
@@ -15475,6 +18206,52 @@
           </a:p>
         </p:txBody>
       </p:sp>
+      <p:sp>
+        <p:nvSpPr>
+          <p:cNvPr id="22" name="Прямоугольник 21">
+            <a:extLst>
+              <a:ext uri="{FF2B5EF4-FFF2-40B4-BE49-F238E27FC236}">
+                <a16:creationId xmlns:a16="http://schemas.microsoft.com/office/drawing/2014/main" id="{5CDF178D-8BC8-44A7-A59D-4A04354CF835}"/>
+              </a:ext>
+            </a:extLst>
+          </p:cNvPr>
+          <p:cNvSpPr/>
+          <p:nvPr/>
+        </p:nvSpPr>
+        <p:spPr>
+          <a:xfrm>
+            <a:off x="213064" y="587200"/>
+            <a:ext cx="8060924" cy="45719"/>
+          </a:xfrm>
+          <a:prstGeom prst="rect">
+            <a:avLst/>
+          </a:prstGeom>
+        </p:spPr>
+        <p:style>
+          <a:lnRef idx="2">
+            <a:schemeClr val="accent1">
+              <a:shade val="50000"/>
+            </a:schemeClr>
+          </a:lnRef>
+          <a:fillRef idx="1">
+            <a:schemeClr val="accent1"/>
+          </a:fillRef>
+          <a:effectRef idx="0">
+            <a:schemeClr val="accent1"/>
+          </a:effectRef>
+          <a:fontRef idx="minor">
+            <a:schemeClr val="lt1"/>
+          </a:fontRef>
+        </p:style>
+        <p:txBody>
+          <a:bodyPr rtlCol="0" anchor="ctr"/>
+          <a:lstStyle/>
+          <a:p>
+            <a:pPr algn="ctr"/>
+            <a:endParaRPr lang="ru-RU"/>
+          </a:p>
+        </p:txBody>
+      </p:sp>
     </p:spTree>
     <p:extLst>
       <p:ext uri="{BB962C8B-B14F-4D97-AF65-F5344CB8AC3E}">
@@ -15523,7 +18300,7 @@
         </p:nvSpPr>
         <p:spPr>
           <a:xfrm>
-            <a:off x="92476" y="162337"/>
+            <a:off x="92476" y="54602"/>
             <a:ext cx="12099524" cy="496009"/>
           </a:xfrm>
         </p:spPr>
@@ -15554,8 +18331,8 @@
         </p:nvSpPr>
         <p:spPr>
           <a:xfrm>
-            <a:off x="304255" y="657640"/>
-            <a:ext cx="5904465" cy="707886"/>
+            <a:off x="203302" y="809129"/>
+            <a:ext cx="6852408" cy="400110"/>
           </a:xfrm>
           <a:prstGeom prst="rect">
             <a:avLst/>
@@ -16867,6 +19644,52 @@
           </a:fontRef>
         </p:style>
       </p:cxnSp>
+      <p:sp>
+        <p:nvSpPr>
+          <p:cNvPr id="36" name="Прямоугольник 35">
+            <a:extLst>
+              <a:ext uri="{FF2B5EF4-FFF2-40B4-BE49-F238E27FC236}">
+                <a16:creationId xmlns:a16="http://schemas.microsoft.com/office/drawing/2014/main" id="{433145D1-2F4A-4AE9-AE35-48EF30BD499A}"/>
+              </a:ext>
+            </a:extLst>
+          </p:cNvPr>
+          <p:cNvSpPr/>
+          <p:nvPr/>
+        </p:nvSpPr>
+        <p:spPr>
+          <a:xfrm>
+            <a:off x="213064" y="587200"/>
+            <a:ext cx="8060924" cy="45719"/>
+          </a:xfrm>
+          <a:prstGeom prst="rect">
+            <a:avLst/>
+          </a:prstGeom>
+        </p:spPr>
+        <p:style>
+          <a:lnRef idx="2">
+            <a:schemeClr val="accent1">
+              <a:shade val="50000"/>
+            </a:schemeClr>
+          </a:lnRef>
+          <a:fillRef idx="1">
+            <a:schemeClr val="accent1"/>
+          </a:fillRef>
+          <a:effectRef idx="0">
+            <a:schemeClr val="accent1"/>
+          </a:effectRef>
+          <a:fontRef idx="minor">
+            <a:schemeClr val="lt1"/>
+          </a:fontRef>
+        </p:style>
+        <p:txBody>
+          <a:bodyPr rtlCol="0" anchor="ctr"/>
+          <a:lstStyle/>
+          <a:p>
+            <a:pPr algn="ctr"/>
+            <a:endParaRPr lang="ru-RU"/>
+          </a:p>
+        </p:txBody>
+      </p:sp>
     </p:spTree>
     <p:extLst>
       <p:ext uri="{BB962C8B-B14F-4D97-AF65-F5344CB8AC3E}">
@@ -16915,7 +19738,563 @@
         </p:nvSpPr>
         <p:spPr>
           <a:xfrm>
-            <a:off x="92476" y="162337"/>
+            <a:off x="92476" y="65340"/>
+            <a:ext cx="12099524" cy="496009"/>
+          </a:xfrm>
+        </p:spPr>
+        <p:txBody>
+          <a:bodyPr>
+            <a:normAutofit fontScale="90000"/>
+          </a:bodyPr>
+          <a:lstStyle/>
+          <a:p>
+            <a:r>
+              <a:rPr lang="ru-RU" b="1" dirty="0"/>
+              <a:t>ФОРМРОВАНИЕ ПОРТФЕЛЯ</a:t>
+            </a:r>
+          </a:p>
+        </p:txBody>
+      </p:sp>
+      <p:pic>
+        <p:nvPicPr>
+          <p:cNvPr id="4" name="Рисунок 3">
+            <a:extLst>
+              <a:ext uri="{FF2B5EF4-FFF2-40B4-BE49-F238E27FC236}">
+                <a16:creationId xmlns:a16="http://schemas.microsoft.com/office/drawing/2014/main" id="{E59F7C65-403C-4807-AE9C-0AE4055290EF}"/>
+              </a:ext>
+            </a:extLst>
+          </p:cNvPr>
+          <p:cNvPicPr>
+            <a:picLocks noChangeAspect="1"/>
+          </p:cNvPicPr>
+          <p:nvPr/>
+        </p:nvPicPr>
+        <p:blipFill>
+          <a:blip r:embed="rId2"/>
+          <a:stretch>
+            <a:fillRect/>
+          </a:stretch>
+        </p:blipFill>
+        <p:spPr>
+          <a:xfrm>
+            <a:off x="159798" y="1302886"/>
+            <a:ext cx="5690586" cy="2498523"/>
+          </a:xfrm>
+          <a:prstGeom prst="rect">
+            <a:avLst/>
+          </a:prstGeom>
+        </p:spPr>
+      </p:pic>
+      <p:sp>
+        <p:nvSpPr>
+          <p:cNvPr id="6" name="TextBox 5">
+            <a:extLst>
+              <a:ext uri="{FF2B5EF4-FFF2-40B4-BE49-F238E27FC236}">
+                <a16:creationId xmlns:a16="http://schemas.microsoft.com/office/drawing/2014/main" id="{0C6DF50B-3ED4-46FC-B71B-79DEDD0E55FF}"/>
+              </a:ext>
+            </a:extLst>
+          </p:cNvPr>
+          <p:cNvSpPr txBox="1"/>
+          <p:nvPr/>
+        </p:nvSpPr>
+        <p:spPr>
+          <a:xfrm>
+            <a:off x="159798" y="754602"/>
+            <a:ext cx="5005794" cy="369332"/>
+          </a:xfrm>
+          <a:prstGeom prst="rect">
+            <a:avLst/>
+          </a:prstGeom>
+          <a:solidFill>
+            <a:schemeClr val="bg1">
+              <a:lumMod val="75000"/>
+            </a:schemeClr>
+          </a:solidFill>
+        </p:spPr>
+        <p:txBody>
+          <a:bodyPr wrap="none" rtlCol="0">
+            <a:spAutoFit/>
+          </a:bodyPr>
+          <a:lstStyle/>
+          <a:p>
+            <a:r>
+              <a:rPr lang="ru-RU" dirty="0"/>
+              <a:t>Скоринг на основе данных прогноза доходности </a:t>
+            </a:r>
+          </a:p>
+        </p:txBody>
+      </p:sp>
+      <p:sp>
+        <p:nvSpPr>
+          <p:cNvPr id="7" name="TextBox 6">
+            <a:extLst>
+              <a:ext uri="{FF2B5EF4-FFF2-40B4-BE49-F238E27FC236}">
+                <a16:creationId xmlns:a16="http://schemas.microsoft.com/office/drawing/2014/main" id="{385A6B40-1F91-4A79-888E-CF78F2C141D3}"/>
+              </a:ext>
+            </a:extLst>
+          </p:cNvPr>
+          <p:cNvSpPr txBox="1"/>
+          <p:nvPr/>
+        </p:nvSpPr>
+        <p:spPr>
+          <a:xfrm>
+            <a:off x="6252841" y="1574873"/>
+            <a:ext cx="995785" cy="369332"/>
+          </a:xfrm>
+          <a:prstGeom prst="rect">
+            <a:avLst/>
+          </a:prstGeom>
+          <a:solidFill>
+            <a:schemeClr val="bg1">
+              <a:lumMod val="75000"/>
+            </a:schemeClr>
+          </a:solidFill>
+        </p:spPr>
+        <p:txBody>
+          <a:bodyPr wrap="none" rtlCol="0">
+            <a:spAutoFit/>
+          </a:bodyPr>
+          <a:lstStyle/>
+          <a:p>
+            <a:r>
+              <a:rPr lang="ru-RU" dirty="0"/>
+              <a:t>Прогноз</a:t>
+            </a:r>
+          </a:p>
+        </p:txBody>
+      </p:sp>
+      <p:sp>
+        <p:nvSpPr>
+          <p:cNvPr id="8" name="Овал 7">
+            <a:extLst>
+              <a:ext uri="{FF2B5EF4-FFF2-40B4-BE49-F238E27FC236}">
+                <a16:creationId xmlns:a16="http://schemas.microsoft.com/office/drawing/2014/main" id="{53CBDAF6-DC1D-4F7B-80B1-612B411593B2}"/>
+              </a:ext>
+            </a:extLst>
+          </p:cNvPr>
+          <p:cNvSpPr/>
+          <p:nvPr/>
+        </p:nvSpPr>
+        <p:spPr>
+          <a:xfrm>
+            <a:off x="5165592" y="2024104"/>
+            <a:ext cx="782447" cy="763479"/>
+          </a:xfrm>
+          <a:prstGeom prst="ellipse">
+            <a:avLst/>
+          </a:prstGeom>
+          <a:noFill/>
+          <a:ln>
+            <a:solidFill>
+              <a:srgbClr val="FF0000"/>
+            </a:solidFill>
+          </a:ln>
+        </p:spPr>
+        <p:style>
+          <a:lnRef idx="2">
+            <a:schemeClr val="accent1">
+              <a:shade val="50000"/>
+            </a:schemeClr>
+          </a:lnRef>
+          <a:fillRef idx="1">
+            <a:schemeClr val="accent1"/>
+          </a:fillRef>
+          <a:effectRef idx="0">
+            <a:schemeClr val="accent1"/>
+          </a:effectRef>
+          <a:fontRef idx="minor">
+            <a:schemeClr val="lt1"/>
+          </a:fontRef>
+        </p:style>
+        <p:txBody>
+          <a:bodyPr rtlCol="0" anchor="ctr"/>
+          <a:lstStyle/>
+          <a:p>
+            <a:pPr algn="ctr"/>
+            <a:endParaRPr lang="ru-RU"/>
+          </a:p>
+        </p:txBody>
+      </p:sp>
+      <p:cxnSp>
+        <p:nvCxnSpPr>
+          <p:cNvPr id="10" name="Прямая со стрелкой 9">
+            <a:extLst>
+              <a:ext uri="{FF2B5EF4-FFF2-40B4-BE49-F238E27FC236}">
+                <a16:creationId xmlns:a16="http://schemas.microsoft.com/office/drawing/2014/main" id="{05DB5322-3BE9-4ED2-9219-56EA60A2E4D9}"/>
+              </a:ext>
+            </a:extLst>
+          </p:cNvPr>
+          <p:cNvCxnSpPr>
+            <a:stCxn id="7" idx="1"/>
+            <a:endCxn id="8" idx="7"/>
+          </p:cNvCxnSpPr>
+          <p:nvPr/>
+        </p:nvCxnSpPr>
+        <p:spPr>
+          <a:xfrm flipH="1">
+            <a:off x="5833452" y="1759539"/>
+            <a:ext cx="419389" cy="376374"/>
+          </a:xfrm>
+          <a:prstGeom prst="straightConnector1">
+            <a:avLst/>
+          </a:prstGeom>
+          <a:ln>
+            <a:solidFill>
+              <a:schemeClr val="bg1">
+                <a:lumMod val="65000"/>
+              </a:schemeClr>
+            </a:solidFill>
+            <a:tailEnd type="triangle"/>
+          </a:ln>
+        </p:spPr>
+        <p:style>
+          <a:lnRef idx="1">
+            <a:schemeClr val="accent1"/>
+          </a:lnRef>
+          <a:fillRef idx="0">
+            <a:schemeClr val="accent1"/>
+          </a:fillRef>
+          <a:effectRef idx="0">
+            <a:schemeClr val="accent1"/>
+          </a:effectRef>
+          <a:fontRef idx="minor">
+            <a:schemeClr val="tx1"/>
+          </a:fontRef>
+        </p:style>
+      </p:cxnSp>
+      <p:graphicFrame>
+        <p:nvGraphicFramePr>
+          <p:cNvPr id="12" name="Схема 11">
+            <a:extLst>
+              <a:ext uri="{FF2B5EF4-FFF2-40B4-BE49-F238E27FC236}">
+                <a16:creationId xmlns:a16="http://schemas.microsoft.com/office/drawing/2014/main" id="{07283D5A-2D02-4D16-865C-C4475954E9B2}"/>
+              </a:ext>
+            </a:extLst>
+          </p:cNvPr>
+          <p:cNvGraphicFramePr/>
+          <p:nvPr>
+            <p:extLst>
+              <p:ext uri="{D42A27DB-BD31-4B8C-83A1-F6EECF244321}">
+                <p14:modId xmlns:p14="http://schemas.microsoft.com/office/powerpoint/2010/main" val="1597824914"/>
+              </p:ext>
+            </p:extLst>
+          </p:nvPr>
+        </p:nvGraphicFramePr>
+        <p:xfrm>
+          <a:off x="523289" y="4521835"/>
+          <a:ext cx="10849500" cy="947967"/>
+        </p:xfrm>
+        <a:graphic>
+          <a:graphicData uri="http://schemas.openxmlformats.org/drawingml/2006/diagram">
+            <dgm:relIds xmlns:dgm="http://schemas.openxmlformats.org/drawingml/2006/diagram" xmlns:r="http://schemas.openxmlformats.org/officeDocument/2006/relationships" r:dm="rId3" r:lo="rId4" r:qs="rId5" r:cs="rId6"/>
+          </a:graphicData>
+        </a:graphic>
+      </p:graphicFrame>
+      <p:pic>
+        <p:nvPicPr>
+          <p:cNvPr id="24" name="Рисунок 23">
+            <a:extLst>
+              <a:ext uri="{FF2B5EF4-FFF2-40B4-BE49-F238E27FC236}">
+                <a16:creationId xmlns:a16="http://schemas.microsoft.com/office/drawing/2014/main" id="{3D7A5196-D5A9-444C-B5A1-D6B4485CB354}"/>
+              </a:ext>
+            </a:extLst>
+          </p:cNvPr>
+          <p:cNvPicPr/>
+          <p:nvPr/>
+        </p:nvPicPr>
+        <p:blipFill>
+          <a:blip r:embed="rId8">
+            <a:extLst>
+              <a:ext uri="{28A0092B-C50C-407E-A947-70E740481C1C}">
+                <a14:useLocalDpi xmlns:a14="http://schemas.microsoft.com/office/drawing/2010/main" val="0"/>
+              </a:ext>
+            </a:extLst>
+          </a:blip>
+          <a:srcRect/>
+          <a:stretch>
+            <a:fillRect/>
+          </a:stretch>
+        </p:blipFill>
+        <p:spPr bwMode="auto">
+          <a:xfrm>
+            <a:off x="7651083" y="1302886"/>
+            <a:ext cx="4234538" cy="2498523"/>
+          </a:xfrm>
+          <a:prstGeom prst="rect">
+            <a:avLst/>
+          </a:prstGeom>
+          <a:noFill/>
+          <a:ln>
+            <a:noFill/>
+          </a:ln>
+        </p:spPr>
+      </p:pic>
+      <p:cxnSp>
+        <p:nvCxnSpPr>
+          <p:cNvPr id="17" name="Прямая со стрелкой 16">
+            <a:extLst>
+              <a:ext uri="{FF2B5EF4-FFF2-40B4-BE49-F238E27FC236}">
+                <a16:creationId xmlns:a16="http://schemas.microsoft.com/office/drawing/2014/main" id="{94C14E56-8D78-40EC-8685-179C6C5C948A}"/>
+              </a:ext>
+            </a:extLst>
+          </p:cNvPr>
+          <p:cNvCxnSpPr>
+            <a:stCxn id="7" idx="3"/>
+          </p:cNvCxnSpPr>
+          <p:nvPr/>
+        </p:nvCxnSpPr>
+        <p:spPr>
+          <a:xfrm>
+            <a:off x="7248626" y="1759539"/>
+            <a:ext cx="1469246" cy="792608"/>
+          </a:xfrm>
+          <a:prstGeom prst="straightConnector1">
+            <a:avLst/>
+          </a:prstGeom>
+          <a:ln>
+            <a:tailEnd type="triangle"/>
+          </a:ln>
+        </p:spPr>
+        <p:style>
+          <a:lnRef idx="1">
+            <a:schemeClr val="accent1"/>
+          </a:lnRef>
+          <a:fillRef idx="0">
+            <a:schemeClr val="accent1"/>
+          </a:fillRef>
+          <a:effectRef idx="0">
+            <a:schemeClr val="accent1"/>
+          </a:effectRef>
+          <a:fontRef idx="minor">
+            <a:schemeClr val="tx1"/>
+          </a:fontRef>
+        </p:style>
+      </p:cxnSp>
+      <p:sp>
+        <p:nvSpPr>
+          <p:cNvPr id="18" name="TextBox 17">
+            <a:extLst>
+              <a:ext uri="{FF2B5EF4-FFF2-40B4-BE49-F238E27FC236}">
+                <a16:creationId xmlns:a16="http://schemas.microsoft.com/office/drawing/2014/main" id="{437FD8E2-8D00-4D80-9817-41BB87B4EB1C}"/>
+              </a:ext>
+            </a:extLst>
+          </p:cNvPr>
+          <p:cNvSpPr txBox="1"/>
+          <p:nvPr/>
+        </p:nvSpPr>
+        <p:spPr>
+          <a:xfrm>
+            <a:off x="4088412" y="4049111"/>
+            <a:ext cx="3909468" cy="369332"/>
+          </a:xfrm>
+          <a:prstGeom prst="rect">
+            <a:avLst/>
+          </a:prstGeom>
+          <a:solidFill>
+            <a:schemeClr val="bg1">
+              <a:lumMod val="85000"/>
+            </a:schemeClr>
+          </a:solidFill>
+        </p:spPr>
+        <p:txBody>
+          <a:bodyPr wrap="none" rtlCol="0">
+            <a:spAutoFit/>
+          </a:bodyPr>
+          <a:lstStyle/>
+          <a:p>
+            <a:r>
+              <a:rPr lang="ru-RU" b="1" dirty="0" err="1"/>
+              <a:t>Пайпалайн</a:t>
+            </a:r>
+            <a:r>
+              <a:rPr lang="ru-RU" b="1" dirty="0"/>
+              <a:t> формирования портфеля</a:t>
+            </a:r>
+          </a:p>
+        </p:txBody>
+      </p:sp>
+      <p:sp>
+        <p:nvSpPr>
+          <p:cNvPr id="29" name="TextBox 28">
+            <a:extLst>
+              <a:ext uri="{FF2B5EF4-FFF2-40B4-BE49-F238E27FC236}">
+                <a16:creationId xmlns:a16="http://schemas.microsoft.com/office/drawing/2014/main" id="{3D0369F8-E3ED-4A75-893D-AF48083C640B}"/>
+              </a:ext>
+            </a:extLst>
+          </p:cNvPr>
+          <p:cNvSpPr txBox="1"/>
+          <p:nvPr/>
+        </p:nvSpPr>
+        <p:spPr>
+          <a:xfrm>
+            <a:off x="414536" y="5820896"/>
+            <a:ext cx="1392882" cy="369332"/>
+          </a:xfrm>
+          <a:prstGeom prst="rect">
+            <a:avLst/>
+          </a:prstGeom>
+          <a:solidFill>
+            <a:schemeClr val="bg1">
+              <a:lumMod val="85000"/>
+            </a:schemeClr>
+          </a:solidFill>
+        </p:spPr>
+        <p:txBody>
+          <a:bodyPr wrap="none" rtlCol="0">
+            <a:spAutoFit/>
+          </a:bodyPr>
+          <a:lstStyle/>
+          <a:p>
+            <a:r>
+              <a:rPr lang="ru-RU" b="1" dirty="0"/>
+              <a:t>Технологии:</a:t>
+            </a:r>
+          </a:p>
+        </p:txBody>
+      </p:sp>
+      <p:sp>
+        <p:nvSpPr>
+          <p:cNvPr id="19" name="TextBox 18">
+            <a:extLst>
+              <a:ext uri="{FF2B5EF4-FFF2-40B4-BE49-F238E27FC236}">
+                <a16:creationId xmlns:a16="http://schemas.microsoft.com/office/drawing/2014/main" id="{B9116B16-E0B2-43E8-A8B5-584E48771F8F}"/>
+              </a:ext>
+            </a:extLst>
+          </p:cNvPr>
+          <p:cNvSpPr txBox="1"/>
+          <p:nvPr/>
+        </p:nvSpPr>
+        <p:spPr>
+          <a:xfrm>
+            <a:off x="414536" y="6312023"/>
+            <a:ext cx="3242554" cy="369332"/>
+          </a:xfrm>
+          <a:prstGeom prst="rect">
+            <a:avLst/>
+          </a:prstGeom>
+          <a:noFill/>
+        </p:spPr>
+        <p:txBody>
+          <a:bodyPr wrap="none" rtlCol="0">
+            <a:spAutoFit/>
+          </a:bodyPr>
+          <a:lstStyle/>
+          <a:p>
+            <a:r>
+              <a:rPr lang="en-US" dirty="0" err="1"/>
+              <a:t>LightAutoML</a:t>
+            </a:r>
+            <a:r>
+              <a:rPr lang="en-US" dirty="0"/>
+              <a:t>,</a:t>
+            </a:r>
+            <a:r>
+              <a:rPr lang="ru-RU" dirty="0"/>
+              <a:t> </a:t>
+            </a:r>
+            <a:r>
+              <a:rPr lang="en-US" dirty="0"/>
+              <a:t>timeseries predict </a:t>
+            </a:r>
+            <a:endParaRPr lang="ru-RU" dirty="0"/>
+          </a:p>
+        </p:txBody>
+      </p:sp>
+      <p:sp>
+        <p:nvSpPr>
+          <p:cNvPr id="31" name="Прямоугольник 30">
+            <a:extLst>
+              <a:ext uri="{FF2B5EF4-FFF2-40B4-BE49-F238E27FC236}">
+                <a16:creationId xmlns:a16="http://schemas.microsoft.com/office/drawing/2014/main" id="{76D47A28-9DD1-42C2-B462-4033B214CB0E}"/>
+              </a:ext>
+            </a:extLst>
+          </p:cNvPr>
+          <p:cNvSpPr/>
+          <p:nvPr/>
+        </p:nvSpPr>
+        <p:spPr>
+          <a:xfrm>
+            <a:off x="213064" y="587200"/>
+            <a:ext cx="8060924" cy="45719"/>
+          </a:xfrm>
+          <a:prstGeom prst="rect">
+            <a:avLst/>
+          </a:prstGeom>
+        </p:spPr>
+        <p:style>
+          <a:lnRef idx="2">
+            <a:schemeClr val="accent1">
+              <a:shade val="50000"/>
+            </a:schemeClr>
+          </a:lnRef>
+          <a:fillRef idx="1">
+            <a:schemeClr val="accent1"/>
+          </a:fillRef>
+          <a:effectRef idx="0">
+            <a:schemeClr val="accent1"/>
+          </a:effectRef>
+          <a:fontRef idx="minor">
+            <a:schemeClr val="lt1"/>
+          </a:fontRef>
+        </p:style>
+        <p:txBody>
+          <a:bodyPr rtlCol="0" anchor="ctr"/>
+          <a:lstStyle/>
+          <a:p>
+            <a:pPr algn="ctr"/>
+            <a:endParaRPr lang="ru-RU"/>
+          </a:p>
+        </p:txBody>
+      </p:sp>
+    </p:spTree>
+    <p:extLst>
+      <p:ext uri="{BB962C8B-B14F-4D97-AF65-F5344CB8AC3E}">
+        <p14:creationId xmlns:p14="http://schemas.microsoft.com/office/powerpoint/2010/main" val="854768007"/>
+      </p:ext>
+    </p:extLst>
+  </p:cSld>
+  <p:clrMapOvr>
+    <a:masterClrMapping/>
+  </p:clrMapOvr>
+</p:sld>
+</file>
+
+<file path=ppt/slides/slide7.xml><?xml version="1.0" encoding="utf-8"?>
+<p:sld xmlns:a="http://schemas.openxmlformats.org/drawingml/2006/main" xmlns:r="http://schemas.openxmlformats.org/officeDocument/2006/relationships" xmlns:p="http://schemas.openxmlformats.org/presentationml/2006/main">
+  <p:cSld>
+    <p:spTree>
+      <p:nvGrpSpPr>
+        <p:cNvPr id="1" name=""/>
+        <p:cNvGrpSpPr/>
+        <p:nvPr/>
+      </p:nvGrpSpPr>
+      <p:grpSpPr>
+        <a:xfrm>
+          <a:off x="0" y="0"/>
+          <a:ext cx="0" cy="0"/>
+          <a:chOff x="0" y="0"/>
+          <a:chExt cx="0" cy="0"/>
+        </a:xfrm>
+      </p:grpSpPr>
+      <p:sp>
+        <p:nvSpPr>
+          <p:cNvPr id="2" name="Заголовок 1">
+            <a:extLst>
+              <a:ext uri="{FF2B5EF4-FFF2-40B4-BE49-F238E27FC236}">
+                <a16:creationId xmlns:a16="http://schemas.microsoft.com/office/drawing/2014/main" id="{2DCFEB10-CCC7-43EF-A775-C155B0DBE06C}"/>
+              </a:ext>
+            </a:extLst>
+          </p:cNvPr>
+          <p:cNvSpPr>
+            <a:spLocks noGrp="1"/>
+          </p:cNvSpPr>
+          <p:nvPr>
+            <p:ph type="title"/>
+          </p:nvPr>
+        </p:nvSpPr>
+        <p:spPr>
+          <a:xfrm>
+            <a:off x="92476" y="19790"/>
             <a:ext cx="12099524" cy="496009"/>
           </a:xfrm>
         </p:spPr>
@@ -17120,7 +20499,7 @@
         </p:nvSpPr>
         <p:spPr>
           <a:xfrm>
-            <a:off x="6591125" y="3917269"/>
+            <a:off x="6591125" y="2203878"/>
             <a:ext cx="4807803" cy="400110"/>
           </a:xfrm>
           <a:prstGeom prst="rect">
@@ -17160,8 +20539,8 @@
         </p:nvSpPr>
         <p:spPr>
           <a:xfrm>
-            <a:off x="304254" y="5594145"/>
-            <a:ext cx="5004593" cy="400110"/>
+            <a:off x="6591125" y="5338968"/>
+            <a:ext cx="4807803" cy="400110"/>
           </a:xfrm>
           <a:prstGeom prst="rect">
             <a:avLst/>
@@ -17439,7 +20818,7 @@
         </p:nvSpPr>
         <p:spPr>
           <a:xfrm>
-            <a:off x="9276425" y="6330538"/>
+            <a:off x="9276425" y="4617147"/>
             <a:ext cx="2743200" cy="365125"/>
           </a:xfrm>
         </p:spPr>
@@ -17449,7 +20828,7 @@
           <a:p>
             <a:fld id="{89FB0B25-A98A-4DE3-81E5-EEF3332C112B}" type="slidenum">
               <a:rPr lang="ru-RU" sz="1800" smtClean="0"/>
-              <a:t>6</a:t>
+              <a:t>7</a:t>
             </a:fld>
             <a:endParaRPr lang="ru-RU" sz="1800" dirty="0"/>
           </a:p>
@@ -17469,7 +20848,7 @@
         </p:nvSpPr>
         <p:spPr>
           <a:xfrm>
-            <a:off x="6591125" y="6134552"/>
+            <a:off x="6591125" y="4421161"/>
             <a:ext cx="4807803" cy="307777"/>
           </a:xfrm>
           <a:prstGeom prst="rect">
@@ -17511,7 +20890,7 @@
         </p:nvSpPr>
         <p:spPr>
           <a:xfrm>
-            <a:off x="6591125" y="5594145"/>
+            <a:off x="6591125" y="3880754"/>
             <a:ext cx="4807803" cy="400110"/>
           </a:xfrm>
           <a:prstGeom prst="rect">
@@ -17559,7 +20938,7 @@
         </p:nvSpPr>
         <p:spPr>
           <a:xfrm>
-            <a:off x="6487357" y="4457654"/>
+            <a:off x="6487357" y="2744263"/>
             <a:ext cx="4911571" cy="523220"/>
           </a:xfrm>
           <a:prstGeom prst="rect">
@@ -17582,6 +20961,98 @@
                 <a:hlinkClick r:id="rId10"/>
               </a:rPr>
               <a:t>https://sensational-licorice-a3b0e5.netlify.app/strategy/1-Buy%E2%80%99n%20Hold</a:t>
+            </a:r>
+            <a:endParaRPr lang="ru-RU" sz="1400" dirty="0"/>
+          </a:p>
+        </p:txBody>
+      </p:sp>
+      <p:sp>
+        <p:nvSpPr>
+          <p:cNvPr id="15" name="Прямоугольник 14">
+            <a:extLst>
+              <a:ext uri="{FF2B5EF4-FFF2-40B4-BE49-F238E27FC236}">
+                <a16:creationId xmlns:a16="http://schemas.microsoft.com/office/drawing/2014/main" id="{2B369BFF-AC2D-43D5-BA4D-B7F9A6155B3E}"/>
+              </a:ext>
+            </a:extLst>
+          </p:cNvPr>
+          <p:cNvSpPr/>
+          <p:nvPr/>
+        </p:nvSpPr>
+        <p:spPr>
+          <a:xfrm>
+            <a:off x="190325" y="515799"/>
+            <a:ext cx="8060924" cy="45719"/>
+          </a:xfrm>
+          <a:prstGeom prst="rect">
+            <a:avLst/>
+          </a:prstGeom>
+        </p:spPr>
+        <p:style>
+          <a:lnRef idx="2">
+            <a:schemeClr val="accent1">
+              <a:shade val="50000"/>
+            </a:schemeClr>
+          </a:lnRef>
+          <a:fillRef idx="1">
+            <a:schemeClr val="accent1"/>
+          </a:fillRef>
+          <a:effectRef idx="0">
+            <a:schemeClr val="accent1"/>
+          </a:effectRef>
+          <a:fontRef idx="minor">
+            <a:schemeClr val="lt1"/>
+          </a:fontRef>
+        </p:style>
+        <p:txBody>
+          <a:bodyPr rtlCol="0" anchor="ctr"/>
+          <a:lstStyle/>
+          <a:p>
+            <a:pPr algn="ctr"/>
+            <a:endParaRPr lang="ru-RU"/>
+          </a:p>
+        </p:txBody>
+      </p:sp>
+      <p:sp>
+        <p:nvSpPr>
+          <p:cNvPr id="17" name="TextBox 16">
+            <a:extLst>
+              <a:ext uri="{FF2B5EF4-FFF2-40B4-BE49-F238E27FC236}">
+                <a16:creationId xmlns:a16="http://schemas.microsoft.com/office/drawing/2014/main" id="{4CB654A8-9391-48CD-A299-90062B156889}"/>
+              </a:ext>
+            </a:extLst>
+          </p:cNvPr>
+          <p:cNvSpPr txBox="1"/>
+          <p:nvPr/>
+        </p:nvSpPr>
+        <p:spPr>
+          <a:xfrm>
+            <a:off x="6583259" y="5970857"/>
+            <a:ext cx="4807803" cy="523220"/>
+          </a:xfrm>
+          <a:prstGeom prst="rect">
+            <a:avLst/>
+          </a:prstGeom>
+          <a:noFill/>
+        </p:spPr>
+        <p:txBody>
+          <a:bodyPr wrap="square">
+            <a:spAutoFit/>
+          </a:bodyPr>
+          <a:lstStyle/>
+          <a:p>
+            <a:pPr marL="285750" indent="-285750">
+              <a:buFont typeface="Arial" panose="020B0604020202020204" pitchFamily="34" charset="0"/>
+              <a:buChar char="•"/>
+            </a:pPr>
+            <a:r>
+              <a:rPr lang="ru-RU" sz="1400" dirty="0">
+                <a:hlinkClick r:id="rId11"/>
+              </a:rPr>
+              <a:t>https://github.com/powerlife000/moex_hackaton/blob/main/how-to-guide.pdf</a:t>
+            </a:r>
+            <a:r>
+              <a:rPr lang="en-US" sz="1400" dirty="0"/>
+              <a:t> </a:t>
             </a:r>
             <a:endParaRPr lang="ru-RU" sz="1400" dirty="0"/>
           </a:p>
